--- a/Project1_CarSM/二海租车系统说明文档/租车管理系统11.18.pptx
+++ b/Project1_CarSM/二海租车系统说明文档/租车管理系统11.18.pptx
@@ -5,12 +5,16 @@
     <p:sldMasterId id="2147483648" r:id="rId1"/>
   </p:sldMasterIdLst>
   <p:notesMasterIdLst>
-    <p:notesMasterId r:id="rId5"/>
+    <p:notesMasterId r:id="rId9"/>
   </p:notesMasterIdLst>
   <p:sldIdLst>
     <p:sldId id="256" r:id="rId2"/>
     <p:sldId id="257" r:id="rId3"/>
-    <p:sldId id="258" r:id="rId4"/>
+    <p:sldId id="259" r:id="rId4"/>
+    <p:sldId id="260" r:id="rId5"/>
+    <p:sldId id="258" r:id="rId6"/>
+    <p:sldId id="261" r:id="rId7"/>
+    <p:sldId id="262" r:id="rId8"/>
   </p:sldIdLst>
   <p:sldSz cx="12192000" cy="6858000"/>
   <p:notesSz cx="6858000" cy="9144000"/>
@@ -198,7 +202,8 @@
           </a:lstStyle>
           <a:p>
             <a:fld id="{D02626EF-93AB-F74C-AF90-0548B0FF506C}" type="datetimeFigureOut">
-              <a:t>2018/11/19</a:t>
+              <a:rPr lang="zh-CN" altLang="en-US"/>
+              <a:t>2018/11/20</a:t>
             </a:fld>
             <a:endParaRPr lang="en-US"/>
           </a:p>
@@ -355,6 +360,7 @@
           </a:lstStyle>
           <a:p>
             <a:fld id="{059B0337-CBF1-0E48-8F82-2C8C3CE6DE30}" type="slidenum">
+              <a:rPr/>
               <a:t>‹#›</a:t>
             </a:fld>
             <a:endParaRPr lang="en-US"/>
@@ -464,6 +470,90 @@
 </p:notesMaster>
 </file>
 
+<file path=ppt/notesSlides/notesSlide1.xml><?xml version="1.0" encoding="utf-8"?>
+<p:notes xmlns:a="http://schemas.openxmlformats.org/drawingml/2006/main" xmlns:r="http://schemas.openxmlformats.org/officeDocument/2006/relationships" xmlns:p="http://schemas.openxmlformats.org/presentationml/2006/main">
+  <p:cSld>
+    <p:spTree>
+      <p:nvGrpSpPr>
+        <p:cNvPr id="1" name=""/>
+        <p:cNvGrpSpPr/>
+        <p:nvPr/>
+      </p:nvGrpSpPr>
+      <p:grpSpPr>
+        <a:xfrm>
+          <a:off x="0" y="0"/>
+          <a:ext cx="0" cy="0"/>
+          <a:chOff x="0" y="0"/>
+          <a:chExt cx="0" cy="0"/>
+        </a:xfrm>
+      </p:grpSpPr>
+      <p:sp>
+        <p:nvSpPr>
+          <p:cNvPr id="2" name="幻灯片图像占位符 1"/>
+          <p:cNvSpPr>
+            <a:spLocks noGrp="1" noRot="1" noChangeAspect="1"/>
+          </p:cNvSpPr>
+          <p:nvPr>
+            <p:ph type="sldImg"/>
+          </p:nvPr>
+        </p:nvSpPr>
+        <p:spPr/>
+      </p:sp>
+      <p:sp>
+        <p:nvSpPr>
+          <p:cNvPr id="3" name="备注占位符 2"/>
+          <p:cNvSpPr>
+            <a:spLocks noGrp="1"/>
+          </p:cNvSpPr>
+          <p:nvPr>
+            <p:ph type="body" idx="1"/>
+          </p:nvPr>
+        </p:nvSpPr>
+        <p:spPr/>
+        <p:txBody>
+          <a:bodyPr/>
+          <a:lstStyle/>
+          <a:p>
+            <a:endParaRPr lang="zh-CN" altLang="en-US"/>
+          </a:p>
+        </p:txBody>
+      </p:sp>
+      <p:sp>
+        <p:nvSpPr>
+          <p:cNvPr id="4" name="灯片编号占位符 3"/>
+          <p:cNvSpPr>
+            <a:spLocks noGrp="1"/>
+          </p:cNvSpPr>
+          <p:nvPr>
+            <p:ph type="sldNum" sz="quarter" idx="5"/>
+          </p:nvPr>
+        </p:nvSpPr>
+        <p:spPr/>
+        <p:txBody>
+          <a:bodyPr/>
+          <a:lstStyle/>
+          <a:p>
+            <a:fld id="{059B0337-CBF1-0E48-8F82-2C8C3CE6DE30}" type="slidenum">
+              <a:rPr lang="en-US" altLang="zh-CN" smtClean="0"/>
+              <a:t>4</a:t>
+            </a:fld>
+            <a:endParaRPr lang="zh-CN" altLang="en-US"/>
+          </a:p>
+        </p:txBody>
+      </p:sp>
+    </p:spTree>
+    <p:extLst>
+      <p:ext uri="{BB962C8B-B14F-4D97-AF65-F5344CB8AC3E}">
+        <p14:creationId xmlns:p14="http://schemas.microsoft.com/office/powerpoint/2010/main" val="3050127825"/>
+      </p:ext>
+    </p:extLst>
+  </p:cSld>
+  <p:clrMapOvr>
+    <a:masterClrMapping/>
+  </p:clrMapOvr>
+</p:notes>
+</file>
+
 <file path=ppt/slideLayouts/slideLayout1.xml><?xml version="1.0" encoding="utf-8"?>
 <p:sldLayout xmlns:a="http://schemas.openxmlformats.org/drawingml/2006/main" xmlns:r="http://schemas.openxmlformats.org/officeDocument/2006/relationships" xmlns:p="http://schemas.openxmlformats.org/presentationml/2006/main" type="title" preserve="1">
   <p:cSld name="Title Slide">
@@ -1870,11 +1960,11 @@
           </a:lstStyle>
           <a:p>
             <a:fld id="{48A87A34-81AB-432B-8DAE-1953F412C126}" type="datetimeFigureOut">
-              <a:rPr lang="en-US" dirty="0"/>
+              <a:rPr lang="en-US"/>
               <a:pPr/>
-              <a:t>11/19/2018</a:t>
+              <a:t>11/20/2018</a:t>
             </a:fld>
-            <a:endParaRPr lang="en-US" dirty="0"/>
+            <a:endParaRPr lang="en-US"/>
           </a:p>
         </p:txBody>
       </p:sp>
@@ -1902,7 +1992,7 @@
             </a:lvl1pPr>
           </a:lstStyle>
           <a:p>
-            <a:endParaRPr lang="en-US" dirty="0"/>
+            <a:endParaRPr lang="en-US"/>
           </a:p>
         </p:txBody>
       </p:sp>
@@ -1927,10 +2017,10 @@
           <a:lstStyle/>
           <a:p>
             <a:fld id="{6D22F896-40B5-4ADD-8801-0D06FADFA095}" type="slidenum">
-              <a:rPr lang="en-US" dirty="0"/>
+              <a:rPr lang="en-US"/>
               <a:t>‹#›</a:t>
             </a:fld>
-            <a:endParaRPr lang="en-US" dirty="0"/>
+            <a:endParaRPr lang="en-US"/>
           </a:p>
         </p:txBody>
       </p:sp>
@@ -3323,10 +3413,10 @@
           <a:lstStyle/>
           <a:p>
             <a:fld id="{48A87A34-81AB-432B-8DAE-1953F412C126}" type="datetimeFigureOut">
-              <a:rPr lang="en-US" dirty="0"/>
-              <a:t>11/19/2018</a:t>
+              <a:rPr lang="en-US"/>
+              <a:t>11/20/2018</a:t>
             </a:fld>
-            <a:endParaRPr lang="en-US" dirty="0"/>
+            <a:endParaRPr lang="en-US"/>
           </a:p>
         </p:txBody>
       </p:sp>
@@ -3345,7 +3435,7 @@
           <a:bodyPr/>
           <a:lstStyle/>
           <a:p>
-            <a:endParaRPr lang="en-US" dirty="0"/>
+            <a:endParaRPr lang="en-US"/>
           </a:p>
         </p:txBody>
       </p:sp>
@@ -3365,10 +3455,10 @@
           <a:lstStyle/>
           <a:p>
             <a:fld id="{6D22F896-40B5-4ADD-8801-0D06FADFA095}" type="slidenum">
-              <a:rPr lang="en-US" dirty="0"/>
+              <a:rPr lang="en-US"/>
               <a:t>‹#›</a:t>
             </a:fld>
-            <a:endParaRPr lang="en-US" dirty="0"/>
+            <a:endParaRPr lang="en-US"/>
           </a:p>
         </p:txBody>
       </p:sp>
@@ -4769,10 +4859,10 @@
           <a:lstStyle/>
           <a:p>
             <a:fld id="{48A87A34-81AB-432B-8DAE-1953F412C126}" type="datetimeFigureOut">
-              <a:rPr lang="en-US" dirty="0"/>
-              <a:t>11/19/2018</a:t>
+              <a:rPr lang="en-US"/>
+              <a:t>11/20/2018</a:t>
             </a:fld>
-            <a:endParaRPr lang="en-US" dirty="0"/>
+            <a:endParaRPr lang="en-US"/>
           </a:p>
         </p:txBody>
       </p:sp>
@@ -4796,7 +4886,7 @@
           <a:bodyPr/>
           <a:lstStyle/>
           <a:p>
-            <a:endParaRPr lang="en-US" dirty="0"/>
+            <a:endParaRPr lang="en-US"/>
           </a:p>
         </p:txBody>
       </p:sp>
@@ -4821,10 +4911,10 @@
           <a:lstStyle/>
           <a:p>
             <a:fld id="{6D22F896-40B5-4ADD-8801-0D06FADFA095}" type="slidenum">
-              <a:rPr lang="en-US" dirty="0"/>
+              <a:rPr lang="en-US"/>
               <a:t>‹#›</a:t>
             </a:fld>
-            <a:endParaRPr lang="en-US" dirty="0"/>
+            <a:endParaRPr lang="en-US"/>
           </a:p>
         </p:txBody>
       </p:sp>
@@ -6217,10 +6307,10 @@
           <a:lstStyle/>
           <a:p>
             <a:fld id="{48A87A34-81AB-432B-8DAE-1953F412C126}" type="datetimeFigureOut">
-              <a:rPr lang="en-US" dirty="0"/>
-              <a:t>11/19/2018</a:t>
+              <a:rPr lang="en-US"/>
+              <a:t>11/20/2018</a:t>
             </a:fld>
-            <a:endParaRPr lang="en-US" dirty="0"/>
+            <a:endParaRPr lang="en-US"/>
           </a:p>
         </p:txBody>
       </p:sp>
@@ -6239,7 +6329,7 @@
           <a:bodyPr/>
           <a:lstStyle/>
           <a:p>
-            <a:endParaRPr lang="en-US" dirty="0"/>
+            <a:endParaRPr lang="en-US"/>
           </a:p>
         </p:txBody>
       </p:sp>
@@ -6259,10 +6349,10 @@
           <a:lstStyle/>
           <a:p>
             <a:fld id="{6D22F896-40B5-4ADD-8801-0D06FADFA095}" type="slidenum">
-              <a:rPr lang="en-US" dirty="0"/>
+              <a:rPr lang="en-US"/>
               <a:t>‹#›</a:t>
             </a:fld>
-            <a:endParaRPr lang="en-US" dirty="0"/>
+            <a:endParaRPr lang="en-US"/>
           </a:p>
         </p:txBody>
       </p:sp>
@@ -7719,10 +7809,10 @@
           <a:lstStyle/>
           <a:p>
             <a:fld id="{48A87A34-81AB-432B-8DAE-1953F412C126}" type="datetimeFigureOut">
-              <a:rPr lang="en-US" dirty="0"/>
-              <a:t>11/19/2018</a:t>
+              <a:rPr lang="en-US"/>
+              <a:t>11/20/2018</a:t>
             </a:fld>
-            <a:endParaRPr lang="en-US" dirty="0"/>
+            <a:endParaRPr lang="en-US"/>
           </a:p>
         </p:txBody>
       </p:sp>
@@ -7750,7 +7840,7 @@
             </a:lvl1pPr>
           </a:lstStyle>
           <a:p>
-            <a:endParaRPr lang="en-US" dirty="0"/>
+            <a:endParaRPr lang="en-US"/>
           </a:p>
         </p:txBody>
       </p:sp>
@@ -7775,10 +7865,10 @@
           <a:lstStyle/>
           <a:p>
             <a:fld id="{6D22F896-40B5-4ADD-8801-0D06FADFA095}" type="slidenum">
-              <a:rPr lang="en-US" dirty="0"/>
+              <a:rPr lang="en-US"/>
               <a:t>‹#›</a:t>
             </a:fld>
-            <a:endParaRPr lang="en-US" dirty="0"/>
+            <a:endParaRPr lang="en-US"/>
           </a:p>
         </p:txBody>
       </p:sp>
@@ -9232,10 +9322,10 @@
           <a:lstStyle/>
           <a:p>
             <a:fld id="{48A87A34-81AB-432B-8DAE-1953F412C126}" type="datetimeFigureOut">
-              <a:rPr lang="en-US" dirty="0"/>
-              <a:t>11/19/2018</a:t>
+              <a:rPr lang="en-US"/>
+              <a:t>11/20/2018</a:t>
             </a:fld>
-            <a:endParaRPr lang="en-US" dirty="0"/>
+            <a:endParaRPr lang="en-US"/>
           </a:p>
         </p:txBody>
       </p:sp>
@@ -9259,7 +9349,7 @@
           <a:bodyPr/>
           <a:lstStyle/>
           <a:p>
-            <a:endParaRPr lang="en-US" dirty="0"/>
+            <a:endParaRPr lang="en-US"/>
           </a:p>
         </p:txBody>
       </p:sp>
@@ -9284,10 +9374,10 @@
           <a:lstStyle/>
           <a:p>
             <a:fld id="{6D22F896-40B5-4ADD-8801-0D06FADFA095}" type="slidenum">
-              <a:rPr lang="en-US" dirty="0"/>
+              <a:rPr lang="en-US"/>
               <a:t>‹#›</a:t>
             </a:fld>
-            <a:endParaRPr lang="en-US" dirty="0"/>
+            <a:endParaRPr lang="en-US"/>
           </a:p>
         </p:txBody>
       </p:sp>
@@ -10889,10 +10979,10 @@
           <a:lstStyle/>
           <a:p>
             <a:fld id="{48A87A34-81AB-432B-8DAE-1953F412C126}" type="datetimeFigureOut">
-              <a:rPr lang="en-US" dirty="0"/>
-              <a:t>11/19/2018</a:t>
+              <a:rPr lang="en-US"/>
+              <a:t>11/20/2018</a:t>
             </a:fld>
-            <a:endParaRPr lang="en-US" dirty="0"/>
+            <a:endParaRPr lang="en-US"/>
           </a:p>
         </p:txBody>
       </p:sp>
@@ -10916,7 +11006,7 @@
           <a:bodyPr/>
           <a:lstStyle/>
           <a:p>
-            <a:endParaRPr lang="en-US" dirty="0"/>
+            <a:endParaRPr lang="en-US"/>
           </a:p>
         </p:txBody>
       </p:sp>
@@ -10941,10 +11031,10 @@
           <a:lstStyle/>
           <a:p>
             <a:fld id="{6D22F896-40B5-4ADD-8801-0D06FADFA095}" type="slidenum">
-              <a:rPr lang="en-US" dirty="0"/>
+              <a:rPr lang="en-US"/>
               <a:t>‹#›</a:t>
             </a:fld>
-            <a:endParaRPr lang="en-US" dirty="0"/>
+            <a:endParaRPr lang="en-US"/>
           </a:p>
         </p:txBody>
       </p:sp>
@@ -12281,10 +12371,10 @@
           <a:lstStyle/>
           <a:p>
             <a:fld id="{48A87A34-81AB-432B-8DAE-1953F412C126}" type="datetimeFigureOut">
-              <a:rPr lang="en-US" dirty="0"/>
-              <a:t>11/19/2018</a:t>
+              <a:rPr lang="en-US"/>
+              <a:t>11/20/2018</a:t>
             </a:fld>
-            <a:endParaRPr lang="en-US" dirty="0"/>
+            <a:endParaRPr lang="en-US"/>
           </a:p>
         </p:txBody>
       </p:sp>
@@ -12303,7 +12393,7 @@
           <a:bodyPr/>
           <a:lstStyle/>
           <a:p>
-            <a:endParaRPr lang="en-US" dirty="0"/>
+            <a:endParaRPr lang="en-US"/>
           </a:p>
         </p:txBody>
       </p:sp>
@@ -12323,10 +12413,10 @@
           <a:lstStyle/>
           <a:p>
             <a:fld id="{6D22F896-40B5-4ADD-8801-0D06FADFA095}" type="slidenum">
-              <a:rPr lang="en-US" dirty="0"/>
+              <a:rPr lang="en-US"/>
               <a:t>‹#›</a:t>
             </a:fld>
-            <a:endParaRPr lang="en-US" dirty="0"/>
+            <a:endParaRPr lang="en-US"/>
           </a:p>
         </p:txBody>
       </p:sp>
@@ -12376,10 +12466,10 @@
           <a:lstStyle/>
           <a:p>
             <a:fld id="{48A87A34-81AB-432B-8DAE-1953F412C126}" type="datetimeFigureOut">
-              <a:rPr lang="en-US" dirty="0"/>
-              <a:t>11/19/2018</a:t>
+              <a:rPr lang="en-US"/>
+              <a:t>11/20/2018</a:t>
             </a:fld>
-            <a:endParaRPr lang="en-US" dirty="0"/>
+            <a:endParaRPr lang="en-US"/>
           </a:p>
         </p:txBody>
       </p:sp>
@@ -12403,7 +12493,7 @@
           <a:bodyPr/>
           <a:lstStyle/>
           <a:p>
-            <a:endParaRPr lang="en-US" dirty="0"/>
+            <a:endParaRPr lang="en-US"/>
           </a:p>
         </p:txBody>
       </p:sp>
@@ -12428,10 +12518,10 @@
           <a:lstStyle/>
           <a:p>
             <a:fld id="{6D22F896-40B5-4ADD-8801-0D06FADFA095}" type="slidenum">
-              <a:rPr lang="en-US" dirty="0"/>
+              <a:rPr lang="en-US"/>
               <a:t>‹#›</a:t>
             </a:fld>
-            <a:endParaRPr lang="en-US" dirty="0"/>
+            <a:endParaRPr lang="en-US"/>
           </a:p>
         </p:txBody>
       </p:sp>
@@ -13895,10 +13985,10 @@
           <a:lstStyle/>
           <a:p>
             <a:fld id="{48A87A34-81AB-432B-8DAE-1953F412C126}" type="datetimeFigureOut">
-              <a:rPr lang="en-US" dirty="0"/>
-              <a:t>11/19/2018</a:t>
+              <a:rPr lang="en-US"/>
+              <a:t>11/20/2018</a:t>
             </a:fld>
-            <a:endParaRPr lang="en-US" dirty="0"/>
+            <a:endParaRPr lang="en-US"/>
           </a:p>
         </p:txBody>
       </p:sp>
@@ -13917,7 +14007,7 @@
           <a:bodyPr/>
           <a:lstStyle/>
           <a:p>
-            <a:endParaRPr lang="en-US" dirty="0"/>
+            <a:endParaRPr lang="en-US"/>
           </a:p>
         </p:txBody>
       </p:sp>
@@ -13937,10 +14027,10 @@
           <a:lstStyle/>
           <a:p>
             <a:fld id="{6D22F896-40B5-4ADD-8801-0D06FADFA095}" type="slidenum">
-              <a:rPr lang="en-US" dirty="0"/>
+              <a:rPr lang="en-US"/>
               <a:t>‹#›</a:t>
             </a:fld>
-            <a:endParaRPr lang="en-US" dirty="0"/>
+            <a:endParaRPr lang="en-US"/>
           </a:p>
         </p:txBody>
       </p:sp>
@@ -15289,7 +15379,7 @@
           </a:lstStyle>
           <a:p>
             <a:r>
-              <a:rPr lang="en-US" dirty="0"/>
+              <a:rPr lang="en-US"/>
               <a:t>Drag picture to placeholder or click icon to add</a:t>
             </a:r>
           </a:p>
@@ -15424,10 +15514,10 @@
           <a:lstStyle/>
           <a:p>
             <a:fld id="{48A87A34-81AB-432B-8DAE-1953F412C126}" type="datetimeFigureOut">
-              <a:rPr lang="en-US" dirty="0"/>
-              <a:t>11/19/2018</a:t>
+              <a:rPr lang="en-US"/>
+              <a:t>11/20/2018</a:t>
             </a:fld>
-            <a:endParaRPr lang="en-US" dirty="0"/>
+            <a:endParaRPr lang="en-US"/>
           </a:p>
         </p:txBody>
       </p:sp>
@@ -15451,7 +15541,7 @@
           <a:bodyPr/>
           <a:lstStyle/>
           <a:p>
-            <a:endParaRPr lang="en-US" dirty="0"/>
+            <a:endParaRPr lang="en-US"/>
           </a:p>
         </p:txBody>
       </p:sp>
@@ -15476,10 +15566,10 @@
           <a:lstStyle/>
           <a:p>
             <a:fld id="{6D22F896-40B5-4ADD-8801-0D06FADFA095}" type="slidenum">
-              <a:rPr lang="en-US" dirty="0"/>
+              <a:rPr lang="en-US"/>
               <a:t>‹#›</a:t>
             </a:fld>
-            <a:endParaRPr lang="en-US" dirty="0"/>
+            <a:endParaRPr lang="en-US"/>
           </a:p>
         </p:txBody>
       </p:sp>
@@ -15668,11 +15758,11 @@
           </a:lstStyle>
           <a:p>
             <a:fld id="{48A87A34-81AB-432B-8DAE-1953F412C126}" type="datetimeFigureOut">
-              <a:rPr lang="en-US" dirty="0"/>
+              <a:rPr lang="en-US"/>
               <a:pPr/>
-              <a:t>11/19/2018</a:t>
+              <a:t>11/20/2018</a:t>
             </a:fld>
-            <a:endParaRPr lang="en-US" dirty="0"/>
+            <a:endParaRPr lang="en-US"/>
           </a:p>
         </p:txBody>
       </p:sp>
@@ -15709,7 +15799,7 @@
             </a:lvl1pPr>
           </a:lstStyle>
           <a:p>
-            <a:endParaRPr lang="en-US" dirty="0"/>
+            <a:endParaRPr lang="en-US"/>
           </a:p>
         </p:txBody>
       </p:sp>
@@ -15747,11 +15837,11 @@
           </a:lstStyle>
           <a:p>
             <a:fld id="{6D22F896-40B5-4ADD-8801-0D06FADFA095}" type="slidenum">
-              <a:rPr lang="en-US" dirty="0"/>
+              <a:rPr lang="en-US"/>
               <a:pPr/>
               <a:t>‹#›</a:t>
             </a:fld>
-            <a:endParaRPr lang="en-US" dirty="0"/>
+            <a:endParaRPr lang="en-US"/>
           </a:p>
         </p:txBody>
       </p:sp>
@@ -17113,26 +17203,26 @@
           <a:lstStyle/>
           <a:p>
             <a:r>
-              <a:rPr lang="zh-CN" altLang="en-US" dirty="0"/>
+              <a:rPr lang="zh-CN" altLang="en-US"/>
               <a:t>线程里面先调用</a:t>
             </a:r>
             <a:r>
-              <a:rPr lang="en-US" altLang="zh-CN" dirty="0"/>
+              <a:rPr lang="en-US" altLang="zh-CN"/>
               <a:t>welcome</a:t>
             </a:r>
             <a:r>
-              <a:rPr lang="zh-CN" altLang="en-US" dirty="0"/>
+              <a:rPr lang="zh-CN" altLang="en-US"/>
               <a:t> </a:t>
             </a:r>
             <a:r>
-              <a:rPr lang="en-US" altLang="zh-CN" dirty="0"/>
+              <a:rPr lang="en-US" altLang="zh-CN"/>
               <a:t>view</a:t>
             </a:r>
             <a:r>
-              <a:rPr lang="zh-CN" altLang="en-US" dirty="0"/>
+              <a:rPr lang="zh-CN" altLang="en-US"/>
               <a:t>吗？怎么完成发送一个请求到服务器？</a:t>
             </a:r>
-            <a:endParaRPr lang="en-US" dirty="0"/>
+            <a:endParaRPr lang="en-US"/>
           </a:p>
         </p:txBody>
       </p:sp>
@@ -17168,10 +17258,1345 @@
       </p:grpSpPr>
       <p:sp>
         <p:nvSpPr>
-          <p:cNvPr id="2" name="矩形 1">
+          <p:cNvPr id="2" name="文本框 1">
             <a:extLst>
               <a:ext uri="{FF2B5EF4-FFF2-40B4-BE49-F238E27FC236}">
-                <a16:creationId xmlns:a16="http://schemas.microsoft.com/office/drawing/2014/main" id="{09FA5AF2-4781-449D-842D-97BF6743AF58}"/>
+                <a16:creationId xmlns:a16="http://schemas.microsoft.com/office/drawing/2014/main" id="{9A7B9F5D-3EE6-4690-96A9-BE28225B5E1B}"/>
+              </a:ext>
+            </a:extLst>
+          </p:cNvPr>
+          <p:cNvSpPr txBox="1"/>
+          <p:nvPr/>
+        </p:nvSpPr>
+        <p:spPr>
+          <a:xfrm>
+            <a:off x="4605867" y="688622"/>
+            <a:ext cx="1338828" cy="369332"/>
+          </a:xfrm>
+          <a:prstGeom prst="rect">
+            <a:avLst/>
+          </a:prstGeom>
+          <a:noFill/>
+        </p:spPr>
+        <p:txBody>
+          <a:bodyPr wrap="none" rtlCol="0">
+            <a:spAutoFit/>
+          </a:bodyPr>
+          <a:lstStyle/>
+          <a:p>
+            <a:r>
+              <a:rPr lang="zh-CN" altLang="en-US"/>
+              <a:t>创建数据库</a:t>
+            </a:r>
+          </a:p>
+        </p:txBody>
+      </p:sp>
+      <p:sp>
+        <p:nvSpPr>
+          <p:cNvPr id="3" name="文本框 2">
+            <a:extLst>
+              <a:ext uri="{FF2B5EF4-FFF2-40B4-BE49-F238E27FC236}">
+                <a16:creationId xmlns:a16="http://schemas.microsoft.com/office/drawing/2014/main" id="{2955E836-7B87-4975-82B2-1EDB519F88F0}"/>
+              </a:ext>
+            </a:extLst>
+          </p:cNvPr>
+          <p:cNvSpPr txBox="1"/>
+          <p:nvPr/>
+        </p:nvSpPr>
+        <p:spPr>
+          <a:xfrm>
+            <a:off x="1444978" y="2404533"/>
+            <a:ext cx="309700" cy="646331"/>
+          </a:xfrm>
+          <a:prstGeom prst="rect">
+            <a:avLst/>
+          </a:prstGeom>
+          <a:noFill/>
+        </p:spPr>
+        <p:txBody>
+          <a:bodyPr wrap="none" rtlCol="0">
+            <a:spAutoFit/>
+          </a:bodyPr>
+          <a:lstStyle/>
+          <a:p>
+            <a:r>
+              <a:rPr lang="en-US" altLang="zh-CN"/>
+              <a:t>1</a:t>
+            </a:r>
+          </a:p>
+          <a:p>
+            <a:endParaRPr lang="zh-CN" altLang="en-US"/>
+          </a:p>
+        </p:txBody>
+      </p:sp>
+      <p:pic>
+        <p:nvPicPr>
+          <p:cNvPr id="4" name="图片 3">
+            <a:extLst>
+              <a:ext uri="{FF2B5EF4-FFF2-40B4-BE49-F238E27FC236}">
+                <a16:creationId xmlns:a16="http://schemas.microsoft.com/office/drawing/2014/main" id="{967CDCC2-1864-4E04-A2BD-61D198EFB1B4}"/>
+              </a:ext>
+            </a:extLst>
+          </p:cNvPr>
+          <p:cNvPicPr>
+            <a:picLocks noChangeAspect="1"/>
+          </p:cNvPicPr>
+          <p:nvPr/>
+        </p:nvPicPr>
+        <p:blipFill>
+          <a:blip r:embed="rId2"/>
+          <a:stretch>
+            <a:fillRect/>
+          </a:stretch>
+        </p:blipFill>
+        <p:spPr>
+          <a:xfrm>
+            <a:off x="730946" y="436465"/>
+            <a:ext cx="8314286" cy="3466667"/>
+          </a:xfrm>
+          <a:prstGeom prst="rect">
+            <a:avLst/>
+          </a:prstGeom>
+        </p:spPr>
+      </p:pic>
+      <p:pic>
+        <p:nvPicPr>
+          <p:cNvPr id="9" name="图片 8">
+            <a:extLst>
+              <a:ext uri="{FF2B5EF4-FFF2-40B4-BE49-F238E27FC236}">
+                <a16:creationId xmlns:a16="http://schemas.microsoft.com/office/drawing/2014/main" id="{EFF0DA46-28E8-4DBF-AFC6-C9FD40D3458C}"/>
+              </a:ext>
+            </a:extLst>
+          </p:cNvPr>
+          <p:cNvPicPr>
+            <a:picLocks noChangeAspect="1"/>
+          </p:cNvPicPr>
+          <p:nvPr/>
+        </p:nvPicPr>
+        <p:blipFill>
+          <a:blip r:embed="rId3"/>
+          <a:stretch>
+            <a:fillRect/>
+          </a:stretch>
+        </p:blipFill>
+        <p:spPr>
+          <a:xfrm>
+            <a:off x="3529333" y="2081381"/>
+            <a:ext cx="5133333" cy="2695238"/>
+          </a:xfrm>
+          <a:prstGeom prst="rect">
+            <a:avLst/>
+          </a:prstGeom>
+        </p:spPr>
+      </p:pic>
+      <p:sp>
+        <p:nvSpPr>
+          <p:cNvPr id="10" name="文本框 9">
+            <a:extLst>
+              <a:ext uri="{FF2B5EF4-FFF2-40B4-BE49-F238E27FC236}">
+                <a16:creationId xmlns:a16="http://schemas.microsoft.com/office/drawing/2014/main" id="{1B1898C7-951F-4023-99F1-9022EDAD6063}"/>
+              </a:ext>
+            </a:extLst>
+          </p:cNvPr>
+          <p:cNvSpPr txBox="1"/>
+          <p:nvPr/>
+        </p:nvSpPr>
+        <p:spPr>
+          <a:xfrm>
+            <a:off x="1241778" y="3903132"/>
+            <a:ext cx="1741182" cy="2308324"/>
+          </a:xfrm>
+          <a:prstGeom prst="rect">
+            <a:avLst/>
+          </a:prstGeom>
+          <a:noFill/>
+        </p:spPr>
+        <p:txBody>
+          <a:bodyPr wrap="none" rtlCol="0">
+            <a:spAutoFit/>
+          </a:bodyPr>
+          <a:lstStyle/>
+          <a:p>
+            <a:r>
+              <a:rPr lang="en-US" altLang="zh-CN"/>
+              <a:t>userId,int</a:t>
+            </a:r>
+          </a:p>
+          <a:p>
+            <a:r>
+              <a:rPr lang="en-US" altLang="zh-CN"/>
+              <a:t>userName</a:t>
+            </a:r>
+          </a:p>
+          <a:p>
+            <a:r>
+              <a:rPr lang="en-US" altLang="zh-CN"/>
+              <a:t>passWord</a:t>
+            </a:r>
+          </a:p>
+          <a:p>
+            <a:r>
+              <a:rPr lang="en-US" altLang="zh-CN"/>
+              <a:t>sex</a:t>
+            </a:r>
+          </a:p>
+          <a:p>
+            <a:r>
+              <a:rPr lang="en-US" altLang="zh-CN"/>
+              <a:t>userIdNumber</a:t>
+            </a:r>
+          </a:p>
+          <a:p>
+            <a:r>
+              <a:rPr lang="en-US" altLang="zh-CN"/>
+              <a:t>tel</a:t>
+            </a:r>
+          </a:p>
+          <a:p>
+            <a:r>
+              <a:rPr lang="en-US" altLang="zh-CN"/>
+              <a:t>addr</a:t>
+            </a:r>
+          </a:p>
+          <a:p>
+            <a:r>
+              <a:rPr lang="en-US" altLang="zh-CN"/>
+              <a:t>type,int</a:t>
+            </a:r>
+          </a:p>
+        </p:txBody>
+      </p:sp>
+    </p:spTree>
+    <p:extLst>
+      <p:ext uri="{BB962C8B-B14F-4D97-AF65-F5344CB8AC3E}">
+        <p14:creationId xmlns:p14="http://schemas.microsoft.com/office/powerpoint/2010/main" val="2691642793"/>
+      </p:ext>
+    </p:extLst>
+  </p:cSld>
+  <p:clrMapOvr>
+    <a:masterClrMapping/>
+  </p:clrMapOvr>
+</p:sld>
+</file>
+
+<file path=ppt/slides/slide4.xml><?xml version="1.0" encoding="utf-8"?>
+<p:sld xmlns:a="http://schemas.openxmlformats.org/drawingml/2006/main" xmlns:r="http://schemas.openxmlformats.org/officeDocument/2006/relationships" xmlns:p="http://schemas.openxmlformats.org/presentationml/2006/main">
+  <p:cSld>
+    <p:spTree>
+      <p:nvGrpSpPr>
+        <p:cNvPr id="1" name=""/>
+        <p:cNvGrpSpPr/>
+        <p:nvPr/>
+      </p:nvGrpSpPr>
+      <p:grpSpPr>
+        <a:xfrm>
+          <a:off x="0" y="0"/>
+          <a:ext cx="0" cy="0"/>
+          <a:chOff x="0" y="0"/>
+          <a:chExt cx="0" cy="0"/>
+        </a:xfrm>
+      </p:grpSpPr>
+      <p:graphicFrame>
+        <p:nvGraphicFramePr>
+          <p:cNvPr id="3" name="表格 2">
+            <a:extLst>
+              <a:ext uri="{FF2B5EF4-FFF2-40B4-BE49-F238E27FC236}">
+                <a16:creationId xmlns:a16="http://schemas.microsoft.com/office/drawing/2014/main" id="{2057B408-670D-4186-9456-8009DF756483}"/>
+              </a:ext>
+            </a:extLst>
+          </p:cNvPr>
+          <p:cNvGraphicFramePr>
+            <a:graphicFrameLocks noGrp="1"/>
+          </p:cNvGraphicFramePr>
+          <p:nvPr>
+            <p:extLst>
+              <p:ext uri="{D42A27DB-BD31-4B8C-83A1-F6EECF244321}">
+                <p14:modId xmlns:p14="http://schemas.microsoft.com/office/powerpoint/2010/main" val="2416939974"/>
+              </p:ext>
+            </p:extLst>
+          </p:nvPr>
+        </p:nvGraphicFramePr>
+        <p:xfrm>
+          <a:off x="5981840" y="4247456"/>
+          <a:ext cx="4810337" cy="1920240"/>
+        </p:xfrm>
+        <a:graphic>
+          <a:graphicData uri="http://schemas.openxmlformats.org/drawingml/2006/table">
+            <a:tbl>
+              <a:tblPr>
+                <a:tableStyleId>{5C22544A-7EE6-4342-B048-85BDC9FD1C3A}</a:tableStyleId>
+              </a:tblPr>
+              <a:tblGrid>
+                <a:gridCol w="744933">
+                  <a:extLst>
+                    <a:ext uri="{9D8B030D-6E8A-4147-A177-3AD203B41FA5}">
+                      <a16:colId xmlns:a16="http://schemas.microsoft.com/office/drawing/2014/main" val="3103120547"/>
+                    </a:ext>
+                  </a:extLst>
+                </a:gridCol>
+                <a:gridCol w="1862333">
+                  <a:extLst>
+                    <a:ext uri="{9D8B030D-6E8A-4147-A177-3AD203B41FA5}">
+                      <a16:colId xmlns:a16="http://schemas.microsoft.com/office/drawing/2014/main" val="1795869633"/>
+                    </a:ext>
+                  </a:extLst>
+                </a:gridCol>
+                <a:gridCol w="2203071">
+                  <a:extLst>
+                    <a:ext uri="{9D8B030D-6E8A-4147-A177-3AD203B41FA5}">
+                      <a16:colId xmlns:a16="http://schemas.microsoft.com/office/drawing/2014/main" val="1221794861"/>
+                    </a:ext>
+                  </a:extLst>
+                </a:gridCol>
+              </a:tblGrid>
+              <a:tr h="0">
+                <a:tc>
+                  <a:txBody>
+                    <a:bodyPr/>
+                    <a:lstStyle/>
+                    <a:p>
+                      <a:pPr algn="just">
+                        <a:spcAft>
+                          <a:spcPts val="0"/>
+                        </a:spcAft>
+                      </a:pPr>
+                      <a:r>
+                        <a:rPr lang="zh-CN" sz="1050" kern="100">
+                          <a:effectLst/>
+                        </a:rPr>
+                        <a:t>功能编号</a:t>
+                      </a:r>
+                      <a:endParaRPr lang="zh-CN" sz="1050" kern="100">
+                        <a:effectLst/>
+                        <a:latin typeface="Times New Roman" panose="02020603050405020304" pitchFamily="18" charset="0"/>
+                        <a:ea typeface="宋体" panose="02010600030101010101" pitchFamily="2" charset="-122"/>
+                        <a:cs typeface="Times New Roman" panose="02020603050405020304" pitchFamily="18" charset="0"/>
+                      </a:endParaRPr>
+                    </a:p>
+                  </a:txBody>
+                  <a:tcPr marL="68580" marR="68580" marT="0" marB="0"/>
+                </a:tc>
+                <a:tc>
+                  <a:txBody>
+                    <a:bodyPr/>
+                    <a:lstStyle/>
+                    <a:p>
+                      <a:pPr algn="just">
+                        <a:spcAft>
+                          <a:spcPts val="0"/>
+                        </a:spcAft>
+                      </a:pPr>
+                      <a:r>
+                        <a:rPr lang="zh-CN" sz="1050" kern="100">
+                          <a:effectLst/>
+                        </a:rPr>
+                        <a:t>功能名称</a:t>
+                      </a:r>
+                      <a:endParaRPr lang="zh-CN" sz="1050" kern="100">
+                        <a:effectLst/>
+                        <a:latin typeface="Times New Roman" panose="02020603050405020304" pitchFamily="18" charset="0"/>
+                        <a:ea typeface="宋体" panose="02010600030101010101" pitchFamily="2" charset="-122"/>
+                        <a:cs typeface="Times New Roman" panose="02020603050405020304" pitchFamily="18" charset="0"/>
+                      </a:endParaRPr>
+                    </a:p>
+                  </a:txBody>
+                  <a:tcPr marL="68580" marR="68580" marT="0" marB="0"/>
+                </a:tc>
+                <a:tc>
+                  <a:txBody>
+                    <a:bodyPr/>
+                    <a:lstStyle/>
+                    <a:p>
+                      <a:pPr algn="just">
+                        <a:spcAft>
+                          <a:spcPts val="0"/>
+                        </a:spcAft>
+                      </a:pPr>
+                      <a:r>
+                        <a:rPr lang="zh-CN" sz="1050" kern="100">
+                          <a:effectLst/>
+                        </a:rPr>
+                        <a:t>备注</a:t>
+                      </a:r>
+                      <a:endParaRPr lang="zh-CN" sz="1050" kern="100">
+                        <a:effectLst/>
+                        <a:latin typeface="Times New Roman" panose="02020603050405020304" pitchFamily="18" charset="0"/>
+                        <a:ea typeface="宋体" panose="02010600030101010101" pitchFamily="2" charset="-122"/>
+                        <a:cs typeface="Times New Roman" panose="02020603050405020304" pitchFamily="18" charset="0"/>
+                      </a:endParaRPr>
+                    </a:p>
+                  </a:txBody>
+                  <a:tcPr marL="68580" marR="68580" marT="0" marB="0"/>
+                </a:tc>
+                <a:extLst>
+                  <a:ext uri="{0D108BD9-81ED-4DB2-BD59-A6C34878D82A}">
+                    <a16:rowId xmlns:a16="http://schemas.microsoft.com/office/drawing/2014/main" val="2638651101"/>
+                  </a:ext>
+                </a:extLst>
+              </a:tr>
+              <a:tr h="0">
+                <a:tc>
+                  <a:txBody>
+                    <a:bodyPr/>
+                    <a:lstStyle/>
+                    <a:p>
+                      <a:pPr algn="just">
+                        <a:spcAft>
+                          <a:spcPts val="0"/>
+                        </a:spcAft>
+                      </a:pPr>
+                      <a:r>
+                        <a:rPr lang="en-US" sz="1050" kern="100">
+                          <a:effectLst/>
+                        </a:rPr>
+                        <a:t>01</a:t>
+                      </a:r>
+                      <a:endParaRPr lang="zh-CN" sz="1050" kern="100">
+                        <a:effectLst/>
+                        <a:latin typeface="Times New Roman" panose="02020603050405020304" pitchFamily="18" charset="0"/>
+                        <a:ea typeface="宋体" panose="02010600030101010101" pitchFamily="2" charset="-122"/>
+                        <a:cs typeface="Times New Roman" panose="02020603050405020304" pitchFamily="18" charset="0"/>
+                      </a:endParaRPr>
+                    </a:p>
+                  </a:txBody>
+                  <a:tcPr marL="68580" marR="68580" marT="0" marB="0"/>
+                </a:tc>
+                <a:tc>
+                  <a:txBody>
+                    <a:bodyPr/>
+                    <a:lstStyle/>
+                    <a:p>
+                      <a:pPr algn="just">
+                        <a:spcAft>
+                          <a:spcPts val="0"/>
+                        </a:spcAft>
+                      </a:pPr>
+                      <a:r>
+                        <a:rPr lang="zh-CN" sz="1050" kern="100">
+                          <a:effectLst/>
+                        </a:rPr>
+                        <a:t>用户登录</a:t>
+                      </a:r>
+                      <a:endParaRPr lang="zh-CN" sz="1050" kern="100">
+                        <a:effectLst/>
+                        <a:latin typeface="Times New Roman" panose="02020603050405020304" pitchFamily="18" charset="0"/>
+                        <a:ea typeface="宋体" panose="02010600030101010101" pitchFamily="2" charset="-122"/>
+                        <a:cs typeface="Times New Roman" panose="02020603050405020304" pitchFamily="18" charset="0"/>
+                      </a:endParaRPr>
+                    </a:p>
+                  </a:txBody>
+                  <a:tcPr marL="68580" marR="68580" marT="0" marB="0"/>
+                </a:tc>
+                <a:tc>
+                  <a:txBody>
+                    <a:bodyPr/>
+                    <a:lstStyle/>
+                    <a:p>
+                      <a:pPr algn="just">
+                        <a:spcAft>
+                          <a:spcPts val="0"/>
+                        </a:spcAft>
+                      </a:pPr>
+                      <a:r>
+                        <a:rPr lang="zh-CN" sz="1050" kern="100">
+                          <a:effectLst/>
+                        </a:rPr>
+                        <a:t>输入用户名、密码登录</a:t>
+                      </a:r>
+                      <a:endParaRPr lang="zh-CN" sz="1050" kern="100">
+                        <a:effectLst/>
+                        <a:latin typeface="Times New Roman" panose="02020603050405020304" pitchFamily="18" charset="0"/>
+                        <a:ea typeface="宋体" panose="02010600030101010101" pitchFamily="2" charset="-122"/>
+                        <a:cs typeface="Times New Roman" panose="02020603050405020304" pitchFamily="18" charset="0"/>
+                      </a:endParaRPr>
+                    </a:p>
+                  </a:txBody>
+                  <a:tcPr marL="68580" marR="68580" marT="0" marB="0"/>
+                </a:tc>
+                <a:extLst>
+                  <a:ext uri="{0D108BD9-81ED-4DB2-BD59-A6C34878D82A}">
+                    <a16:rowId xmlns:a16="http://schemas.microsoft.com/office/drawing/2014/main" val="2927907456"/>
+                  </a:ext>
+                </a:extLst>
+              </a:tr>
+              <a:tr h="0">
+                <a:tc>
+                  <a:txBody>
+                    <a:bodyPr/>
+                    <a:lstStyle/>
+                    <a:p>
+                      <a:pPr algn="just">
+                        <a:spcAft>
+                          <a:spcPts val="0"/>
+                        </a:spcAft>
+                      </a:pPr>
+                      <a:r>
+                        <a:rPr lang="en-US" sz="1050" kern="100">
+                          <a:effectLst/>
+                        </a:rPr>
+                        <a:t>02</a:t>
+                      </a:r>
+                      <a:endParaRPr lang="zh-CN" sz="1050" kern="100">
+                        <a:effectLst/>
+                        <a:latin typeface="Times New Roman" panose="02020603050405020304" pitchFamily="18" charset="0"/>
+                        <a:ea typeface="宋体" panose="02010600030101010101" pitchFamily="2" charset="-122"/>
+                        <a:cs typeface="Times New Roman" panose="02020603050405020304" pitchFamily="18" charset="0"/>
+                      </a:endParaRPr>
+                    </a:p>
+                  </a:txBody>
+                  <a:tcPr marL="68580" marR="68580" marT="0" marB="0"/>
+                </a:tc>
+                <a:tc>
+                  <a:txBody>
+                    <a:bodyPr/>
+                    <a:lstStyle/>
+                    <a:p>
+                      <a:pPr algn="just">
+                        <a:spcAft>
+                          <a:spcPts val="0"/>
+                        </a:spcAft>
+                      </a:pPr>
+                      <a:r>
+                        <a:rPr lang="zh-CN" sz="1050" kern="100">
+                          <a:effectLst/>
+                        </a:rPr>
+                        <a:t>用户注册</a:t>
+                      </a:r>
+                      <a:endParaRPr lang="zh-CN" sz="1050" kern="100">
+                        <a:effectLst/>
+                        <a:latin typeface="Times New Roman" panose="02020603050405020304" pitchFamily="18" charset="0"/>
+                        <a:ea typeface="宋体" panose="02010600030101010101" pitchFamily="2" charset="-122"/>
+                        <a:cs typeface="Times New Roman" panose="02020603050405020304" pitchFamily="18" charset="0"/>
+                      </a:endParaRPr>
+                    </a:p>
+                  </a:txBody>
+                  <a:tcPr marL="68580" marR="68580" marT="0" marB="0"/>
+                </a:tc>
+                <a:tc>
+                  <a:txBody>
+                    <a:bodyPr/>
+                    <a:lstStyle/>
+                    <a:p>
+                      <a:pPr algn="just">
+                        <a:spcAft>
+                          <a:spcPts val="0"/>
+                        </a:spcAft>
+                      </a:pPr>
+                      <a:r>
+                        <a:rPr lang="zh-CN" sz="1050" kern="100">
+                          <a:effectLst/>
+                        </a:rPr>
+                        <a:t>用户可注册，管理员不可注册</a:t>
+                      </a:r>
+                      <a:endParaRPr lang="zh-CN" sz="1050" kern="100">
+                        <a:effectLst/>
+                        <a:latin typeface="Times New Roman" panose="02020603050405020304" pitchFamily="18" charset="0"/>
+                        <a:ea typeface="宋体" panose="02010600030101010101" pitchFamily="2" charset="-122"/>
+                        <a:cs typeface="Times New Roman" panose="02020603050405020304" pitchFamily="18" charset="0"/>
+                      </a:endParaRPr>
+                    </a:p>
+                  </a:txBody>
+                  <a:tcPr marL="68580" marR="68580" marT="0" marB="0"/>
+                </a:tc>
+                <a:extLst>
+                  <a:ext uri="{0D108BD9-81ED-4DB2-BD59-A6C34878D82A}">
+                    <a16:rowId xmlns:a16="http://schemas.microsoft.com/office/drawing/2014/main" val="130093248"/>
+                  </a:ext>
+                </a:extLst>
+              </a:tr>
+              <a:tr h="0">
+                <a:tc>
+                  <a:txBody>
+                    <a:bodyPr/>
+                    <a:lstStyle/>
+                    <a:p>
+                      <a:pPr algn="just">
+                        <a:spcAft>
+                          <a:spcPts val="0"/>
+                        </a:spcAft>
+                      </a:pPr>
+                      <a:r>
+                        <a:rPr lang="en-US" sz="1050" kern="100">
+                          <a:effectLst/>
+                        </a:rPr>
+                        <a:t>03</a:t>
+                      </a:r>
+                      <a:endParaRPr lang="zh-CN" sz="1050" kern="100">
+                        <a:effectLst/>
+                        <a:latin typeface="Times New Roman" panose="02020603050405020304" pitchFamily="18" charset="0"/>
+                        <a:ea typeface="宋体" panose="02010600030101010101" pitchFamily="2" charset="-122"/>
+                        <a:cs typeface="Times New Roman" panose="02020603050405020304" pitchFamily="18" charset="0"/>
+                      </a:endParaRPr>
+                    </a:p>
+                  </a:txBody>
+                  <a:tcPr marL="68580" marR="68580" marT="0" marB="0"/>
+                </a:tc>
+                <a:tc>
+                  <a:txBody>
+                    <a:bodyPr/>
+                    <a:lstStyle/>
+                    <a:p>
+                      <a:pPr algn="just">
+                        <a:spcAft>
+                          <a:spcPts val="0"/>
+                        </a:spcAft>
+                      </a:pPr>
+                      <a:r>
+                        <a:rPr lang="zh-CN" sz="1050" kern="100">
+                          <a:effectLst/>
+                        </a:rPr>
+                        <a:t>用户查看上架汽车信息</a:t>
+                      </a:r>
+                      <a:endParaRPr lang="zh-CN" sz="1050" kern="100">
+                        <a:effectLst/>
+                        <a:latin typeface="Times New Roman" panose="02020603050405020304" pitchFamily="18" charset="0"/>
+                        <a:ea typeface="宋体" panose="02010600030101010101" pitchFamily="2" charset="-122"/>
+                        <a:cs typeface="Times New Roman" panose="02020603050405020304" pitchFamily="18" charset="0"/>
+                      </a:endParaRPr>
+                    </a:p>
+                  </a:txBody>
+                  <a:tcPr marL="68580" marR="68580" marT="0" marB="0"/>
+                </a:tc>
+                <a:tc>
+                  <a:txBody>
+                    <a:bodyPr/>
+                    <a:lstStyle/>
+                    <a:p>
+                      <a:pPr algn="just">
+                        <a:spcAft>
+                          <a:spcPts val="0"/>
+                        </a:spcAft>
+                      </a:pPr>
+                      <a:r>
+                        <a:rPr lang="zh-CN" sz="1050" kern="100">
+                          <a:effectLst/>
+                        </a:rPr>
+                        <a:t>全部上架及根据价格、车型、品牌</a:t>
+                      </a:r>
+                      <a:endParaRPr lang="zh-CN" sz="1050" kern="100">
+                        <a:effectLst/>
+                        <a:latin typeface="Times New Roman" panose="02020603050405020304" pitchFamily="18" charset="0"/>
+                        <a:ea typeface="宋体" panose="02010600030101010101" pitchFamily="2" charset="-122"/>
+                        <a:cs typeface="Times New Roman" panose="02020603050405020304" pitchFamily="18" charset="0"/>
+                      </a:endParaRPr>
+                    </a:p>
+                  </a:txBody>
+                  <a:tcPr marL="68580" marR="68580" marT="0" marB="0"/>
+                </a:tc>
+                <a:extLst>
+                  <a:ext uri="{0D108BD9-81ED-4DB2-BD59-A6C34878D82A}">
+                    <a16:rowId xmlns:a16="http://schemas.microsoft.com/office/drawing/2014/main" val="4088742333"/>
+                  </a:ext>
+                </a:extLst>
+              </a:tr>
+              <a:tr h="0">
+                <a:tc>
+                  <a:txBody>
+                    <a:bodyPr/>
+                    <a:lstStyle/>
+                    <a:p>
+                      <a:pPr algn="just">
+                        <a:spcAft>
+                          <a:spcPts val="0"/>
+                        </a:spcAft>
+                      </a:pPr>
+                      <a:r>
+                        <a:rPr lang="en-US" sz="1050" kern="100">
+                          <a:effectLst/>
+                        </a:rPr>
+                        <a:t>04</a:t>
+                      </a:r>
+                      <a:endParaRPr lang="zh-CN" sz="1050" kern="100">
+                        <a:effectLst/>
+                        <a:latin typeface="Times New Roman" panose="02020603050405020304" pitchFamily="18" charset="0"/>
+                        <a:ea typeface="宋体" panose="02010600030101010101" pitchFamily="2" charset="-122"/>
+                        <a:cs typeface="Times New Roman" panose="02020603050405020304" pitchFamily="18" charset="0"/>
+                      </a:endParaRPr>
+                    </a:p>
+                  </a:txBody>
+                  <a:tcPr marL="68580" marR="68580" marT="0" marB="0"/>
+                </a:tc>
+                <a:tc>
+                  <a:txBody>
+                    <a:bodyPr/>
+                    <a:lstStyle/>
+                    <a:p>
+                      <a:pPr algn="just">
+                        <a:spcAft>
+                          <a:spcPts val="0"/>
+                        </a:spcAft>
+                      </a:pPr>
+                      <a:r>
+                        <a:rPr lang="zh-CN" sz="1050" kern="100">
+                          <a:effectLst/>
+                        </a:rPr>
+                        <a:t>用户租车</a:t>
+                      </a:r>
+                      <a:endParaRPr lang="zh-CN" sz="1050" kern="100">
+                        <a:effectLst/>
+                        <a:latin typeface="Times New Roman" panose="02020603050405020304" pitchFamily="18" charset="0"/>
+                        <a:ea typeface="宋体" panose="02010600030101010101" pitchFamily="2" charset="-122"/>
+                        <a:cs typeface="Times New Roman" panose="02020603050405020304" pitchFamily="18" charset="0"/>
+                      </a:endParaRPr>
+                    </a:p>
+                  </a:txBody>
+                  <a:tcPr marL="68580" marR="68580" marT="0" marB="0"/>
+                </a:tc>
+                <a:tc>
+                  <a:txBody>
+                    <a:bodyPr/>
+                    <a:lstStyle/>
+                    <a:p>
+                      <a:pPr algn="just">
+                        <a:spcAft>
+                          <a:spcPts val="0"/>
+                        </a:spcAft>
+                      </a:pPr>
+                      <a:r>
+                        <a:rPr lang="zh-CN" sz="1050" kern="100">
+                          <a:effectLst/>
+                        </a:rPr>
+                        <a:t>租赁汽车，其他人不可租</a:t>
+                      </a:r>
+                      <a:endParaRPr lang="zh-CN" sz="1050" kern="100">
+                        <a:effectLst/>
+                        <a:latin typeface="Times New Roman" panose="02020603050405020304" pitchFamily="18" charset="0"/>
+                        <a:ea typeface="宋体" panose="02010600030101010101" pitchFamily="2" charset="-122"/>
+                        <a:cs typeface="Times New Roman" panose="02020603050405020304" pitchFamily="18" charset="0"/>
+                      </a:endParaRPr>
+                    </a:p>
+                  </a:txBody>
+                  <a:tcPr marL="68580" marR="68580" marT="0" marB="0"/>
+                </a:tc>
+                <a:extLst>
+                  <a:ext uri="{0D108BD9-81ED-4DB2-BD59-A6C34878D82A}">
+                    <a16:rowId xmlns:a16="http://schemas.microsoft.com/office/drawing/2014/main" val="953021782"/>
+                  </a:ext>
+                </a:extLst>
+              </a:tr>
+              <a:tr h="0">
+                <a:tc>
+                  <a:txBody>
+                    <a:bodyPr/>
+                    <a:lstStyle/>
+                    <a:p>
+                      <a:pPr algn="just">
+                        <a:spcAft>
+                          <a:spcPts val="0"/>
+                        </a:spcAft>
+                      </a:pPr>
+                      <a:r>
+                        <a:rPr lang="en-US" sz="1050" kern="100">
+                          <a:effectLst/>
+                        </a:rPr>
+                        <a:t>05</a:t>
+                      </a:r>
+                      <a:endParaRPr lang="zh-CN" sz="1050" kern="100">
+                        <a:effectLst/>
+                        <a:latin typeface="Times New Roman" panose="02020603050405020304" pitchFamily="18" charset="0"/>
+                        <a:ea typeface="宋体" panose="02010600030101010101" pitchFamily="2" charset="-122"/>
+                        <a:cs typeface="Times New Roman" panose="02020603050405020304" pitchFamily="18" charset="0"/>
+                      </a:endParaRPr>
+                    </a:p>
+                  </a:txBody>
+                  <a:tcPr marL="68580" marR="68580" marT="0" marB="0"/>
+                </a:tc>
+                <a:tc>
+                  <a:txBody>
+                    <a:bodyPr/>
+                    <a:lstStyle/>
+                    <a:p>
+                      <a:pPr algn="just">
+                        <a:spcAft>
+                          <a:spcPts val="0"/>
+                        </a:spcAft>
+                      </a:pPr>
+                      <a:r>
+                        <a:rPr lang="zh-CN" sz="1050" kern="100">
+                          <a:effectLst/>
+                        </a:rPr>
+                        <a:t>用户还车</a:t>
+                      </a:r>
+                      <a:endParaRPr lang="zh-CN" sz="1050" kern="100">
+                        <a:effectLst/>
+                        <a:latin typeface="Times New Roman" panose="02020603050405020304" pitchFamily="18" charset="0"/>
+                        <a:ea typeface="宋体" panose="02010600030101010101" pitchFamily="2" charset="-122"/>
+                        <a:cs typeface="Times New Roman" panose="02020603050405020304" pitchFamily="18" charset="0"/>
+                      </a:endParaRPr>
+                    </a:p>
+                  </a:txBody>
+                  <a:tcPr marL="68580" marR="68580" marT="0" marB="0"/>
+                </a:tc>
+                <a:tc>
+                  <a:txBody>
+                    <a:bodyPr/>
+                    <a:lstStyle/>
+                    <a:p>
+                      <a:pPr algn="just">
+                        <a:spcAft>
+                          <a:spcPts val="0"/>
+                        </a:spcAft>
+                      </a:pPr>
+                      <a:r>
+                        <a:rPr lang="zh-CN" sz="1050" kern="100">
+                          <a:effectLst/>
+                        </a:rPr>
+                        <a:t>归还汽车，其他人可租</a:t>
+                      </a:r>
+                      <a:endParaRPr lang="zh-CN" sz="1050" kern="100">
+                        <a:effectLst/>
+                        <a:latin typeface="Times New Roman" panose="02020603050405020304" pitchFamily="18" charset="0"/>
+                        <a:ea typeface="宋体" panose="02010600030101010101" pitchFamily="2" charset="-122"/>
+                        <a:cs typeface="Times New Roman" panose="02020603050405020304" pitchFamily="18" charset="0"/>
+                      </a:endParaRPr>
+                    </a:p>
+                  </a:txBody>
+                  <a:tcPr marL="68580" marR="68580" marT="0" marB="0"/>
+                </a:tc>
+                <a:extLst>
+                  <a:ext uri="{0D108BD9-81ED-4DB2-BD59-A6C34878D82A}">
+                    <a16:rowId xmlns:a16="http://schemas.microsoft.com/office/drawing/2014/main" val="2513941606"/>
+                  </a:ext>
+                </a:extLst>
+              </a:tr>
+              <a:tr h="0">
+                <a:tc>
+                  <a:txBody>
+                    <a:bodyPr/>
+                    <a:lstStyle/>
+                    <a:p>
+                      <a:pPr algn="just">
+                        <a:spcAft>
+                          <a:spcPts val="0"/>
+                        </a:spcAft>
+                      </a:pPr>
+                      <a:r>
+                        <a:rPr lang="en-US" sz="1050" kern="100">
+                          <a:effectLst/>
+                        </a:rPr>
+                        <a:t>06</a:t>
+                      </a:r>
+                      <a:endParaRPr lang="zh-CN" sz="1050" kern="100">
+                        <a:effectLst/>
+                        <a:latin typeface="Times New Roman" panose="02020603050405020304" pitchFamily="18" charset="0"/>
+                        <a:ea typeface="宋体" panose="02010600030101010101" pitchFamily="2" charset="-122"/>
+                        <a:cs typeface="Times New Roman" panose="02020603050405020304" pitchFamily="18" charset="0"/>
+                      </a:endParaRPr>
+                    </a:p>
+                  </a:txBody>
+                  <a:tcPr marL="68580" marR="68580" marT="0" marB="0"/>
+                </a:tc>
+                <a:tc>
+                  <a:txBody>
+                    <a:bodyPr/>
+                    <a:lstStyle/>
+                    <a:p>
+                      <a:pPr algn="just">
+                        <a:spcAft>
+                          <a:spcPts val="0"/>
+                        </a:spcAft>
+                      </a:pPr>
+                      <a:r>
+                        <a:rPr lang="zh-CN" sz="1050" kern="100">
+                          <a:effectLst/>
+                        </a:rPr>
+                        <a:t>用户查看租车记录</a:t>
+                      </a:r>
+                      <a:endParaRPr lang="zh-CN" sz="1050" kern="100">
+                        <a:effectLst/>
+                        <a:latin typeface="Times New Roman" panose="02020603050405020304" pitchFamily="18" charset="0"/>
+                        <a:ea typeface="宋体" panose="02010600030101010101" pitchFamily="2" charset="-122"/>
+                        <a:cs typeface="Times New Roman" panose="02020603050405020304" pitchFamily="18" charset="0"/>
+                      </a:endParaRPr>
+                    </a:p>
+                  </a:txBody>
+                  <a:tcPr marL="68580" marR="68580" marT="0" marB="0"/>
+                </a:tc>
+                <a:tc>
+                  <a:txBody>
+                    <a:bodyPr/>
+                    <a:lstStyle/>
+                    <a:p>
+                      <a:pPr algn="just">
+                        <a:spcAft>
+                          <a:spcPts val="0"/>
+                        </a:spcAft>
+                      </a:pPr>
+                      <a:r>
+                        <a:rPr lang="zh-CN" sz="1050" kern="100">
+                          <a:effectLst/>
+                        </a:rPr>
+                        <a:t>查看当前用户的全部租车记录</a:t>
+                      </a:r>
+                      <a:endParaRPr lang="zh-CN" sz="1050" kern="100">
+                        <a:effectLst/>
+                        <a:latin typeface="Times New Roman" panose="02020603050405020304" pitchFamily="18" charset="0"/>
+                        <a:ea typeface="宋体" panose="02010600030101010101" pitchFamily="2" charset="-122"/>
+                        <a:cs typeface="Times New Roman" panose="02020603050405020304" pitchFamily="18" charset="0"/>
+                      </a:endParaRPr>
+                    </a:p>
+                  </a:txBody>
+                  <a:tcPr marL="68580" marR="68580" marT="0" marB="0"/>
+                </a:tc>
+                <a:extLst>
+                  <a:ext uri="{0D108BD9-81ED-4DB2-BD59-A6C34878D82A}">
+                    <a16:rowId xmlns:a16="http://schemas.microsoft.com/office/drawing/2014/main" val="2109043815"/>
+                  </a:ext>
+                </a:extLst>
+              </a:tr>
+              <a:tr h="0">
+                <a:tc>
+                  <a:txBody>
+                    <a:bodyPr/>
+                    <a:lstStyle/>
+                    <a:p>
+                      <a:pPr algn="just">
+                        <a:spcAft>
+                          <a:spcPts val="0"/>
+                        </a:spcAft>
+                      </a:pPr>
+                      <a:r>
+                        <a:rPr lang="en-US" sz="1050" kern="100">
+                          <a:effectLst/>
+                        </a:rPr>
+                        <a:t>07</a:t>
+                      </a:r>
+                      <a:endParaRPr lang="zh-CN" sz="1050" kern="100">
+                        <a:effectLst/>
+                        <a:latin typeface="Times New Roman" panose="02020603050405020304" pitchFamily="18" charset="0"/>
+                        <a:ea typeface="宋体" panose="02010600030101010101" pitchFamily="2" charset="-122"/>
+                        <a:cs typeface="Times New Roman" panose="02020603050405020304" pitchFamily="18" charset="0"/>
+                      </a:endParaRPr>
+                    </a:p>
+                  </a:txBody>
+                  <a:tcPr marL="68580" marR="68580" marT="0" marB="0"/>
+                </a:tc>
+                <a:tc>
+                  <a:txBody>
+                    <a:bodyPr/>
+                    <a:lstStyle/>
+                    <a:p>
+                      <a:pPr algn="just">
+                        <a:spcAft>
+                          <a:spcPts val="0"/>
+                        </a:spcAft>
+                      </a:pPr>
+                      <a:r>
+                        <a:rPr lang="zh-CN" sz="1050" kern="100">
+                          <a:effectLst/>
+                        </a:rPr>
+                        <a:t>管理员登录</a:t>
+                      </a:r>
+                      <a:endParaRPr lang="zh-CN" sz="1050" kern="100">
+                        <a:effectLst/>
+                        <a:latin typeface="Times New Roman" panose="02020603050405020304" pitchFamily="18" charset="0"/>
+                        <a:ea typeface="宋体" panose="02010600030101010101" pitchFamily="2" charset="-122"/>
+                        <a:cs typeface="Times New Roman" panose="02020603050405020304" pitchFamily="18" charset="0"/>
+                      </a:endParaRPr>
+                    </a:p>
+                  </a:txBody>
+                  <a:tcPr marL="68580" marR="68580" marT="0" marB="0"/>
+                </a:tc>
+                <a:tc>
+                  <a:txBody>
+                    <a:bodyPr/>
+                    <a:lstStyle/>
+                    <a:p>
+                      <a:pPr algn="just">
+                        <a:spcAft>
+                          <a:spcPts val="0"/>
+                        </a:spcAft>
+                      </a:pPr>
+                      <a:r>
+                        <a:rPr lang="zh-CN" sz="1050" kern="100">
+                          <a:effectLst/>
+                        </a:rPr>
+                        <a:t>输入用户名、密码登录</a:t>
+                      </a:r>
+                      <a:endParaRPr lang="zh-CN" sz="1050" kern="100">
+                        <a:effectLst/>
+                        <a:latin typeface="Times New Roman" panose="02020603050405020304" pitchFamily="18" charset="0"/>
+                        <a:ea typeface="宋体" panose="02010600030101010101" pitchFamily="2" charset="-122"/>
+                        <a:cs typeface="Times New Roman" panose="02020603050405020304" pitchFamily="18" charset="0"/>
+                      </a:endParaRPr>
+                    </a:p>
+                  </a:txBody>
+                  <a:tcPr marL="68580" marR="68580" marT="0" marB="0"/>
+                </a:tc>
+                <a:extLst>
+                  <a:ext uri="{0D108BD9-81ED-4DB2-BD59-A6C34878D82A}">
+                    <a16:rowId xmlns:a16="http://schemas.microsoft.com/office/drawing/2014/main" val="278495522"/>
+                  </a:ext>
+                </a:extLst>
+              </a:tr>
+              <a:tr h="0">
+                <a:tc>
+                  <a:txBody>
+                    <a:bodyPr/>
+                    <a:lstStyle/>
+                    <a:p>
+                      <a:pPr algn="just">
+                        <a:spcAft>
+                          <a:spcPts val="0"/>
+                        </a:spcAft>
+                      </a:pPr>
+                      <a:r>
+                        <a:rPr lang="en-US" sz="1050" kern="100">
+                          <a:effectLst/>
+                        </a:rPr>
+                        <a:t>08</a:t>
+                      </a:r>
+                      <a:endParaRPr lang="zh-CN" sz="1050" kern="100">
+                        <a:effectLst/>
+                        <a:latin typeface="Times New Roman" panose="02020603050405020304" pitchFamily="18" charset="0"/>
+                        <a:ea typeface="宋体" panose="02010600030101010101" pitchFamily="2" charset="-122"/>
+                        <a:cs typeface="Times New Roman" panose="02020603050405020304" pitchFamily="18" charset="0"/>
+                      </a:endParaRPr>
+                    </a:p>
+                  </a:txBody>
+                  <a:tcPr marL="68580" marR="68580" marT="0" marB="0"/>
+                </a:tc>
+                <a:tc>
+                  <a:txBody>
+                    <a:bodyPr/>
+                    <a:lstStyle/>
+                    <a:p>
+                      <a:pPr algn="just">
+                        <a:spcAft>
+                          <a:spcPts val="0"/>
+                        </a:spcAft>
+                      </a:pPr>
+                      <a:r>
+                        <a:rPr lang="zh-CN" sz="1050" kern="100">
+                          <a:effectLst/>
+                        </a:rPr>
+                        <a:t>管理员查看汽车信息</a:t>
+                      </a:r>
+                      <a:endParaRPr lang="zh-CN" sz="1050" kern="100">
+                        <a:effectLst/>
+                        <a:latin typeface="Times New Roman" panose="02020603050405020304" pitchFamily="18" charset="0"/>
+                        <a:ea typeface="宋体" panose="02010600030101010101" pitchFamily="2" charset="-122"/>
+                        <a:cs typeface="Times New Roman" panose="02020603050405020304" pitchFamily="18" charset="0"/>
+                      </a:endParaRPr>
+                    </a:p>
+                  </a:txBody>
+                  <a:tcPr marL="68580" marR="68580" marT="0" marB="0"/>
+                </a:tc>
+                <a:tc>
+                  <a:txBody>
+                    <a:bodyPr/>
+                    <a:lstStyle/>
+                    <a:p>
+                      <a:pPr algn="just">
+                        <a:spcAft>
+                          <a:spcPts val="0"/>
+                        </a:spcAft>
+                      </a:pPr>
+                      <a:r>
+                        <a:rPr lang="zh-CN" sz="1050" kern="100">
+                          <a:effectLst/>
+                        </a:rPr>
+                        <a:t>全部汽车或指定汽车</a:t>
+                      </a:r>
+                      <a:endParaRPr lang="zh-CN" sz="1050" kern="100">
+                        <a:effectLst/>
+                        <a:latin typeface="Times New Roman" panose="02020603050405020304" pitchFamily="18" charset="0"/>
+                        <a:ea typeface="宋体" panose="02010600030101010101" pitchFamily="2" charset="-122"/>
+                        <a:cs typeface="Times New Roman" panose="02020603050405020304" pitchFamily="18" charset="0"/>
+                      </a:endParaRPr>
+                    </a:p>
+                  </a:txBody>
+                  <a:tcPr marL="68580" marR="68580" marT="0" marB="0"/>
+                </a:tc>
+                <a:extLst>
+                  <a:ext uri="{0D108BD9-81ED-4DB2-BD59-A6C34878D82A}">
+                    <a16:rowId xmlns:a16="http://schemas.microsoft.com/office/drawing/2014/main" val="738835625"/>
+                  </a:ext>
+                </a:extLst>
+              </a:tr>
+              <a:tr h="0">
+                <a:tc>
+                  <a:txBody>
+                    <a:bodyPr/>
+                    <a:lstStyle/>
+                    <a:p>
+                      <a:pPr algn="just">
+                        <a:spcAft>
+                          <a:spcPts val="0"/>
+                        </a:spcAft>
+                      </a:pPr>
+                      <a:r>
+                        <a:rPr lang="en-US" sz="1050" kern="100">
+                          <a:effectLst/>
+                        </a:rPr>
+                        <a:t>09</a:t>
+                      </a:r>
+                      <a:endParaRPr lang="zh-CN" sz="1050" kern="100">
+                        <a:effectLst/>
+                        <a:latin typeface="Times New Roman" panose="02020603050405020304" pitchFamily="18" charset="0"/>
+                        <a:ea typeface="宋体" panose="02010600030101010101" pitchFamily="2" charset="-122"/>
+                        <a:cs typeface="Times New Roman" panose="02020603050405020304" pitchFamily="18" charset="0"/>
+                      </a:endParaRPr>
+                    </a:p>
+                  </a:txBody>
+                  <a:tcPr marL="68580" marR="68580" marT="0" marB="0"/>
+                </a:tc>
+                <a:tc>
+                  <a:txBody>
+                    <a:bodyPr/>
+                    <a:lstStyle/>
+                    <a:p>
+                      <a:pPr algn="just">
+                        <a:spcAft>
+                          <a:spcPts val="0"/>
+                        </a:spcAft>
+                      </a:pPr>
+                      <a:r>
+                        <a:rPr lang="zh-CN" sz="1050" kern="100">
+                          <a:effectLst/>
+                        </a:rPr>
+                        <a:t>管理员添加汽车</a:t>
+                      </a:r>
+                      <a:endParaRPr lang="zh-CN" sz="1050" kern="100">
+                        <a:effectLst/>
+                        <a:latin typeface="Times New Roman" panose="02020603050405020304" pitchFamily="18" charset="0"/>
+                        <a:ea typeface="宋体" panose="02010600030101010101" pitchFamily="2" charset="-122"/>
+                        <a:cs typeface="Times New Roman" panose="02020603050405020304" pitchFamily="18" charset="0"/>
+                      </a:endParaRPr>
+                    </a:p>
+                  </a:txBody>
+                  <a:tcPr marL="68580" marR="68580" marT="0" marB="0"/>
+                </a:tc>
+                <a:tc>
+                  <a:txBody>
+                    <a:bodyPr/>
+                    <a:lstStyle/>
+                    <a:p>
+                      <a:pPr algn="just">
+                        <a:spcAft>
+                          <a:spcPts val="0"/>
+                        </a:spcAft>
+                      </a:pPr>
+                      <a:r>
+                        <a:rPr lang="zh-CN" sz="1050" kern="100">
+                          <a:effectLst/>
+                        </a:rPr>
+                        <a:t>根据提示添加一辆汽车</a:t>
+                      </a:r>
+                      <a:endParaRPr lang="zh-CN" sz="1050" kern="100">
+                        <a:effectLst/>
+                        <a:latin typeface="Times New Roman" panose="02020603050405020304" pitchFamily="18" charset="0"/>
+                        <a:ea typeface="宋体" panose="02010600030101010101" pitchFamily="2" charset="-122"/>
+                        <a:cs typeface="Times New Roman" panose="02020603050405020304" pitchFamily="18" charset="0"/>
+                      </a:endParaRPr>
+                    </a:p>
+                  </a:txBody>
+                  <a:tcPr marL="68580" marR="68580" marT="0" marB="0"/>
+                </a:tc>
+                <a:extLst>
+                  <a:ext uri="{0D108BD9-81ED-4DB2-BD59-A6C34878D82A}">
+                    <a16:rowId xmlns:a16="http://schemas.microsoft.com/office/drawing/2014/main" val="1342102617"/>
+                  </a:ext>
+                </a:extLst>
+              </a:tr>
+              <a:tr h="0">
+                <a:tc>
+                  <a:txBody>
+                    <a:bodyPr/>
+                    <a:lstStyle/>
+                    <a:p>
+                      <a:pPr algn="just">
+                        <a:spcAft>
+                          <a:spcPts val="0"/>
+                        </a:spcAft>
+                      </a:pPr>
+                      <a:r>
+                        <a:rPr lang="en-US" sz="1050" kern="100">
+                          <a:effectLst/>
+                        </a:rPr>
+                        <a:t>10</a:t>
+                      </a:r>
+                      <a:endParaRPr lang="zh-CN" sz="1050" kern="100">
+                        <a:effectLst/>
+                        <a:latin typeface="Times New Roman" panose="02020603050405020304" pitchFamily="18" charset="0"/>
+                        <a:ea typeface="宋体" panose="02010600030101010101" pitchFamily="2" charset="-122"/>
+                        <a:cs typeface="Times New Roman" panose="02020603050405020304" pitchFamily="18" charset="0"/>
+                      </a:endParaRPr>
+                    </a:p>
+                  </a:txBody>
+                  <a:tcPr marL="68580" marR="68580" marT="0" marB="0"/>
+                </a:tc>
+                <a:tc>
+                  <a:txBody>
+                    <a:bodyPr/>
+                    <a:lstStyle/>
+                    <a:p>
+                      <a:pPr algn="just">
+                        <a:spcAft>
+                          <a:spcPts val="0"/>
+                        </a:spcAft>
+                      </a:pPr>
+                      <a:r>
+                        <a:rPr lang="zh-CN" sz="1050" kern="100">
+                          <a:effectLst/>
+                        </a:rPr>
+                        <a:t>管理员修改汽车信息</a:t>
+                      </a:r>
+                      <a:endParaRPr lang="zh-CN" sz="1050" kern="100">
+                        <a:effectLst/>
+                        <a:latin typeface="Times New Roman" panose="02020603050405020304" pitchFamily="18" charset="0"/>
+                        <a:ea typeface="宋体" panose="02010600030101010101" pitchFamily="2" charset="-122"/>
+                        <a:cs typeface="Times New Roman" panose="02020603050405020304" pitchFamily="18" charset="0"/>
+                      </a:endParaRPr>
+                    </a:p>
+                  </a:txBody>
+                  <a:tcPr marL="68580" marR="68580" marT="0" marB="0"/>
+                </a:tc>
+                <a:tc>
+                  <a:txBody>
+                    <a:bodyPr/>
+                    <a:lstStyle/>
+                    <a:p>
+                      <a:pPr algn="just">
+                        <a:spcAft>
+                          <a:spcPts val="0"/>
+                        </a:spcAft>
+                      </a:pPr>
+                      <a:r>
+                        <a:rPr lang="zh-CN" sz="1050" kern="100">
+                          <a:effectLst/>
+                        </a:rPr>
+                        <a:t>修改租赁价格、是否上架</a:t>
+                      </a:r>
+                      <a:endParaRPr lang="zh-CN" sz="1050" kern="100">
+                        <a:effectLst/>
+                        <a:latin typeface="Times New Roman" panose="02020603050405020304" pitchFamily="18" charset="0"/>
+                        <a:ea typeface="宋体" panose="02010600030101010101" pitchFamily="2" charset="-122"/>
+                        <a:cs typeface="Times New Roman" panose="02020603050405020304" pitchFamily="18" charset="0"/>
+                      </a:endParaRPr>
+                    </a:p>
+                  </a:txBody>
+                  <a:tcPr marL="68580" marR="68580" marT="0" marB="0"/>
+                </a:tc>
+                <a:extLst>
+                  <a:ext uri="{0D108BD9-81ED-4DB2-BD59-A6C34878D82A}">
+                    <a16:rowId xmlns:a16="http://schemas.microsoft.com/office/drawing/2014/main" val="3108192657"/>
+                  </a:ext>
+                </a:extLst>
+              </a:tr>
+              <a:tr h="0">
+                <a:tc>
+                  <a:txBody>
+                    <a:bodyPr/>
+                    <a:lstStyle/>
+                    <a:p>
+                      <a:pPr algn="just">
+                        <a:spcAft>
+                          <a:spcPts val="0"/>
+                        </a:spcAft>
+                      </a:pPr>
+                      <a:r>
+                        <a:rPr lang="en-US" sz="1050" kern="100">
+                          <a:effectLst/>
+                        </a:rPr>
+                        <a:t>11</a:t>
+                      </a:r>
+                      <a:endParaRPr lang="zh-CN" sz="1050" kern="100">
+                        <a:effectLst/>
+                        <a:latin typeface="Times New Roman" panose="02020603050405020304" pitchFamily="18" charset="0"/>
+                        <a:ea typeface="宋体" panose="02010600030101010101" pitchFamily="2" charset="-122"/>
+                        <a:cs typeface="Times New Roman" panose="02020603050405020304" pitchFamily="18" charset="0"/>
+                      </a:endParaRPr>
+                    </a:p>
+                  </a:txBody>
+                  <a:tcPr marL="68580" marR="68580" marT="0" marB="0"/>
+                </a:tc>
+                <a:tc>
+                  <a:txBody>
+                    <a:bodyPr/>
+                    <a:lstStyle/>
+                    <a:p>
+                      <a:pPr algn="just">
+                        <a:spcAft>
+                          <a:spcPts val="0"/>
+                        </a:spcAft>
+                      </a:pPr>
+                      <a:r>
+                        <a:rPr lang="zh-CN" sz="1050" kern="100">
+                          <a:effectLst/>
+                        </a:rPr>
+                        <a:t>管理员查看租赁记录信息</a:t>
+                      </a:r>
+                      <a:endParaRPr lang="zh-CN" sz="1050" kern="100">
+                        <a:effectLst/>
+                        <a:latin typeface="Times New Roman" panose="02020603050405020304" pitchFamily="18" charset="0"/>
+                        <a:ea typeface="宋体" panose="02010600030101010101" pitchFamily="2" charset="-122"/>
+                        <a:cs typeface="Times New Roman" panose="02020603050405020304" pitchFamily="18" charset="0"/>
+                      </a:endParaRPr>
+                    </a:p>
+                  </a:txBody>
+                  <a:tcPr marL="68580" marR="68580" marT="0" marB="0"/>
+                </a:tc>
+                <a:tc>
+                  <a:txBody>
+                    <a:bodyPr/>
+                    <a:lstStyle/>
+                    <a:p>
+                      <a:pPr algn="just">
+                        <a:spcAft>
+                          <a:spcPts val="0"/>
+                        </a:spcAft>
+                      </a:pPr>
+                      <a:r>
+                        <a:rPr lang="zh-CN" sz="1050" kern="100">
+                          <a:effectLst/>
+                        </a:rPr>
+                        <a:t>根据用户</a:t>
+                      </a:r>
+                      <a:r>
+                        <a:rPr lang="en-US" sz="1050" kern="100">
+                          <a:effectLst/>
+                        </a:rPr>
+                        <a:t>id</a:t>
+                      </a:r>
+                      <a:r>
+                        <a:rPr lang="zh-CN" sz="1050" kern="100">
+                          <a:effectLst/>
+                        </a:rPr>
+                        <a:t>或汽车</a:t>
+                      </a:r>
+                      <a:r>
+                        <a:rPr lang="en-US" sz="1050" kern="100">
+                          <a:effectLst/>
+                        </a:rPr>
+                        <a:t>id</a:t>
+                      </a:r>
+                      <a:endParaRPr lang="zh-CN" sz="1050" kern="100">
+                        <a:effectLst/>
+                        <a:latin typeface="Times New Roman" panose="02020603050405020304" pitchFamily="18" charset="0"/>
+                        <a:ea typeface="宋体" panose="02010600030101010101" pitchFamily="2" charset="-122"/>
+                        <a:cs typeface="Times New Roman" panose="02020603050405020304" pitchFamily="18" charset="0"/>
+                      </a:endParaRPr>
+                    </a:p>
+                  </a:txBody>
+                  <a:tcPr marL="68580" marR="68580" marT="0" marB="0"/>
+                </a:tc>
+                <a:extLst>
+                  <a:ext uri="{0D108BD9-81ED-4DB2-BD59-A6C34878D82A}">
+                    <a16:rowId xmlns:a16="http://schemas.microsoft.com/office/drawing/2014/main" val="1267142572"/>
+                  </a:ext>
+                </a:extLst>
+              </a:tr>
+            </a:tbl>
+          </a:graphicData>
+        </a:graphic>
+      </p:graphicFrame>
+      <p:sp>
+        <p:nvSpPr>
+          <p:cNvPr id="4" name="矩形 3">
+            <a:extLst>
+              <a:ext uri="{FF2B5EF4-FFF2-40B4-BE49-F238E27FC236}">
+                <a16:creationId xmlns:a16="http://schemas.microsoft.com/office/drawing/2014/main" id="{2096B030-6648-4DA7-8B86-F4CB0B392556}"/>
               </a:ext>
             </a:extLst>
           </p:cNvPr>
@@ -17180,7 +18605,7 @@
         </p:nvSpPr>
         <p:spPr>
           <a:xfrm>
-            <a:off x="3048000" y="1997839"/>
+            <a:off x="5599289" y="530284"/>
             <a:ext cx="6096000" cy="2308324"/>
           </a:xfrm>
           <a:prstGeom prst="rect">
@@ -17194,7 +18619,7 @@
           <a:lstStyle/>
           <a:p>
             <a:r>
-              <a:rPr lang="zh-CN" altLang="en-US" b="1" i="1" dirty="0">
+              <a:rPr lang="zh-CN" altLang="en-US" b="1" i="1">
                 <a:solidFill>
                   <a:srgbClr val="2A00FF"/>
                 </a:solidFill>
@@ -17204,7 +18629,7 @@
               <a:t>输入</a:t>
             </a:r>
             <a:r>
-              <a:rPr lang="en-US" altLang="zh-CN" b="1" i="1" dirty="0">
+              <a:rPr lang="en-US" altLang="zh-CN" b="1" i="1">
                 <a:solidFill>
                   <a:srgbClr val="2A00FF"/>
                 </a:solidFill>
@@ -17214,7 +18639,7 @@
               <a:t>0</a:t>
             </a:r>
             <a:r>
-              <a:rPr lang="zh-CN" altLang="en-US" b="1" i="1" dirty="0">
+              <a:rPr lang="zh-CN" altLang="en-US" b="1" i="1">
                 <a:solidFill>
                   <a:srgbClr val="2A00FF"/>
                 </a:solidFill>
@@ -17223,7 +18648,7 @@
               </a:rPr>
               <a:t>退出</a:t>
             </a:r>
-            <a:endParaRPr lang="en-US" altLang="zh-CN" b="1" i="1" dirty="0">
+            <a:endParaRPr lang="en-US" altLang="zh-CN" b="1" i="1">
               <a:solidFill>
                 <a:srgbClr val="000000"/>
               </a:solidFill>
@@ -17233,7 +18658,7 @@
           </a:p>
           <a:p>
             <a:r>
-              <a:rPr lang="zh-CN" altLang="en-US" b="1" i="1" dirty="0">
+              <a:rPr lang="zh-CN" altLang="en-US" b="1" i="1">
                 <a:solidFill>
                   <a:srgbClr val="2A00FF"/>
                 </a:solidFill>
@@ -17243,7 +18668,7 @@
               <a:t>输入</a:t>
             </a:r>
             <a:r>
-              <a:rPr lang="en-US" altLang="zh-CN" b="1" i="1" dirty="0">
+              <a:rPr lang="en-US" altLang="zh-CN" b="1" i="1">
                 <a:solidFill>
                   <a:srgbClr val="2A00FF"/>
                 </a:solidFill>
@@ -17253,7 +18678,7 @@
               <a:t>1+</a:t>
             </a:r>
             <a:r>
-              <a:rPr lang="zh-CN" altLang="en-US" b="1" i="1" dirty="0">
+              <a:rPr lang="zh-CN" altLang="en-US" b="1" i="1">
                 <a:solidFill>
                   <a:srgbClr val="2A00FF"/>
                 </a:solidFill>
@@ -17263,7 +18688,7 @@
               <a:t>汽车编号 进入租车订单 如</a:t>
             </a:r>
             <a:r>
-              <a:rPr lang="en-US" altLang="zh-CN" b="1" i="1" dirty="0">
+              <a:rPr lang="en-US" altLang="zh-CN" b="1" i="1">
                 <a:solidFill>
                   <a:srgbClr val="2A00FF"/>
                 </a:solidFill>
@@ -17272,7 +18697,7 @@
               </a:rPr>
               <a:t>1+2</a:t>
             </a:r>
-            <a:endParaRPr lang="en-US" altLang="zh-CN" b="1" i="1" dirty="0">
+            <a:endParaRPr lang="en-US" altLang="zh-CN" b="1" i="1">
               <a:solidFill>
                 <a:srgbClr val="000000"/>
               </a:solidFill>
@@ -17282,7 +18707,7 @@
           </a:p>
           <a:p>
             <a:r>
-              <a:rPr lang="zh-CN" altLang="en-US" b="1" i="1" dirty="0">
+              <a:rPr lang="zh-CN" altLang="en-US" b="1" i="1">
                 <a:solidFill>
                   <a:srgbClr val="2A00FF"/>
                 </a:solidFill>
@@ -17292,7 +18717,7 @@
               <a:t>输入</a:t>
             </a:r>
             <a:r>
-              <a:rPr lang="en-US" altLang="zh-CN" b="1" i="1" dirty="0">
+              <a:rPr lang="en-US" altLang="zh-CN" b="1" i="1">
                 <a:solidFill>
                   <a:srgbClr val="2A00FF"/>
                 </a:solidFill>
@@ -17302,7 +18727,7 @@
               <a:t>2+1 </a:t>
             </a:r>
             <a:r>
-              <a:rPr lang="zh-CN" altLang="en-US" b="1" i="1" dirty="0">
+              <a:rPr lang="zh-CN" altLang="en-US" b="1" i="1">
                 <a:solidFill>
                   <a:srgbClr val="2A00FF"/>
                 </a:solidFill>
@@ -17312,7 +18737,7 @@
               <a:t>按价格降序排序 </a:t>
             </a:r>
             <a:r>
-              <a:rPr lang="en-US" altLang="zh-CN" b="1" i="1" dirty="0">
+              <a:rPr lang="en-US" altLang="zh-CN" b="1" i="1">
                 <a:solidFill>
                   <a:srgbClr val="2A00FF"/>
                 </a:solidFill>
@@ -17322,7 +18747,7 @@
               <a:t>2+2 </a:t>
             </a:r>
             <a:r>
-              <a:rPr lang="zh-CN" altLang="en-US" b="1" i="1" dirty="0">
+              <a:rPr lang="zh-CN" altLang="en-US" b="1" i="1">
                 <a:solidFill>
                   <a:srgbClr val="2A00FF"/>
                 </a:solidFill>
@@ -17331,7 +18756,7 @@
               </a:rPr>
               <a:t>按价格升序排序</a:t>
             </a:r>
-            <a:endParaRPr lang="en-US" altLang="zh-CN" b="1" i="1" dirty="0">
+            <a:endParaRPr lang="en-US" altLang="zh-CN" b="1" i="1">
               <a:solidFill>
                 <a:srgbClr val="000000"/>
               </a:solidFill>
@@ -17341,7 +18766,7 @@
           </a:p>
           <a:p>
             <a:r>
-              <a:rPr lang="zh-CN" altLang="en-US" b="1" i="1" dirty="0">
+              <a:rPr lang="zh-CN" altLang="en-US" b="1" i="1">
                 <a:solidFill>
                   <a:srgbClr val="2A00FF"/>
                 </a:solidFill>
@@ -17351,7 +18776,7 @@
               <a:t>输入</a:t>
             </a:r>
             <a:r>
-              <a:rPr lang="en-US" altLang="zh-CN" b="1" i="1" dirty="0">
+              <a:rPr lang="en-US" altLang="zh-CN" b="1" i="1">
                 <a:solidFill>
                   <a:srgbClr val="2A00FF"/>
                 </a:solidFill>
@@ -17361,7 +18786,7 @@
               <a:t>3+</a:t>
             </a:r>
             <a:r>
-              <a:rPr lang="zh-CN" altLang="en-US" b="1" i="1" dirty="0">
+              <a:rPr lang="zh-CN" altLang="en-US" b="1" i="1">
                 <a:solidFill>
                   <a:srgbClr val="2A00FF"/>
                 </a:solidFill>
@@ -17370,7 +18795,7 @@
               </a:rPr>
               <a:t>类型编号 按类型搜索</a:t>
             </a:r>
-            <a:endParaRPr lang="en-US" altLang="zh-CN" b="1" i="1" dirty="0">
+            <a:endParaRPr lang="en-US" altLang="zh-CN" b="1" i="1">
               <a:solidFill>
                 <a:srgbClr val="000000"/>
               </a:solidFill>
@@ -17380,7 +18805,7 @@
           </a:p>
           <a:p>
             <a:r>
-              <a:rPr lang="zh-CN" altLang="en-US" b="1" i="1" dirty="0">
+              <a:rPr lang="zh-CN" altLang="en-US" b="1" i="1">
                 <a:solidFill>
                   <a:srgbClr val="2A00FF"/>
                 </a:solidFill>
@@ -17390,7 +18815,7 @@
               <a:t>输入</a:t>
             </a:r>
             <a:r>
-              <a:rPr lang="en-US" altLang="zh-CN" b="1" i="1" dirty="0">
+              <a:rPr lang="en-US" altLang="zh-CN" b="1" i="1">
                 <a:solidFill>
                   <a:srgbClr val="2A00FF"/>
                 </a:solidFill>
@@ -17400,7 +18825,7 @@
               <a:t>4+</a:t>
             </a:r>
             <a:r>
-              <a:rPr lang="zh-CN" altLang="en-US" b="1" i="1" dirty="0">
+              <a:rPr lang="zh-CN" altLang="en-US" b="1" i="1">
                 <a:solidFill>
                   <a:srgbClr val="2A00FF"/>
                 </a:solidFill>
@@ -17409,7 +18834,7 @@
               </a:rPr>
               <a:t>品牌编号 按品牌搜素</a:t>
             </a:r>
-            <a:endParaRPr lang="en-US" altLang="zh-CN" b="1" i="1" dirty="0">
+            <a:endParaRPr lang="en-US" altLang="zh-CN" b="1" i="1">
               <a:solidFill>
                 <a:srgbClr val="000000"/>
               </a:solidFill>
@@ -17419,7 +18844,7 @@
           </a:p>
           <a:p>
             <a:r>
-              <a:rPr lang="zh-CN" altLang="en-US" b="1" i="1" dirty="0">
+              <a:rPr lang="zh-CN" altLang="en-US" b="1" i="1">
                 <a:solidFill>
                   <a:srgbClr val="2A00FF"/>
                 </a:solidFill>
@@ -17429,7 +18854,7 @@
               <a:t>输入</a:t>
             </a:r>
             <a:r>
-              <a:rPr lang="en-US" altLang="zh-CN" b="1" i="1" dirty="0">
+              <a:rPr lang="en-US" altLang="zh-CN" b="1" i="1">
                 <a:solidFill>
                   <a:srgbClr val="2A00FF"/>
                 </a:solidFill>
@@ -17439,7 +18864,7 @@
               <a:t>5 </a:t>
             </a:r>
             <a:r>
-              <a:rPr lang="zh-CN" altLang="en-US" b="1" i="1" dirty="0">
+              <a:rPr lang="zh-CN" altLang="en-US" b="1" i="1">
                 <a:solidFill>
                   <a:srgbClr val="2A00FF"/>
                 </a:solidFill>
@@ -17448,7 +18873,7 @@
               </a:rPr>
               <a:t>产看全部汽车</a:t>
             </a:r>
-            <a:endParaRPr lang="en-US" altLang="zh-CN" b="1" i="1" dirty="0">
+            <a:endParaRPr lang="en-US" altLang="zh-CN" b="1" i="1">
               <a:solidFill>
                 <a:srgbClr val="000000"/>
               </a:solidFill>
@@ -17458,7 +18883,7 @@
           </a:p>
           <a:p>
             <a:r>
-              <a:rPr lang="zh-CN" altLang="en-US" b="1" i="1" dirty="0">
+              <a:rPr lang="zh-CN" altLang="en-US" b="1" i="1">
                 <a:solidFill>
                   <a:srgbClr val="2A00FF"/>
                 </a:solidFill>
@@ -17468,7 +18893,7 @@
               <a:t>输入</a:t>
             </a:r>
             <a:r>
-              <a:rPr lang="en-US" altLang="zh-CN" b="1" i="1" dirty="0">
+              <a:rPr lang="en-US" altLang="zh-CN" b="1" i="1">
                 <a:solidFill>
                   <a:srgbClr val="2A00FF"/>
                 </a:solidFill>
@@ -17478,7 +18903,7 @@
               <a:t>6 </a:t>
             </a:r>
             <a:r>
-              <a:rPr lang="zh-CN" altLang="en-US" b="1" i="1" dirty="0">
+              <a:rPr lang="zh-CN" altLang="en-US" b="1" i="1">
                 <a:solidFill>
                   <a:srgbClr val="2A00FF"/>
                 </a:solidFill>
@@ -17487,7 +18912,7 @@
               </a:rPr>
               <a:t>查看我的租车记录</a:t>
             </a:r>
-            <a:endParaRPr lang="en-US" altLang="zh-CN" b="1" i="1" dirty="0">
+            <a:endParaRPr lang="en-US" altLang="zh-CN" b="1" i="1">
               <a:solidFill>
                 <a:srgbClr val="000000"/>
               </a:solidFill>
@@ -17497,7 +18922,7 @@
           </a:p>
           <a:p>
             <a:r>
-              <a:rPr lang="zh-CN" altLang="en-US" b="1" i="1" dirty="0">
+              <a:rPr lang="zh-CN" altLang="en-US" b="1" i="1">
                 <a:solidFill>
                   <a:srgbClr val="2A00FF"/>
                 </a:solidFill>
@@ -17507,7 +18932,7 @@
               <a:t>输入</a:t>
             </a:r>
             <a:r>
-              <a:rPr lang="en-US" altLang="zh-CN" b="1" i="1" dirty="0">
+              <a:rPr lang="en-US" altLang="zh-CN" b="1" i="1">
                 <a:solidFill>
                   <a:srgbClr val="2A00FF"/>
                 </a:solidFill>
@@ -17517,7 +18942,7 @@
               <a:t>7+</a:t>
             </a:r>
             <a:r>
-              <a:rPr lang="zh-CN" altLang="en-US" b="1" i="1" dirty="0">
+              <a:rPr lang="zh-CN" altLang="en-US" b="1" i="1">
                 <a:solidFill>
                   <a:srgbClr val="2A00FF"/>
                 </a:solidFill>
@@ -17527,7 +18952,7 @@
               <a:t>汽车编号</a:t>
             </a:r>
             <a:r>
-              <a:rPr lang="en-US" altLang="zh-CN" b="1" i="1" dirty="0">
+              <a:rPr lang="en-US" altLang="zh-CN" b="1" i="1">
                 <a:solidFill>
                   <a:srgbClr val="2A00FF"/>
                 </a:solidFill>
@@ -17537,7 +18962,7 @@
               <a:t>+</a:t>
             </a:r>
             <a:r>
-              <a:rPr lang="zh-CN" altLang="en-US" b="1" i="1" dirty="0">
+              <a:rPr lang="zh-CN" altLang="en-US" b="1" i="1">
                 <a:solidFill>
                   <a:srgbClr val="2A00FF"/>
                 </a:solidFill>
@@ -17546,14 +18971,3002 @@
               </a:rPr>
               <a:t>换车</a:t>
             </a:r>
-            <a:endParaRPr lang="zh-CN" altLang="en-US" dirty="0"/>
+            <a:endParaRPr lang="zh-CN" altLang="en-US"/>
+          </a:p>
+        </p:txBody>
+      </p:sp>
+      <p:graphicFrame>
+        <p:nvGraphicFramePr>
+          <p:cNvPr id="6" name="表格 5">
+            <a:extLst>
+              <a:ext uri="{FF2B5EF4-FFF2-40B4-BE49-F238E27FC236}">
+                <a16:creationId xmlns:a16="http://schemas.microsoft.com/office/drawing/2014/main" id="{32826C9F-69AB-445B-8523-4897757704F0}"/>
+              </a:ext>
+            </a:extLst>
+          </p:cNvPr>
+          <p:cNvGraphicFramePr>
+            <a:graphicFrameLocks noGrp="1"/>
+          </p:cNvGraphicFramePr>
+          <p:nvPr>
+            <p:extLst>
+              <p:ext uri="{D42A27DB-BD31-4B8C-83A1-F6EECF244321}">
+                <p14:modId xmlns:p14="http://schemas.microsoft.com/office/powerpoint/2010/main" val="147937122"/>
+              </p:ext>
+            </p:extLst>
+          </p:nvPr>
+        </p:nvGraphicFramePr>
+        <p:xfrm>
+          <a:off x="4436533" y="1648177"/>
+          <a:ext cx="7428090" cy="4732713"/>
+        </p:xfrm>
+        <a:graphic>
+          <a:graphicData uri="http://schemas.openxmlformats.org/drawingml/2006/table">
+            <a:tbl>
+              <a:tblPr firstRow="1" firstCol="1" bandRow="1">
+                <a:tableStyleId>{5C22544A-7EE6-4342-B048-85BDC9FD1C3A}</a:tableStyleId>
+              </a:tblPr>
+              <a:tblGrid>
+                <a:gridCol w="1354667">
+                  <a:extLst>
+                    <a:ext uri="{9D8B030D-6E8A-4147-A177-3AD203B41FA5}">
+                      <a16:colId xmlns:a16="http://schemas.microsoft.com/office/drawing/2014/main" val="2297466824"/>
+                    </a:ext>
+                  </a:extLst>
+                </a:gridCol>
+                <a:gridCol w="2946400">
+                  <a:extLst>
+                    <a:ext uri="{9D8B030D-6E8A-4147-A177-3AD203B41FA5}">
+                      <a16:colId xmlns:a16="http://schemas.microsoft.com/office/drawing/2014/main" val="2027570797"/>
+                    </a:ext>
+                  </a:extLst>
+                </a:gridCol>
+                <a:gridCol w="2291644">
+                  <a:extLst>
+                    <a:ext uri="{9D8B030D-6E8A-4147-A177-3AD203B41FA5}">
+                      <a16:colId xmlns:a16="http://schemas.microsoft.com/office/drawing/2014/main" val="1779705646"/>
+                    </a:ext>
+                  </a:extLst>
+                </a:gridCol>
+                <a:gridCol w="835379">
+                  <a:extLst>
+                    <a:ext uri="{9D8B030D-6E8A-4147-A177-3AD203B41FA5}">
+                      <a16:colId xmlns:a16="http://schemas.microsoft.com/office/drawing/2014/main" val="4022385429"/>
+                    </a:ext>
+                  </a:extLst>
+                </a:gridCol>
+              </a:tblGrid>
+              <a:tr h="207160">
+                <a:tc>
+                  <a:txBody>
+                    <a:bodyPr/>
+                    <a:lstStyle/>
+                    <a:p>
+                      <a:pPr algn="l">
+                        <a:spcAft>
+                          <a:spcPts val="0"/>
+                        </a:spcAft>
+                      </a:pPr>
+                      <a:endParaRPr lang="zh-CN" sz="1400" kern="100">
+                        <a:effectLst/>
+                        <a:latin typeface="黑体" panose="02010609060101010101" pitchFamily="49" charset="-122"/>
+                        <a:ea typeface="黑体" panose="02010609060101010101" pitchFamily="49" charset="-122"/>
+                        <a:cs typeface="Times New Roman" panose="02020603050405020304" pitchFamily="18" charset="0"/>
+                      </a:endParaRPr>
+                    </a:p>
+                  </a:txBody>
+                  <a:tcPr marL="68580" marR="68580" marT="0" marB="0"/>
+                </a:tc>
+                <a:tc>
+                  <a:txBody>
+                    <a:bodyPr/>
+                    <a:lstStyle/>
+                    <a:p>
+                      <a:pPr algn="l">
+                        <a:spcAft>
+                          <a:spcPts val="0"/>
+                        </a:spcAft>
+                      </a:pPr>
+                      <a:endParaRPr lang="zh-CN" sz="1400" kern="100">
+                        <a:effectLst/>
+                        <a:latin typeface="黑体" panose="02010609060101010101" pitchFamily="49" charset="-122"/>
+                        <a:ea typeface="黑体" panose="02010609060101010101" pitchFamily="49" charset="-122"/>
+                        <a:cs typeface="Times New Roman" panose="02020603050405020304" pitchFamily="18" charset="0"/>
+                      </a:endParaRPr>
+                    </a:p>
+                  </a:txBody>
+                  <a:tcPr marL="68580" marR="68580" marT="0" marB="0"/>
+                </a:tc>
+                <a:tc>
+                  <a:txBody>
+                    <a:bodyPr/>
+                    <a:lstStyle/>
+                    <a:p>
+                      <a:pPr algn="l">
+                        <a:spcAft>
+                          <a:spcPts val="0"/>
+                        </a:spcAft>
+                      </a:pPr>
+                      <a:r>
+                        <a:rPr lang="en-US" sz="1400" kern="100">
+                          <a:effectLst/>
+                          <a:latin typeface="黑体" panose="02010609060101010101" pitchFamily="49" charset="-122"/>
+                          <a:ea typeface="黑体" panose="02010609060101010101" pitchFamily="49" charset="-122"/>
+                        </a:rPr>
+                        <a:t> server</a:t>
+                      </a:r>
+                      <a:endParaRPr lang="zh-CN" sz="1400" kern="100">
+                        <a:effectLst/>
+                        <a:latin typeface="黑体" panose="02010609060101010101" pitchFamily="49" charset="-122"/>
+                        <a:ea typeface="黑体" panose="02010609060101010101" pitchFamily="49" charset="-122"/>
+                        <a:cs typeface="Times New Roman" panose="02020603050405020304" pitchFamily="18" charset="0"/>
+                      </a:endParaRPr>
+                    </a:p>
+                  </a:txBody>
+                  <a:tcPr marL="68580" marR="68580" marT="0" marB="0"/>
+                </a:tc>
+                <a:tc>
+                  <a:txBody>
+                    <a:bodyPr/>
+                    <a:lstStyle/>
+                    <a:p>
+                      <a:pPr algn="l">
+                        <a:spcAft>
+                          <a:spcPts val="0"/>
+                        </a:spcAft>
+                      </a:pPr>
+                      <a:r>
+                        <a:rPr lang="en-US" altLang="zh-CN" sz="1400" kern="100">
+                          <a:effectLst/>
+                          <a:latin typeface="黑体" panose="02010609060101010101" pitchFamily="49" charset="-122"/>
+                          <a:ea typeface="黑体" panose="02010609060101010101" pitchFamily="49" charset="-122"/>
+                          <a:cs typeface="Times New Roman" panose="02020603050405020304" pitchFamily="18" charset="0"/>
+                        </a:rPr>
+                        <a:t>Client(socket)</a:t>
+                      </a:r>
+                      <a:endParaRPr lang="zh-CN" sz="1400" kern="100">
+                        <a:effectLst/>
+                        <a:latin typeface="黑体" panose="02010609060101010101" pitchFamily="49" charset="-122"/>
+                        <a:ea typeface="黑体" panose="02010609060101010101" pitchFamily="49" charset="-122"/>
+                        <a:cs typeface="Times New Roman" panose="02020603050405020304" pitchFamily="18" charset="0"/>
+                      </a:endParaRPr>
+                    </a:p>
+                  </a:txBody>
+                  <a:tcPr marL="68580" marR="68580" marT="0" marB="0"/>
+                </a:tc>
+                <a:extLst>
+                  <a:ext uri="{0D108BD9-81ED-4DB2-BD59-A6C34878D82A}">
+                    <a16:rowId xmlns:a16="http://schemas.microsoft.com/office/drawing/2014/main" val="713519991"/>
+                  </a:ext>
+                </a:extLst>
+              </a:tr>
+              <a:tr h="229284">
+                <a:tc>
+                  <a:txBody>
+                    <a:bodyPr/>
+                    <a:lstStyle/>
+                    <a:p>
+                      <a:pPr marL="0" marR="0" lvl="0" indent="0" algn="l" defTabSz="914400" rtl="0" eaLnBrk="1" fontAlgn="auto" latinLnBrk="0" hangingPunct="1">
+                        <a:lnSpc>
+                          <a:spcPct val="100000"/>
+                        </a:lnSpc>
+                        <a:spcBef>
+                          <a:spcPts val="0"/>
+                        </a:spcBef>
+                        <a:spcAft>
+                          <a:spcPts val="0"/>
+                        </a:spcAft>
+                        <a:buClrTx/>
+                        <a:buSzTx/>
+                        <a:buFontTx/>
+                        <a:buNone/>
+                        <a:tabLst/>
+                        <a:defRPr/>
+                      </a:pPr>
+                      <a:r>
+                        <a:rPr lang="en-US" altLang="zh-CN" sz="1400" kern="100">
+                          <a:effectLst/>
+                          <a:latin typeface="黑体" panose="02010609060101010101" pitchFamily="49" charset="-122"/>
+                          <a:ea typeface="黑体" panose="02010609060101010101" pitchFamily="49" charset="-122"/>
+                        </a:rPr>
+                        <a:t>UserService</a:t>
+                      </a:r>
+                      <a:endParaRPr lang="zh-CN" altLang="zh-CN" sz="1400" kern="100">
+                        <a:effectLst/>
+                        <a:latin typeface="黑体" panose="02010609060101010101" pitchFamily="49" charset="-122"/>
+                        <a:ea typeface="黑体" panose="02010609060101010101" pitchFamily="49" charset="-122"/>
+                        <a:cs typeface="Times New Roman" panose="02020603050405020304" pitchFamily="18" charset="0"/>
+                      </a:endParaRPr>
+                    </a:p>
+                  </a:txBody>
+                  <a:tcPr marL="68580" marR="68580" marT="0" marB="0"/>
+                </a:tc>
+                <a:tc>
+                  <a:txBody>
+                    <a:bodyPr/>
+                    <a:lstStyle/>
+                    <a:p>
+                      <a:pPr algn="l">
+                        <a:spcAft>
+                          <a:spcPts val="0"/>
+                        </a:spcAft>
+                      </a:pPr>
+                      <a:r>
+                        <a:rPr lang="en-US" sz="1400" kern="100">
+                          <a:effectLst/>
+                          <a:latin typeface="黑体" panose="02010609060101010101" pitchFamily="49" charset="-122"/>
+                          <a:ea typeface="黑体" panose="02010609060101010101" pitchFamily="49" charset="-122"/>
+                        </a:rPr>
+                        <a:t>Login</a:t>
+                      </a:r>
+                      <a:endParaRPr lang="zh-CN" sz="1400" kern="100">
+                        <a:effectLst/>
+                        <a:latin typeface="黑体" panose="02010609060101010101" pitchFamily="49" charset="-122"/>
+                        <a:ea typeface="黑体" panose="02010609060101010101" pitchFamily="49" charset="-122"/>
+                        <a:cs typeface="Times New Roman" panose="02020603050405020304" pitchFamily="18" charset="0"/>
+                      </a:endParaRPr>
+                    </a:p>
+                  </a:txBody>
+                  <a:tcPr marL="68580" marR="68580" marT="0" marB="0"/>
+                </a:tc>
+                <a:tc>
+                  <a:txBody>
+                    <a:bodyPr/>
+                    <a:lstStyle/>
+                    <a:p>
+                      <a:pPr algn="l">
+                        <a:spcAft>
+                          <a:spcPts val="0"/>
+                        </a:spcAft>
+                      </a:pPr>
+                      <a:r>
+                        <a:rPr lang="zh-CN" altLang="en-US" sz="1400" kern="100">
+                          <a:effectLst/>
+                          <a:latin typeface="黑体" panose="02010609060101010101" pitchFamily="49" charset="-122"/>
+                          <a:ea typeface="黑体" panose="02010609060101010101" pitchFamily="49" charset="-122"/>
+                          <a:cs typeface="Times New Roman" panose="02020603050405020304" pitchFamily="18" charset="0"/>
+                        </a:rPr>
+                        <a:t>可判断是否存在用户</a:t>
+                      </a:r>
+                      <a:endParaRPr lang="zh-CN" sz="1400" kern="100">
+                        <a:effectLst/>
+                        <a:latin typeface="黑体" panose="02010609060101010101" pitchFamily="49" charset="-122"/>
+                        <a:ea typeface="黑体" panose="02010609060101010101" pitchFamily="49" charset="-122"/>
+                        <a:cs typeface="Times New Roman" panose="02020603050405020304" pitchFamily="18" charset="0"/>
+                      </a:endParaRPr>
+                    </a:p>
+                  </a:txBody>
+                  <a:tcPr marL="68580" marR="68580" marT="0" marB="0"/>
+                </a:tc>
+                <a:tc>
+                  <a:txBody>
+                    <a:bodyPr/>
+                    <a:lstStyle/>
+                    <a:p>
+                      <a:pPr algn="l">
+                        <a:spcAft>
+                          <a:spcPts val="0"/>
+                        </a:spcAft>
+                      </a:pPr>
+                      <a:r>
+                        <a:rPr lang="en-US" sz="1400" kern="100">
+                          <a:effectLst/>
+                          <a:latin typeface="黑体" panose="02010609060101010101" pitchFamily="49" charset="-122"/>
+                          <a:ea typeface="黑体" panose="02010609060101010101" pitchFamily="49" charset="-122"/>
+                        </a:rPr>
+                        <a:t> </a:t>
+                      </a:r>
+                      <a:endParaRPr lang="zh-CN" sz="1400" kern="100">
+                        <a:effectLst/>
+                        <a:latin typeface="黑体" panose="02010609060101010101" pitchFamily="49" charset="-122"/>
+                        <a:ea typeface="黑体" panose="02010609060101010101" pitchFamily="49" charset="-122"/>
+                        <a:cs typeface="Times New Roman" panose="02020603050405020304" pitchFamily="18" charset="0"/>
+                      </a:endParaRPr>
+                    </a:p>
+                  </a:txBody>
+                  <a:tcPr marL="68580" marR="68580" marT="0" marB="0"/>
+                </a:tc>
+                <a:extLst>
+                  <a:ext uri="{0D108BD9-81ED-4DB2-BD59-A6C34878D82A}">
+                    <a16:rowId xmlns:a16="http://schemas.microsoft.com/office/drawing/2014/main" val="208248564"/>
+                  </a:ext>
+                </a:extLst>
+              </a:tr>
+              <a:tr h="353103">
+                <a:tc>
+                  <a:txBody>
+                    <a:bodyPr/>
+                    <a:lstStyle/>
+                    <a:p>
+                      <a:pPr algn="l">
+                        <a:spcAft>
+                          <a:spcPts val="0"/>
+                        </a:spcAft>
+                      </a:pPr>
+                      <a:endParaRPr lang="zh-CN" sz="1400" kern="100">
+                        <a:effectLst/>
+                        <a:latin typeface="黑体" panose="02010609060101010101" pitchFamily="49" charset="-122"/>
+                        <a:ea typeface="黑体" panose="02010609060101010101" pitchFamily="49" charset="-122"/>
+                        <a:cs typeface="Times New Roman" panose="02020603050405020304" pitchFamily="18" charset="0"/>
+                      </a:endParaRPr>
+                    </a:p>
+                  </a:txBody>
+                  <a:tcPr marL="68580" marR="68580" marT="0" marB="0"/>
+                </a:tc>
+                <a:tc>
+                  <a:txBody>
+                    <a:bodyPr/>
+                    <a:lstStyle/>
+                    <a:p>
+                      <a:pPr algn="l">
+                        <a:spcAft>
+                          <a:spcPts val="0"/>
+                        </a:spcAft>
+                      </a:pPr>
+                      <a:r>
+                        <a:rPr lang="en-US" sz="1400" kern="100">
+                          <a:effectLst/>
+                          <a:latin typeface="黑体" panose="02010609060101010101" pitchFamily="49" charset="-122"/>
+                          <a:ea typeface="黑体" panose="02010609060101010101" pitchFamily="49" charset="-122"/>
+                        </a:rPr>
+                        <a:t>Register</a:t>
+                      </a:r>
+                      <a:endParaRPr lang="zh-CN" sz="1400" kern="100">
+                        <a:effectLst/>
+                        <a:latin typeface="黑体" panose="02010609060101010101" pitchFamily="49" charset="-122"/>
+                        <a:ea typeface="黑体" panose="02010609060101010101" pitchFamily="49" charset="-122"/>
+                        <a:cs typeface="Times New Roman" panose="02020603050405020304" pitchFamily="18" charset="0"/>
+                      </a:endParaRPr>
+                    </a:p>
+                  </a:txBody>
+                  <a:tcPr marL="68580" marR="68580" marT="0" marB="0"/>
+                </a:tc>
+                <a:tc>
+                  <a:txBody>
+                    <a:bodyPr/>
+                    <a:lstStyle/>
+                    <a:p>
+                      <a:pPr algn="l">
+                        <a:spcAft>
+                          <a:spcPts val="0"/>
+                        </a:spcAft>
+                      </a:pPr>
+                      <a:r>
+                        <a:rPr lang="zh-CN" altLang="en-US" sz="1400" kern="100">
+                          <a:effectLst/>
+                          <a:latin typeface="黑体" panose="02010609060101010101" pitchFamily="49" charset="-122"/>
+                          <a:ea typeface="黑体" panose="02010609060101010101" pitchFamily="49" charset="-122"/>
+                        </a:rPr>
+                        <a:t>可添加用户并返回布尔值</a:t>
+                      </a:r>
+                      <a:r>
+                        <a:rPr lang="en-US" sz="1400" kern="100">
+                          <a:effectLst/>
+                          <a:latin typeface="黑体" panose="02010609060101010101" pitchFamily="49" charset="-122"/>
+                          <a:ea typeface="黑体" panose="02010609060101010101" pitchFamily="49" charset="-122"/>
+                        </a:rPr>
+                        <a:t> </a:t>
+                      </a:r>
+                      <a:endParaRPr lang="zh-CN" sz="1400" kern="100">
+                        <a:effectLst/>
+                        <a:latin typeface="黑体" panose="02010609060101010101" pitchFamily="49" charset="-122"/>
+                        <a:ea typeface="黑体" panose="02010609060101010101" pitchFamily="49" charset="-122"/>
+                        <a:cs typeface="Times New Roman" panose="02020603050405020304" pitchFamily="18" charset="0"/>
+                      </a:endParaRPr>
+                    </a:p>
+                  </a:txBody>
+                  <a:tcPr marL="68580" marR="68580" marT="0" marB="0"/>
+                </a:tc>
+                <a:tc>
+                  <a:txBody>
+                    <a:bodyPr/>
+                    <a:lstStyle/>
+                    <a:p>
+                      <a:pPr algn="l">
+                        <a:spcAft>
+                          <a:spcPts val="0"/>
+                        </a:spcAft>
+                      </a:pPr>
+                      <a:r>
+                        <a:rPr lang="en-US" sz="1400" kern="100">
+                          <a:effectLst/>
+                          <a:latin typeface="黑体" panose="02010609060101010101" pitchFamily="49" charset="-122"/>
+                          <a:ea typeface="黑体" panose="02010609060101010101" pitchFamily="49" charset="-122"/>
+                        </a:rPr>
+                        <a:t> </a:t>
+                      </a:r>
+                      <a:endParaRPr lang="zh-CN" sz="1400" kern="100">
+                        <a:effectLst/>
+                        <a:latin typeface="黑体" panose="02010609060101010101" pitchFamily="49" charset="-122"/>
+                        <a:ea typeface="黑体" panose="02010609060101010101" pitchFamily="49" charset="-122"/>
+                        <a:cs typeface="Times New Roman" panose="02020603050405020304" pitchFamily="18" charset="0"/>
+                      </a:endParaRPr>
+                    </a:p>
+                  </a:txBody>
+                  <a:tcPr marL="68580" marR="68580" marT="0" marB="0"/>
+                </a:tc>
+                <a:extLst>
+                  <a:ext uri="{0D108BD9-81ED-4DB2-BD59-A6C34878D82A}">
+                    <a16:rowId xmlns:a16="http://schemas.microsoft.com/office/drawing/2014/main" val="301964216"/>
+                  </a:ext>
+                </a:extLst>
+              </a:tr>
+              <a:tr h="229284">
+                <a:tc>
+                  <a:txBody>
+                    <a:bodyPr/>
+                    <a:lstStyle/>
+                    <a:p>
+                      <a:pPr marL="0" marR="0" lvl="0" indent="0" algn="l" defTabSz="914400" rtl="0" eaLnBrk="1" fontAlgn="auto" latinLnBrk="0" hangingPunct="1">
+                        <a:lnSpc>
+                          <a:spcPct val="100000"/>
+                        </a:lnSpc>
+                        <a:spcBef>
+                          <a:spcPts val="0"/>
+                        </a:spcBef>
+                        <a:spcAft>
+                          <a:spcPts val="0"/>
+                        </a:spcAft>
+                        <a:buClrTx/>
+                        <a:buSzTx/>
+                        <a:buFontTx/>
+                        <a:buNone/>
+                        <a:tabLst/>
+                        <a:defRPr/>
+                      </a:pPr>
+                      <a:r>
+                        <a:rPr lang="en-US" altLang="zh-CN" sz="1400" kern="100">
+                          <a:effectLst/>
+                          <a:latin typeface="黑体" panose="02010609060101010101" pitchFamily="49" charset="-122"/>
+                          <a:ea typeface="黑体" panose="02010609060101010101" pitchFamily="49" charset="-122"/>
+                        </a:rPr>
+                        <a:t>CarServcie</a:t>
+                      </a:r>
+                      <a:endParaRPr lang="zh-CN" altLang="zh-CN" sz="1400" kern="100">
+                        <a:effectLst/>
+                        <a:latin typeface="黑体" panose="02010609060101010101" pitchFamily="49" charset="-122"/>
+                        <a:ea typeface="黑体" panose="02010609060101010101" pitchFamily="49" charset="-122"/>
+                        <a:cs typeface="Times New Roman" panose="02020603050405020304" pitchFamily="18" charset="0"/>
+                      </a:endParaRPr>
+                    </a:p>
+                  </a:txBody>
+                  <a:tcPr marL="68580" marR="68580" marT="0" marB="0"/>
+                </a:tc>
+                <a:tc>
+                  <a:txBody>
+                    <a:bodyPr/>
+                    <a:lstStyle/>
+                    <a:p>
+                      <a:pPr algn="l">
+                        <a:spcAft>
+                          <a:spcPts val="0"/>
+                        </a:spcAft>
+                      </a:pPr>
+                      <a:r>
+                        <a:rPr lang="en-US" sz="1400" kern="100">
+                          <a:effectLst/>
+                          <a:latin typeface="黑体" panose="02010609060101010101" pitchFamily="49" charset="-122"/>
+                          <a:ea typeface="黑体" panose="02010609060101010101" pitchFamily="49" charset="-122"/>
+                        </a:rPr>
+                        <a:t>ListCar</a:t>
+                      </a:r>
+                      <a:r>
+                        <a:rPr lang="zh-CN" sz="1400" kern="100">
+                          <a:effectLst/>
+                          <a:latin typeface="黑体" panose="02010609060101010101" pitchFamily="49" charset="-122"/>
+                          <a:ea typeface="黑体" panose="02010609060101010101" pitchFamily="49" charset="-122"/>
+                        </a:rPr>
+                        <a:t>，主界面，</a:t>
+                      </a:r>
+                      <a:r>
+                        <a:rPr lang="en-US" sz="1400" kern="100">
+                          <a:effectLst/>
+                          <a:latin typeface="黑体" panose="02010609060101010101" pitchFamily="49" charset="-122"/>
+                          <a:ea typeface="黑体" panose="02010609060101010101" pitchFamily="49" charset="-122"/>
+                        </a:rPr>
+                        <a:t>5</a:t>
+                      </a:r>
+                      <a:endParaRPr lang="zh-CN" sz="1400" kern="100">
+                        <a:effectLst/>
+                        <a:latin typeface="黑体" panose="02010609060101010101" pitchFamily="49" charset="-122"/>
+                        <a:ea typeface="黑体" panose="02010609060101010101" pitchFamily="49" charset="-122"/>
+                        <a:cs typeface="Times New Roman" panose="02020603050405020304" pitchFamily="18" charset="0"/>
+                      </a:endParaRPr>
+                    </a:p>
+                  </a:txBody>
+                  <a:tcPr marL="68580" marR="68580" marT="0" marB="0"/>
+                </a:tc>
+                <a:tc>
+                  <a:txBody>
+                    <a:bodyPr/>
+                    <a:lstStyle/>
+                    <a:p>
+                      <a:pPr algn="l">
+                        <a:spcAft>
+                          <a:spcPts val="0"/>
+                        </a:spcAft>
+                      </a:pPr>
+                      <a:r>
+                        <a:rPr lang="en-US" sz="1400" kern="100">
+                          <a:effectLst/>
+                          <a:latin typeface="黑体" panose="02010609060101010101" pitchFamily="49" charset="-122"/>
+                          <a:ea typeface="黑体" panose="02010609060101010101" pitchFamily="49" charset="-122"/>
+                        </a:rPr>
+                        <a:t> </a:t>
+                      </a:r>
+                      <a:endParaRPr lang="zh-CN" sz="1400" kern="100">
+                        <a:effectLst/>
+                        <a:latin typeface="黑体" panose="02010609060101010101" pitchFamily="49" charset="-122"/>
+                        <a:ea typeface="黑体" panose="02010609060101010101" pitchFamily="49" charset="-122"/>
+                        <a:cs typeface="Times New Roman" panose="02020603050405020304" pitchFamily="18" charset="0"/>
+                      </a:endParaRPr>
+                    </a:p>
+                  </a:txBody>
+                  <a:tcPr marL="68580" marR="68580" marT="0" marB="0"/>
+                </a:tc>
+                <a:tc>
+                  <a:txBody>
+                    <a:bodyPr/>
+                    <a:lstStyle/>
+                    <a:p>
+                      <a:pPr algn="l">
+                        <a:spcAft>
+                          <a:spcPts val="0"/>
+                        </a:spcAft>
+                      </a:pPr>
+                      <a:r>
+                        <a:rPr lang="en-US" sz="1400" kern="100">
+                          <a:effectLst/>
+                          <a:latin typeface="黑体" panose="02010609060101010101" pitchFamily="49" charset="-122"/>
+                          <a:ea typeface="黑体" panose="02010609060101010101" pitchFamily="49" charset="-122"/>
+                        </a:rPr>
+                        <a:t> </a:t>
+                      </a:r>
+                      <a:endParaRPr lang="zh-CN" sz="1400" kern="100">
+                        <a:effectLst/>
+                        <a:latin typeface="黑体" panose="02010609060101010101" pitchFamily="49" charset="-122"/>
+                        <a:ea typeface="黑体" panose="02010609060101010101" pitchFamily="49" charset="-122"/>
+                        <a:cs typeface="Times New Roman" panose="02020603050405020304" pitchFamily="18" charset="0"/>
+                      </a:endParaRPr>
+                    </a:p>
+                  </a:txBody>
+                  <a:tcPr marL="68580" marR="68580" marT="0" marB="0"/>
+                </a:tc>
+                <a:extLst>
+                  <a:ext uri="{0D108BD9-81ED-4DB2-BD59-A6C34878D82A}">
+                    <a16:rowId xmlns:a16="http://schemas.microsoft.com/office/drawing/2014/main" val="4272455316"/>
+                  </a:ext>
+                </a:extLst>
+              </a:tr>
+              <a:tr h="353103">
+                <a:tc>
+                  <a:txBody>
+                    <a:bodyPr/>
+                    <a:lstStyle/>
+                    <a:p>
+                      <a:pPr algn="l">
+                        <a:spcAft>
+                          <a:spcPts val="0"/>
+                        </a:spcAft>
+                      </a:pPr>
+                      <a:endParaRPr lang="zh-CN" sz="1400" kern="100">
+                        <a:effectLst/>
+                        <a:latin typeface="黑体" panose="02010609060101010101" pitchFamily="49" charset="-122"/>
+                        <a:ea typeface="黑体" panose="02010609060101010101" pitchFamily="49" charset="-122"/>
+                        <a:cs typeface="Times New Roman" panose="02020603050405020304" pitchFamily="18" charset="0"/>
+                      </a:endParaRPr>
+                    </a:p>
+                  </a:txBody>
+                  <a:tcPr marL="68580" marR="68580" marT="0" marB="0"/>
+                </a:tc>
+                <a:tc>
+                  <a:txBody>
+                    <a:bodyPr/>
+                    <a:lstStyle/>
+                    <a:p>
+                      <a:pPr algn="l">
+                        <a:spcAft>
+                          <a:spcPts val="0"/>
+                        </a:spcAft>
+                      </a:pPr>
+                      <a:r>
+                        <a:rPr lang="en-US" sz="1400" kern="100">
+                          <a:effectLst/>
+                          <a:latin typeface="黑体" panose="02010609060101010101" pitchFamily="49" charset="-122"/>
+                          <a:ea typeface="黑体" panose="02010609060101010101" pitchFamily="49" charset="-122"/>
+                        </a:rPr>
+                        <a:t>getCarPrice, 2+1,2+2</a:t>
+                      </a:r>
+                      <a:endParaRPr lang="zh-CN" sz="1400" kern="100">
+                        <a:effectLst/>
+                        <a:latin typeface="黑体" panose="02010609060101010101" pitchFamily="49" charset="-122"/>
+                        <a:ea typeface="黑体" panose="02010609060101010101" pitchFamily="49" charset="-122"/>
+                        <a:cs typeface="Times New Roman" panose="02020603050405020304" pitchFamily="18" charset="0"/>
+                      </a:endParaRPr>
+                    </a:p>
+                  </a:txBody>
+                  <a:tcPr marL="68580" marR="68580" marT="0" marB="0"/>
+                </a:tc>
+                <a:tc>
+                  <a:txBody>
+                    <a:bodyPr/>
+                    <a:lstStyle/>
+                    <a:p>
+                      <a:pPr algn="l">
+                        <a:spcAft>
+                          <a:spcPts val="0"/>
+                        </a:spcAft>
+                      </a:pPr>
+                      <a:r>
+                        <a:rPr lang="en-US" sz="1400" kern="100">
+                          <a:effectLst/>
+                          <a:latin typeface="黑体" panose="02010609060101010101" pitchFamily="49" charset="-122"/>
+                          <a:ea typeface="黑体" panose="02010609060101010101" pitchFamily="49" charset="-122"/>
+                        </a:rPr>
+                        <a:t> </a:t>
+                      </a:r>
+                      <a:endParaRPr lang="zh-CN" sz="1400" kern="100">
+                        <a:effectLst/>
+                        <a:latin typeface="黑体" panose="02010609060101010101" pitchFamily="49" charset="-122"/>
+                        <a:ea typeface="黑体" panose="02010609060101010101" pitchFamily="49" charset="-122"/>
+                        <a:cs typeface="Times New Roman" panose="02020603050405020304" pitchFamily="18" charset="0"/>
+                      </a:endParaRPr>
+                    </a:p>
+                  </a:txBody>
+                  <a:tcPr marL="68580" marR="68580" marT="0" marB="0"/>
+                </a:tc>
+                <a:tc>
+                  <a:txBody>
+                    <a:bodyPr/>
+                    <a:lstStyle/>
+                    <a:p>
+                      <a:pPr algn="l">
+                        <a:spcAft>
+                          <a:spcPts val="0"/>
+                        </a:spcAft>
+                      </a:pPr>
+                      <a:r>
+                        <a:rPr lang="en-US" sz="1400" kern="100">
+                          <a:effectLst/>
+                          <a:latin typeface="黑体" panose="02010609060101010101" pitchFamily="49" charset="-122"/>
+                          <a:ea typeface="黑体" panose="02010609060101010101" pitchFamily="49" charset="-122"/>
+                        </a:rPr>
+                        <a:t> </a:t>
+                      </a:r>
+                      <a:endParaRPr lang="zh-CN" sz="1400" kern="100">
+                        <a:effectLst/>
+                        <a:latin typeface="黑体" panose="02010609060101010101" pitchFamily="49" charset="-122"/>
+                        <a:ea typeface="黑体" panose="02010609060101010101" pitchFamily="49" charset="-122"/>
+                        <a:cs typeface="Times New Roman" panose="02020603050405020304" pitchFamily="18" charset="0"/>
+                      </a:endParaRPr>
+                    </a:p>
+                  </a:txBody>
+                  <a:tcPr marL="68580" marR="68580" marT="0" marB="0"/>
+                </a:tc>
+                <a:extLst>
+                  <a:ext uri="{0D108BD9-81ED-4DB2-BD59-A6C34878D82A}">
+                    <a16:rowId xmlns:a16="http://schemas.microsoft.com/office/drawing/2014/main" val="3870345115"/>
+                  </a:ext>
+                </a:extLst>
+              </a:tr>
+              <a:tr h="353103">
+                <a:tc>
+                  <a:txBody>
+                    <a:bodyPr/>
+                    <a:lstStyle/>
+                    <a:p>
+                      <a:pPr algn="l">
+                        <a:spcAft>
+                          <a:spcPts val="0"/>
+                        </a:spcAft>
+                      </a:pPr>
+                      <a:endParaRPr lang="zh-CN" sz="1400" kern="100">
+                        <a:effectLst/>
+                        <a:latin typeface="黑体" panose="02010609060101010101" pitchFamily="49" charset="-122"/>
+                        <a:ea typeface="黑体" panose="02010609060101010101" pitchFamily="49" charset="-122"/>
+                        <a:cs typeface="Times New Roman" panose="02020603050405020304" pitchFamily="18" charset="0"/>
+                      </a:endParaRPr>
+                    </a:p>
+                  </a:txBody>
+                  <a:tcPr marL="68580" marR="68580" marT="0" marB="0"/>
+                </a:tc>
+                <a:tc>
+                  <a:txBody>
+                    <a:bodyPr/>
+                    <a:lstStyle/>
+                    <a:p>
+                      <a:pPr algn="l">
+                        <a:spcAft>
+                          <a:spcPts val="0"/>
+                        </a:spcAft>
+                      </a:pPr>
+                      <a:r>
+                        <a:rPr lang="en-US" sz="1400" kern="100">
+                          <a:effectLst/>
+                          <a:latin typeface="黑体" panose="02010609060101010101" pitchFamily="49" charset="-122"/>
+                          <a:ea typeface="黑体" panose="02010609060101010101" pitchFamily="49" charset="-122"/>
+                        </a:rPr>
+                        <a:t>getCarCategory</a:t>
+                      </a:r>
+                      <a:r>
+                        <a:rPr lang="zh-CN" sz="1400" kern="100">
+                          <a:effectLst/>
+                          <a:latin typeface="黑体" panose="02010609060101010101" pitchFamily="49" charset="-122"/>
+                          <a:ea typeface="黑体" panose="02010609060101010101" pitchFamily="49" charset="-122"/>
+                        </a:rPr>
+                        <a:t>，</a:t>
+                      </a:r>
+                      <a:r>
+                        <a:rPr lang="en-US" sz="1400" kern="100">
+                          <a:effectLst/>
+                          <a:latin typeface="黑体" panose="02010609060101010101" pitchFamily="49" charset="-122"/>
+                          <a:ea typeface="黑体" panose="02010609060101010101" pitchFamily="49" charset="-122"/>
+                        </a:rPr>
+                        <a:t>3+</a:t>
+                      </a:r>
+                      <a:r>
+                        <a:rPr lang="zh-CN" sz="1400" kern="100">
+                          <a:effectLst/>
+                          <a:latin typeface="黑体" panose="02010609060101010101" pitchFamily="49" charset="-122"/>
+                          <a:ea typeface="黑体" panose="02010609060101010101" pitchFamily="49" charset="-122"/>
+                        </a:rPr>
+                        <a:t>类型编号</a:t>
+                      </a:r>
+                      <a:endParaRPr lang="zh-CN" sz="1400" kern="100">
+                        <a:effectLst/>
+                        <a:latin typeface="黑体" panose="02010609060101010101" pitchFamily="49" charset="-122"/>
+                        <a:ea typeface="黑体" panose="02010609060101010101" pitchFamily="49" charset="-122"/>
+                        <a:cs typeface="Times New Roman" panose="02020603050405020304" pitchFamily="18" charset="0"/>
+                      </a:endParaRPr>
+                    </a:p>
+                  </a:txBody>
+                  <a:tcPr marL="68580" marR="68580" marT="0" marB="0"/>
+                </a:tc>
+                <a:tc>
+                  <a:txBody>
+                    <a:bodyPr/>
+                    <a:lstStyle/>
+                    <a:p>
+                      <a:pPr algn="l">
+                        <a:spcAft>
+                          <a:spcPts val="0"/>
+                        </a:spcAft>
+                      </a:pPr>
+                      <a:r>
+                        <a:rPr lang="en-US" sz="1400" kern="100">
+                          <a:effectLst/>
+                          <a:latin typeface="黑体" panose="02010609060101010101" pitchFamily="49" charset="-122"/>
+                          <a:ea typeface="黑体" panose="02010609060101010101" pitchFamily="49" charset="-122"/>
+                        </a:rPr>
+                        <a:t> </a:t>
+                      </a:r>
+                      <a:endParaRPr lang="zh-CN" sz="1400" kern="100">
+                        <a:effectLst/>
+                        <a:latin typeface="黑体" panose="02010609060101010101" pitchFamily="49" charset="-122"/>
+                        <a:ea typeface="黑体" panose="02010609060101010101" pitchFamily="49" charset="-122"/>
+                        <a:cs typeface="Times New Roman" panose="02020603050405020304" pitchFamily="18" charset="0"/>
+                      </a:endParaRPr>
+                    </a:p>
+                  </a:txBody>
+                  <a:tcPr marL="68580" marR="68580" marT="0" marB="0"/>
+                </a:tc>
+                <a:tc>
+                  <a:txBody>
+                    <a:bodyPr/>
+                    <a:lstStyle/>
+                    <a:p>
+                      <a:pPr algn="l">
+                        <a:spcAft>
+                          <a:spcPts val="0"/>
+                        </a:spcAft>
+                      </a:pPr>
+                      <a:r>
+                        <a:rPr lang="en-US" sz="1400" kern="100">
+                          <a:effectLst/>
+                          <a:latin typeface="黑体" panose="02010609060101010101" pitchFamily="49" charset="-122"/>
+                          <a:ea typeface="黑体" panose="02010609060101010101" pitchFamily="49" charset="-122"/>
+                        </a:rPr>
+                        <a:t> </a:t>
+                      </a:r>
+                      <a:endParaRPr lang="zh-CN" sz="1400" kern="100">
+                        <a:effectLst/>
+                        <a:latin typeface="黑体" panose="02010609060101010101" pitchFamily="49" charset="-122"/>
+                        <a:ea typeface="黑体" panose="02010609060101010101" pitchFamily="49" charset="-122"/>
+                        <a:cs typeface="Times New Roman" panose="02020603050405020304" pitchFamily="18" charset="0"/>
+                      </a:endParaRPr>
+                    </a:p>
+                  </a:txBody>
+                  <a:tcPr marL="68580" marR="68580" marT="0" marB="0"/>
+                </a:tc>
+                <a:extLst>
+                  <a:ext uri="{0D108BD9-81ED-4DB2-BD59-A6C34878D82A}">
+                    <a16:rowId xmlns:a16="http://schemas.microsoft.com/office/drawing/2014/main" val="1509764448"/>
+                  </a:ext>
+                </a:extLst>
+              </a:tr>
+              <a:tr h="353103">
+                <a:tc>
+                  <a:txBody>
+                    <a:bodyPr/>
+                    <a:lstStyle/>
+                    <a:p>
+                      <a:pPr algn="l">
+                        <a:spcAft>
+                          <a:spcPts val="0"/>
+                        </a:spcAft>
+                      </a:pPr>
+                      <a:endParaRPr lang="zh-CN" sz="1400" kern="100">
+                        <a:effectLst/>
+                        <a:latin typeface="黑体" panose="02010609060101010101" pitchFamily="49" charset="-122"/>
+                        <a:ea typeface="黑体" panose="02010609060101010101" pitchFamily="49" charset="-122"/>
+                        <a:cs typeface="Times New Roman" panose="02020603050405020304" pitchFamily="18" charset="0"/>
+                      </a:endParaRPr>
+                    </a:p>
+                  </a:txBody>
+                  <a:tcPr marL="68580" marR="68580" marT="0" marB="0"/>
+                </a:tc>
+                <a:tc>
+                  <a:txBody>
+                    <a:bodyPr/>
+                    <a:lstStyle/>
+                    <a:p>
+                      <a:pPr algn="l">
+                        <a:spcAft>
+                          <a:spcPts val="0"/>
+                        </a:spcAft>
+                      </a:pPr>
+                      <a:r>
+                        <a:rPr lang="en-US" sz="1400" kern="100">
+                          <a:effectLst/>
+                          <a:latin typeface="黑体" panose="02010609060101010101" pitchFamily="49" charset="-122"/>
+                          <a:ea typeface="黑体" panose="02010609060101010101" pitchFamily="49" charset="-122"/>
+                        </a:rPr>
+                        <a:t>getCarBrand</a:t>
+                      </a:r>
+                      <a:r>
+                        <a:rPr lang="zh-CN" sz="1400" kern="100">
+                          <a:effectLst/>
+                          <a:latin typeface="黑体" panose="02010609060101010101" pitchFamily="49" charset="-122"/>
+                          <a:ea typeface="黑体" panose="02010609060101010101" pitchFamily="49" charset="-122"/>
+                        </a:rPr>
+                        <a:t>，</a:t>
+                      </a:r>
+                      <a:r>
+                        <a:rPr lang="en-US" sz="1400" kern="100">
+                          <a:effectLst/>
+                          <a:latin typeface="黑体" panose="02010609060101010101" pitchFamily="49" charset="-122"/>
+                          <a:ea typeface="黑体" panose="02010609060101010101" pitchFamily="49" charset="-122"/>
+                        </a:rPr>
+                        <a:t>4+</a:t>
+                      </a:r>
+                      <a:r>
+                        <a:rPr lang="zh-CN" sz="1400" kern="100">
+                          <a:effectLst/>
+                          <a:latin typeface="黑体" panose="02010609060101010101" pitchFamily="49" charset="-122"/>
+                          <a:ea typeface="黑体" panose="02010609060101010101" pitchFamily="49" charset="-122"/>
+                        </a:rPr>
+                        <a:t>品牌编号</a:t>
+                      </a:r>
+                      <a:endParaRPr lang="zh-CN" sz="1400" kern="100">
+                        <a:effectLst/>
+                        <a:latin typeface="黑体" panose="02010609060101010101" pitchFamily="49" charset="-122"/>
+                        <a:ea typeface="黑体" panose="02010609060101010101" pitchFamily="49" charset="-122"/>
+                        <a:cs typeface="Times New Roman" panose="02020603050405020304" pitchFamily="18" charset="0"/>
+                      </a:endParaRPr>
+                    </a:p>
+                  </a:txBody>
+                  <a:tcPr marL="68580" marR="68580" marT="0" marB="0"/>
+                </a:tc>
+                <a:tc>
+                  <a:txBody>
+                    <a:bodyPr/>
+                    <a:lstStyle/>
+                    <a:p>
+                      <a:pPr algn="l">
+                        <a:spcAft>
+                          <a:spcPts val="0"/>
+                        </a:spcAft>
+                      </a:pPr>
+                      <a:r>
+                        <a:rPr lang="en-US" sz="1400" kern="100">
+                          <a:effectLst/>
+                          <a:latin typeface="黑体" panose="02010609060101010101" pitchFamily="49" charset="-122"/>
+                          <a:ea typeface="黑体" panose="02010609060101010101" pitchFamily="49" charset="-122"/>
+                        </a:rPr>
+                        <a:t> </a:t>
+                      </a:r>
+                      <a:endParaRPr lang="zh-CN" sz="1400" kern="100">
+                        <a:effectLst/>
+                        <a:latin typeface="黑体" panose="02010609060101010101" pitchFamily="49" charset="-122"/>
+                        <a:ea typeface="黑体" panose="02010609060101010101" pitchFamily="49" charset="-122"/>
+                        <a:cs typeface="Times New Roman" panose="02020603050405020304" pitchFamily="18" charset="0"/>
+                      </a:endParaRPr>
+                    </a:p>
+                  </a:txBody>
+                  <a:tcPr marL="68580" marR="68580" marT="0" marB="0"/>
+                </a:tc>
+                <a:tc>
+                  <a:txBody>
+                    <a:bodyPr/>
+                    <a:lstStyle/>
+                    <a:p>
+                      <a:pPr algn="l">
+                        <a:spcAft>
+                          <a:spcPts val="0"/>
+                        </a:spcAft>
+                      </a:pPr>
+                      <a:r>
+                        <a:rPr lang="en-US" sz="1400" kern="100">
+                          <a:effectLst/>
+                          <a:latin typeface="黑体" panose="02010609060101010101" pitchFamily="49" charset="-122"/>
+                          <a:ea typeface="黑体" panose="02010609060101010101" pitchFamily="49" charset="-122"/>
+                        </a:rPr>
+                        <a:t> </a:t>
+                      </a:r>
+                      <a:endParaRPr lang="zh-CN" sz="1400" kern="100">
+                        <a:effectLst/>
+                        <a:latin typeface="黑体" panose="02010609060101010101" pitchFamily="49" charset="-122"/>
+                        <a:ea typeface="黑体" panose="02010609060101010101" pitchFamily="49" charset="-122"/>
+                        <a:cs typeface="Times New Roman" panose="02020603050405020304" pitchFamily="18" charset="0"/>
+                      </a:endParaRPr>
+                    </a:p>
+                  </a:txBody>
+                  <a:tcPr marL="68580" marR="68580" marT="0" marB="0"/>
+                </a:tc>
+                <a:extLst>
+                  <a:ext uri="{0D108BD9-81ED-4DB2-BD59-A6C34878D82A}">
+                    <a16:rowId xmlns:a16="http://schemas.microsoft.com/office/drawing/2014/main" val="1215210569"/>
+                  </a:ext>
+                </a:extLst>
+              </a:tr>
+              <a:tr h="229284">
+                <a:tc>
+                  <a:txBody>
+                    <a:bodyPr/>
+                    <a:lstStyle/>
+                    <a:p>
+                      <a:pPr algn="l">
+                        <a:spcAft>
+                          <a:spcPts val="0"/>
+                        </a:spcAft>
+                      </a:pPr>
+                      <a:endParaRPr lang="zh-CN" sz="1400" kern="100">
+                        <a:effectLst/>
+                        <a:latin typeface="黑体" panose="02010609060101010101" pitchFamily="49" charset="-122"/>
+                        <a:ea typeface="黑体" panose="02010609060101010101" pitchFamily="49" charset="-122"/>
+                        <a:cs typeface="Times New Roman" panose="02020603050405020304" pitchFamily="18" charset="0"/>
+                      </a:endParaRPr>
+                    </a:p>
+                  </a:txBody>
+                  <a:tcPr marL="68580" marR="68580" marT="0" marB="0"/>
+                </a:tc>
+                <a:tc>
+                  <a:txBody>
+                    <a:bodyPr/>
+                    <a:lstStyle/>
+                    <a:p>
+                      <a:pPr algn="l">
+                        <a:spcAft>
+                          <a:spcPts val="0"/>
+                        </a:spcAft>
+                      </a:pPr>
+                      <a:r>
+                        <a:rPr lang="en-US" sz="1400" kern="100">
+                          <a:effectLst/>
+                          <a:latin typeface="黑体" panose="02010609060101010101" pitchFamily="49" charset="-122"/>
+                          <a:ea typeface="黑体" panose="02010609060101010101" pitchFamily="49" charset="-122"/>
+                        </a:rPr>
+                        <a:t>rentCar</a:t>
+                      </a:r>
+                      <a:r>
+                        <a:rPr lang="zh-CN" sz="1400" kern="100">
+                          <a:effectLst/>
+                          <a:latin typeface="黑体" panose="02010609060101010101" pitchFamily="49" charset="-122"/>
+                          <a:ea typeface="黑体" panose="02010609060101010101" pitchFamily="49" charset="-122"/>
+                        </a:rPr>
+                        <a:t>，</a:t>
+                      </a:r>
+                      <a:r>
+                        <a:rPr lang="en-US" sz="1400" kern="100">
+                          <a:effectLst/>
+                          <a:latin typeface="黑体" panose="02010609060101010101" pitchFamily="49" charset="-122"/>
+                          <a:ea typeface="黑体" panose="02010609060101010101" pitchFamily="49" charset="-122"/>
+                        </a:rPr>
+                        <a:t>1+</a:t>
+                      </a:r>
+                      <a:r>
+                        <a:rPr lang="zh-CN" sz="1400" kern="100">
+                          <a:effectLst/>
+                          <a:latin typeface="黑体" panose="02010609060101010101" pitchFamily="49" charset="-122"/>
+                          <a:ea typeface="黑体" panose="02010609060101010101" pitchFamily="49" charset="-122"/>
+                        </a:rPr>
+                        <a:t>汽车编号</a:t>
+                      </a:r>
+                      <a:endParaRPr lang="zh-CN" sz="1400" kern="100">
+                        <a:effectLst/>
+                        <a:latin typeface="黑体" panose="02010609060101010101" pitchFamily="49" charset="-122"/>
+                        <a:ea typeface="黑体" panose="02010609060101010101" pitchFamily="49" charset="-122"/>
+                        <a:cs typeface="Times New Roman" panose="02020603050405020304" pitchFamily="18" charset="0"/>
+                      </a:endParaRPr>
+                    </a:p>
+                  </a:txBody>
+                  <a:tcPr marL="68580" marR="68580" marT="0" marB="0"/>
+                </a:tc>
+                <a:tc>
+                  <a:txBody>
+                    <a:bodyPr/>
+                    <a:lstStyle/>
+                    <a:p>
+                      <a:pPr algn="l">
+                        <a:spcAft>
+                          <a:spcPts val="0"/>
+                        </a:spcAft>
+                      </a:pPr>
+                      <a:r>
+                        <a:rPr lang="en-US" sz="1400" kern="100">
+                          <a:effectLst/>
+                          <a:latin typeface="黑体" panose="02010609060101010101" pitchFamily="49" charset="-122"/>
+                          <a:ea typeface="黑体" panose="02010609060101010101" pitchFamily="49" charset="-122"/>
+                        </a:rPr>
+                        <a:t> </a:t>
+                      </a:r>
+                      <a:endParaRPr lang="zh-CN" sz="1400" kern="100">
+                        <a:effectLst/>
+                        <a:latin typeface="黑体" panose="02010609060101010101" pitchFamily="49" charset="-122"/>
+                        <a:ea typeface="黑体" panose="02010609060101010101" pitchFamily="49" charset="-122"/>
+                        <a:cs typeface="Times New Roman" panose="02020603050405020304" pitchFamily="18" charset="0"/>
+                      </a:endParaRPr>
+                    </a:p>
+                  </a:txBody>
+                  <a:tcPr marL="68580" marR="68580" marT="0" marB="0"/>
+                </a:tc>
+                <a:tc>
+                  <a:txBody>
+                    <a:bodyPr/>
+                    <a:lstStyle/>
+                    <a:p>
+                      <a:pPr algn="l">
+                        <a:spcAft>
+                          <a:spcPts val="0"/>
+                        </a:spcAft>
+                      </a:pPr>
+                      <a:r>
+                        <a:rPr lang="en-US" sz="1400" kern="100">
+                          <a:effectLst/>
+                          <a:latin typeface="黑体" panose="02010609060101010101" pitchFamily="49" charset="-122"/>
+                          <a:ea typeface="黑体" panose="02010609060101010101" pitchFamily="49" charset="-122"/>
+                        </a:rPr>
+                        <a:t> </a:t>
+                      </a:r>
+                      <a:endParaRPr lang="zh-CN" sz="1400" kern="100">
+                        <a:effectLst/>
+                        <a:latin typeface="黑体" panose="02010609060101010101" pitchFamily="49" charset="-122"/>
+                        <a:ea typeface="黑体" panose="02010609060101010101" pitchFamily="49" charset="-122"/>
+                        <a:cs typeface="Times New Roman" panose="02020603050405020304" pitchFamily="18" charset="0"/>
+                      </a:endParaRPr>
+                    </a:p>
+                  </a:txBody>
+                  <a:tcPr marL="68580" marR="68580" marT="0" marB="0"/>
+                </a:tc>
+                <a:extLst>
+                  <a:ext uri="{0D108BD9-81ED-4DB2-BD59-A6C34878D82A}">
+                    <a16:rowId xmlns:a16="http://schemas.microsoft.com/office/drawing/2014/main" val="767896435"/>
+                  </a:ext>
+                </a:extLst>
+              </a:tr>
+              <a:tr h="353103">
+                <a:tc>
+                  <a:txBody>
+                    <a:bodyPr/>
+                    <a:lstStyle/>
+                    <a:p>
+                      <a:pPr algn="l">
+                        <a:spcAft>
+                          <a:spcPts val="0"/>
+                        </a:spcAft>
+                      </a:pPr>
+                      <a:endParaRPr lang="zh-CN" sz="1400" kern="100">
+                        <a:effectLst/>
+                        <a:latin typeface="黑体" panose="02010609060101010101" pitchFamily="49" charset="-122"/>
+                        <a:ea typeface="黑体" panose="02010609060101010101" pitchFamily="49" charset="-122"/>
+                        <a:cs typeface="Times New Roman" panose="02020603050405020304" pitchFamily="18" charset="0"/>
+                      </a:endParaRPr>
+                    </a:p>
+                  </a:txBody>
+                  <a:tcPr marL="68580" marR="68580" marT="0" marB="0"/>
+                </a:tc>
+                <a:tc>
+                  <a:txBody>
+                    <a:bodyPr/>
+                    <a:lstStyle/>
+                    <a:p>
+                      <a:pPr algn="l">
+                        <a:spcAft>
+                          <a:spcPts val="0"/>
+                        </a:spcAft>
+                      </a:pPr>
+                      <a:r>
+                        <a:rPr lang="en-US" sz="1400" kern="100">
+                          <a:effectLst/>
+                          <a:latin typeface="黑体" panose="02010609060101010101" pitchFamily="49" charset="-122"/>
+                          <a:ea typeface="黑体" panose="02010609060101010101" pitchFamily="49" charset="-122"/>
+                        </a:rPr>
+                        <a:t>returnCar</a:t>
+                      </a:r>
+                      <a:r>
+                        <a:rPr lang="zh-CN" sz="1400" kern="100">
+                          <a:effectLst/>
+                          <a:latin typeface="黑体" panose="02010609060101010101" pitchFamily="49" charset="-122"/>
+                          <a:ea typeface="黑体" panose="02010609060101010101" pitchFamily="49" charset="-122"/>
+                        </a:rPr>
+                        <a:t>，</a:t>
+                      </a:r>
+                      <a:r>
+                        <a:rPr lang="en-US" sz="1400" kern="100">
+                          <a:effectLst/>
+                          <a:latin typeface="黑体" panose="02010609060101010101" pitchFamily="49" charset="-122"/>
+                          <a:ea typeface="黑体" panose="02010609060101010101" pitchFamily="49" charset="-122"/>
+                        </a:rPr>
+                        <a:t>7+</a:t>
+                      </a:r>
+                      <a:r>
+                        <a:rPr lang="zh-CN" sz="1400" kern="100">
+                          <a:effectLst/>
+                          <a:latin typeface="黑体" panose="02010609060101010101" pitchFamily="49" charset="-122"/>
+                          <a:ea typeface="黑体" panose="02010609060101010101" pitchFamily="49" charset="-122"/>
+                        </a:rPr>
+                        <a:t>汽车编号</a:t>
+                      </a:r>
+                      <a:r>
+                        <a:rPr lang="en-US" sz="1400" kern="100">
+                          <a:effectLst/>
+                          <a:latin typeface="黑体" panose="02010609060101010101" pitchFamily="49" charset="-122"/>
+                          <a:ea typeface="黑体" panose="02010609060101010101" pitchFamily="49" charset="-122"/>
+                        </a:rPr>
+                        <a:t>+</a:t>
+                      </a:r>
+                      <a:r>
+                        <a:rPr lang="zh-CN" sz="1400" kern="100">
+                          <a:effectLst/>
+                          <a:latin typeface="黑体" panose="02010609060101010101" pitchFamily="49" charset="-122"/>
+                          <a:ea typeface="黑体" panose="02010609060101010101" pitchFamily="49" charset="-122"/>
+                        </a:rPr>
+                        <a:t>还车</a:t>
+                      </a:r>
+                      <a:endParaRPr lang="zh-CN" sz="1400" kern="100">
+                        <a:effectLst/>
+                        <a:latin typeface="黑体" panose="02010609060101010101" pitchFamily="49" charset="-122"/>
+                        <a:ea typeface="黑体" panose="02010609060101010101" pitchFamily="49" charset="-122"/>
+                        <a:cs typeface="Times New Roman" panose="02020603050405020304" pitchFamily="18" charset="0"/>
+                      </a:endParaRPr>
+                    </a:p>
+                  </a:txBody>
+                  <a:tcPr marL="68580" marR="68580" marT="0" marB="0"/>
+                </a:tc>
+                <a:tc>
+                  <a:txBody>
+                    <a:bodyPr/>
+                    <a:lstStyle/>
+                    <a:p>
+                      <a:pPr algn="l">
+                        <a:spcAft>
+                          <a:spcPts val="0"/>
+                        </a:spcAft>
+                      </a:pPr>
+                      <a:r>
+                        <a:rPr lang="en-US" sz="1400" kern="100">
+                          <a:effectLst/>
+                          <a:latin typeface="黑体" panose="02010609060101010101" pitchFamily="49" charset="-122"/>
+                          <a:ea typeface="黑体" panose="02010609060101010101" pitchFamily="49" charset="-122"/>
+                        </a:rPr>
+                        <a:t> </a:t>
+                      </a:r>
+                      <a:endParaRPr lang="zh-CN" sz="1400" kern="100">
+                        <a:effectLst/>
+                        <a:latin typeface="黑体" panose="02010609060101010101" pitchFamily="49" charset="-122"/>
+                        <a:ea typeface="黑体" panose="02010609060101010101" pitchFamily="49" charset="-122"/>
+                        <a:cs typeface="Times New Roman" panose="02020603050405020304" pitchFamily="18" charset="0"/>
+                      </a:endParaRPr>
+                    </a:p>
+                  </a:txBody>
+                  <a:tcPr marL="68580" marR="68580" marT="0" marB="0"/>
+                </a:tc>
+                <a:tc>
+                  <a:txBody>
+                    <a:bodyPr/>
+                    <a:lstStyle/>
+                    <a:p>
+                      <a:pPr algn="l">
+                        <a:spcAft>
+                          <a:spcPts val="0"/>
+                        </a:spcAft>
+                      </a:pPr>
+                      <a:r>
+                        <a:rPr lang="en-US" sz="1400" kern="100">
+                          <a:effectLst/>
+                          <a:latin typeface="黑体" panose="02010609060101010101" pitchFamily="49" charset="-122"/>
+                          <a:ea typeface="黑体" panose="02010609060101010101" pitchFamily="49" charset="-122"/>
+                        </a:rPr>
+                        <a:t> </a:t>
+                      </a:r>
+                      <a:endParaRPr lang="zh-CN" sz="1400" kern="100">
+                        <a:effectLst/>
+                        <a:latin typeface="黑体" panose="02010609060101010101" pitchFamily="49" charset="-122"/>
+                        <a:ea typeface="黑体" panose="02010609060101010101" pitchFamily="49" charset="-122"/>
+                        <a:cs typeface="Times New Roman" panose="02020603050405020304" pitchFamily="18" charset="0"/>
+                      </a:endParaRPr>
+                    </a:p>
+                  </a:txBody>
+                  <a:tcPr marL="68580" marR="68580" marT="0" marB="0"/>
+                </a:tc>
+                <a:extLst>
+                  <a:ext uri="{0D108BD9-81ED-4DB2-BD59-A6C34878D82A}">
+                    <a16:rowId xmlns:a16="http://schemas.microsoft.com/office/drawing/2014/main" val="2267721454"/>
+                  </a:ext>
+                </a:extLst>
+              </a:tr>
+              <a:tr h="353103">
+                <a:tc>
+                  <a:txBody>
+                    <a:bodyPr/>
+                    <a:lstStyle/>
+                    <a:p>
+                      <a:pPr algn="l">
+                        <a:spcAft>
+                          <a:spcPts val="0"/>
+                        </a:spcAft>
+                      </a:pPr>
+                      <a:endParaRPr lang="zh-CN" sz="1400" kern="100">
+                        <a:effectLst/>
+                        <a:latin typeface="黑体" panose="02010609060101010101" pitchFamily="49" charset="-122"/>
+                        <a:ea typeface="黑体" panose="02010609060101010101" pitchFamily="49" charset="-122"/>
+                        <a:cs typeface="Times New Roman" panose="02020603050405020304" pitchFamily="18" charset="0"/>
+                      </a:endParaRPr>
+                    </a:p>
+                  </a:txBody>
+                  <a:tcPr marL="68580" marR="68580" marT="0" marB="0"/>
+                </a:tc>
+                <a:tc>
+                  <a:txBody>
+                    <a:bodyPr/>
+                    <a:lstStyle/>
+                    <a:p>
+                      <a:pPr algn="l">
+                        <a:spcAft>
+                          <a:spcPts val="0"/>
+                        </a:spcAft>
+                      </a:pPr>
+                      <a:r>
+                        <a:rPr lang="en-US" sz="1400" kern="100">
+                          <a:effectLst/>
+                          <a:latin typeface="黑体" panose="02010609060101010101" pitchFamily="49" charset="-122"/>
+                          <a:ea typeface="黑体" panose="02010609060101010101" pitchFamily="49" charset="-122"/>
+                        </a:rPr>
+                        <a:t>adminListCar</a:t>
+                      </a:r>
+                      <a:r>
+                        <a:rPr lang="zh-CN" sz="1400" kern="100">
+                          <a:effectLst/>
+                          <a:latin typeface="黑体" panose="02010609060101010101" pitchFamily="49" charset="-122"/>
+                          <a:ea typeface="黑体" panose="02010609060101010101" pitchFamily="49" charset="-122"/>
+                        </a:rPr>
+                        <a:t>，管理员</a:t>
+                      </a:r>
+                      <a:endParaRPr lang="zh-CN" sz="1400" kern="100">
+                        <a:effectLst/>
+                        <a:latin typeface="黑体" panose="02010609060101010101" pitchFamily="49" charset="-122"/>
+                        <a:ea typeface="黑体" panose="02010609060101010101" pitchFamily="49" charset="-122"/>
+                        <a:cs typeface="Times New Roman" panose="02020603050405020304" pitchFamily="18" charset="0"/>
+                      </a:endParaRPr>
+                    </a:p>
+                  </a:txBody>
+                  <a:tcPr marL="68580" marR="68580" marT="0" marB="0"/>
+                </a:tc>
+                <a:tc>
+                  <a:txBody>
+                    <a:bodyPr/>
+                    <a:lstStyle/>
+                    <a:p>
+                      <a:pPr algn="l">
+                        <a:spcAft>
+                          <a:spcPts val="0"/>
+                        </a:spcAft>
+                      </a:pPr>
+                      <a:r>
+                        <a:rPr lang="en-US" sz="1400" kern="100">
+                          <a:effectLst/>
+                          <a:latin typeface="黑体" panose="02010609060101010101" pitchFamily="49" charset="-122"/>
+                          <a:ea typeface="黑体" panose="02010609060101010101" pitchFamily="49" charset="-122"/>
+                        </a:rPr>
+                        <a:t> </a:t>
+                      </a:r>
+                      <a:endParaRPr lang="zh-CN" sz="1400" kern="100">
+                        <a:effectLst/>
+                        <a:latin typeface="黑体" panose="02010609060101010101" pitchFamily="49" charset="-122"/>
+                        <a:ea typeface="黑体" panose="02010609060101010101" pitchFamily="49" charset="-122"/>
+                        <a:cs typeface="Times New Roman" panose="02020603050405020304" pitchFamily="18" charset="0"/>
+                      </a:endParaRPr>
+                    </a:p>
+                  </a:txBody>
+                  <a:tcPr marL="68580" marR="68580" marT="0" marB="0"/>
+                </a:tc>
+                <a:tc>
+                  <a:txBody>
+                    <a:bodyPr/>
+                    <a:lstStyle/>
+                    <a:p>
+                      <a:pPr algn="l">
+                        <a:spcAft>
+                          <a:spcPts val="0"/>
+                        </a:spcAft>
+                      </a:pPr>
+                      <a:r>
+                        <a:rPr lang="en-US" sz="1400" kern="100">
+                          <a:effectLst/>
+                          <a:latin typeface="黑体" panose="02010609060101010101" pitchFamily="49" charset="-122"/>
+                          <a:ea typeface="黑体" panose="02010609060101010101" pitchFamily="49" charset="-122"/>
+                        </a:rPr>
+                        <a:t> </a:t>
+                      </a:r>
+                      <a:endParaRPr lang="zh-CN" sz="1400" kern="100">
+                        <a:effectLst/>
+                        <a:latin typeface="黑体" panose="02010609060101010101" pitchFamily="49" charset="-122"/>
+                        <a:ea typeface="黑体" panose="02010609060101010101" pitchFamily="49" charset="-122"/>
+                        <a:cs typeface="Times New Roman" panose="02020603050405020304" pitchFamily="18" charset="0"/>
+                      </a:endParaRPr>
+                    </a:p>
+                  </a:txBody>
+                  <a:tcPr marL="68580" marR="68580" marT="0" marB="0"/>
+                </a:tc>
+                <a:extLst>
+                  <a:ext uri="{0D108BD9-81ED-4DB2-BD59-A6C34878D82A}">
+                    <a16:rowId xmlns:a16="http://schemas.microsoft.com/office/drawing/2014/main" val="467824396"/>
+                  </a:ext>
+                </a:extLst>
+              </a:tr>
+              <a:tr h="229284">
+                <a:tc>
+                  <a:txBody>
+                    <a:bodyPr/>
+                    <a:lstStyle/>
+                    <a:p>
+                      <a:pPr algn="l">
+                        <a:spcAft>
+                          <a:spcPts val="0"/>
+                        </a:spcAft>
+                      </a:pPr>
+                      <a:endParaRPr lang="zh-CN" sz="1400" kern="100">
+                        <a:effectLst/>
+                        <a:latin typeface="黑体" panose="02010609060101010101" pitchFamily="49" charset="-122"/>
+                        <a:ea typeface="黑体" panose="02010609060101010101" pitchFamily="49" charset="-122"/>
+                        <a:cs typeface="Times New Roman" panose="02020603050405020304" pitchFamily="18" charset="0"/>
+                      </a:endParaRPr>
+                    </a:p>
+                  </a:txBody>
+                  <a:tcPr marL="68580" marR="68580" marT="0" marB="0"/>
+                </a:tc>
+                <a:tc>
+                  <a:txBody>
+                    <a:bodyPr/>
+                    <a:lstStyle/>
+                    <a:p>
+                      <a:pPr algn="l">
+                        <a:spcAft>
+                          <a:spcPts val="0"/>
+                        </a:spcAft>
+                      </a:pPr>
+                      <a:r>
+                        <a:rPr lang="en-US" sz="1400" kern="100">
+                          <a:effectLst/>
+                          <a:latin typeface="黑体" panose="02010609060101010101" pitchFamily="49" charset="-122"/>
+                          <a:ea typeface="黑体" panose="02010609060101010101" pitchFamily="49" charset="-122"/>
+                        </a:rPr>
+                        <a:t>addCar</a:t>
+                      </a:r>
+                      <a:endParaRPr lang="zh-CN" sz="1400" kern="100">
+                        <a:effectLst/>
+                        <a:latin typeface="黑体" panose="02010609060101010101" pitchFamily="49" charset="-122"/>
+                        <a:ea typeface="黑体" panose="02010609060101010101" pitchFamily="49" charset="-122"/>
+                        <a:cs typeface="Times New Roman" panose="02020603050405020304" pitchFamily="18" charset="0"/>
+                      </a:endParaRPr>
+                    </a:p>
+                  </a:txBody>
+                  <a:tcPr marL="68580" marR="68580" marT="0" marB="0"/>
+                </a:tc>
+                <a:tc>
+                  <a:txBody>
+                    <a:bodyPr/>
+                    <a:lstStyle/>
+                    <a:p>
+                      <a:pPr algn="l">
+                        <a:spcAft>
+                          <a:spcPts val="0"/>
+                        </a:spcAft>
+                      </a:pPr>
+                      <a:r>
+                        <a:rPr lang="en-US" sz="1400" kern="100">
+                          <a:effectLst/>
+                          <a:latin typeface="黑体" panose="02010609060101010101" pitchFamily="49" charset="-122"/>
+                          <a:ea typeface="黑体" panose="02010609060101010101" pitchFamily="49" charset="-122"/>
+                        </a:rPr>
+                        <a:t> </a:t>
+                      </a:r>
+                      <a:endParaRPr lang="zh-CN" sz="1400" kern="100">
+                        <a:effectLst/>
+                        <a:latin typeface="黑体" panose="02010609060101010101" pitchFamily="49" charset="-122"/>
+                        <a:ea typeface="黑体" panose="02010609060101010101" pitchFamily="49" charset="-122"/>
+                        <a:cs typeface="Times New Roman" panose="02020603050405020304" pitchFamily="18" charset="0"/>
+                      </a:endParaRPr>
+                    </a:p>
+                  </a:txBody>
+                  <a:tcPr marL="68580" marR="68580" marT="0" marB="0"/>
+                </a:tc>
+                <a:tc>
+                  <a:txBody>
+                    <a:bodyPr/>
+                    <a:lstStyle/>
+                    <a:p>
+                      <a:pPr algn="l">
+                        <a:spcAft>
+                          <a:spcPts val="0"/>
+                        </a:spcAft>
+                      </a:pPr>
+                      <a:r>
+                        <a:rPr lang="en-US" sz="1400" kern="100">
+                          <a:effectLst/>
+                          <a:latin typeface="黑体" panose="02010609060101010101" pitchFamily="49" charset="-122"/>
+                          <a:ea typeface="黑体" panose="02010609060101010101" pitchFamily="49" charset="-122"/>
+                        </a:rPr>
+                        <a:t> </a:t>
+                      </a:r>
+                      <a:endParaRPr lang="zh-CN" sz="1400" kern="100">
+                        <a:effectLst/>
+                        <a:latin typeface="黑体" panose="02010609060101010101" pitchFamily="49" charset="-122"/>
+                        <a:ea typeface="黑体" panose="02010609060101010101" pitchFamily="49" charset="-122"/>
+                        <a:cs typeface="Times New Roman" panose="02020603050405020304" pitchFamily="18" charset="0"/>
+                      </a:endParaRPr>
+                    </a:p>
+                  </a:txBody>
+                  <a:tcPr marL="68580" marR="68580" marT="0" marB="0"/>
+                </a:tc>
+                <a:extLst>
+                  <a:ext uri="{0D108BD9-81ED-4DB2-BD59-A6C34878D82A}">
+                    <a16:rowId xmlns:a16="http://schemas.microsoft.com/office/drawing/2014/main" val="590241089"/>
+                  </a:ext>
+                </a:extLst>
+              </a:tr>
+              <a:tr h="229284">
+                <a:tc>
+                  <a:txBody>
+                    <a:bodyPr/>
+                    <a:lstStyle/>
+                    <a:p>
+                      <a:pPr algn="l">
+                        <a:spcAft>
+                          <a:spcPts val="0"/>
+                        </a:spcAft>
+                      </a:pPr>
+                      <a:endParaRPr lang="zh-CN" sz="1400" kern="100">
+                        <a:effectLst/>
+                        <a:latin typeface="黑体" panose="02010609060101010101" pitchFamily="49" charset="-122"/>
+                        <a:ea typeface="黑体" panose="02010609060101010101" pitchFamily="49" charset="-122"/>
+                        <a:cs typeface="Times New Roman" panose="02020603050405020304" pitchFamily="18" charset="0"/>
+                      </a:endParaRPr>
+                    </a:p>
+                  </a:txBody>
+                  <a:tcPr marL="68580" marR="68580" marT="0" marB="0"/>
+                </a:tc>
+                <a:tc>
+                  <a:txBody>
+                    <a:bodyPr/>
+                    <a:lstStyle/>
+                    <a:p>
+                      <a:pPr algn="l">
+                        <a:spcAft>
+                          <a:spcPts val="0"/>
+                        </a:spcAft>
+                      </a:pPr>
+                      <a:r>
+                        <a:rPr lang="en-US" sz="1400" kern="100">
+                          <a:effectLst/>
+                          <a:latin typeface="黑体" panose="02010609060101010101" pitchFamily="49" charset="-122"/>
+                          <a:ea typeface="黑体" panose="02010609060101010101" pitchFamily="49" charset="-122"/>
+                        </a:rPr>
+                        <a:t>updateCar</a:t>
+                      </a:r>
+                      <a:endParaRPr lang="zh-CN" sz="1400" kern="100">
+                        <a:effectLst/>
+                        <a:latin typeface="黑体" panose="02010609060101010101" pitchFamily="49" charset="-122"/>
+                        <a:ea typeface="黑体" panose="02010609060101010101" pitchFamily="49" charset="-122"/>
+                        <a:cs typeface="Times New Roman" panose="02020603050405020304" pitchFamily="18" charset="0"/>
+                      </a:endParaRPr>
+                    </a:p>
+                  </a:txBody>
+                  <a:tcPr marL="68580" marR="68580" marT="0" marB="0"/>
+                </a:tc>
+                <a:tc>
+                  <a:txBody>
+                    <a:bodyPr/>
+                    <a:lstStyle/>
+                    <a:p>
+                      <a:pPr algn="l">
+                        <a:spcAft>
+                          <a:spcPts val="0"/>
+                        </a:spcAft>
+                      </a:pPr>
+                      <a:r>
+                        <a:rPr lang="en-US" sz="1400" kern="100">
+                          <a:effectLst/>
+                          <a:latin typeface="黑体" panose="02010609060101010101" pitchFamily="49" charset="-122"/>
+                          <a:ea typeface="黑体" panose="02010609060101010101" pitchFamily="49" charset="-122"/>
+                        </a:rPr>
+                        <a:t> </a:t>
+                      </a:r>
+                      <a:endParaRPr lang="zh-CN" sz="1400" kern="100">
+                        <a:effectLst/>
+                        <a:latin typeface="黑体" panose="02010609060101010101" pitchFamily="49" charset="-122"/>
+                        <a:ea typeface="黑体" panose="02010609060101010101" pitchFamily="49" charset="-122"/>
+                        <a:cs typeface="Times New Roman" panose="02020603050405020304" pitchFamily="18" charset="0"/>
+                      </a:endParaRPr>
+                    </a:p>
+                  </a:txBody>
+                  <a:tcPr marL="68580" marR="68580" marT="0" marB="0"/>
+                </a:tc>
+                <a:tc>
+                  <a:txBody>
+                    <a:bodyPr/>
+                    <a:lstStyle/>
+                    <a:p>
+                      <a:pPr algn="l">
+                        <a:spcAft>
+                          <a:spcPts val="0"/>
+                        </a:spcAft>
+                      </a:pPr>
+                      <a:r>
+                        <a:rPr lang="en-US" sz="1400" kern="100">
+                          <a:effectLst/>
+                          <a:latin typeface="黑体" panose="02010609060101010101" pitchFamily="49" charset="-122"/>
+                          <a:ea typeface="黑体" panose="02010609060101010101" pitchFamily="49" charset="-122"/>
+                        </a:rPr>
+                        <a:t> </a:t>
+                      </a:r>
+                      <a:endParaRPr lang="zh-CN" sz="1400" kern="100">
+                        <a:effectLst/>
+                        <a:latin typeface="黑体" panose="02010609060101010101" pitchFamily="49" charset="-122"/>
+                        <a:ea typeface="黑体" panose="02010609060101010101" pitchFamily="49" charset="-122"/>
+                        <a:cs typeface="Times New Roman" panose="02020603050405020304" pitchFamily="18" charset="0"/>
+                      </a:endParaRPr>
+                    </a:p>
+                  </a:txBody>
+                  <a:tcPr marL="68580" marR="68580" marT="0" marB="0"/>
+                </a:tc>
+                <a:extLst>
+                  <a:ext uri="{0D108BD9-81ED-4DB2-BD59-A6C34878D82A}">
+                    <a16:rowId xmlns:a16="http://schemas.microsoft.com/office/drawing/2014/main" val="4283277580"/>
+                  </a:ext>
+                </a:extLst>
+              </a:tr>
+              <a:tr h="229284">
+                <a:tc>
+                  <a:txBody>
+                    <a:bodyPr/>
+                    <a:lstStyle/>
+                    <a:p>
+                      <a:pPr algn="l">
+                        <a:spcAft>
+                          <a:spcPts val="0"/>
+                        </a:spcAft>
+                      </a:pPr>
+                      <a:endParaRPr lang="zh-CN" sz="1400" kern="100">
+                        <a:effectLst/>
+                        <a:latin typeface="黑体" panose="02010609060101010101" pitchFamily="49" charset="-122"/>
+                        <a:ea typeface="黑体" panose="02010609060101010101" pitchFamily="49" charset="-122"/>
+                        <a:cs typeface="Times New Roman" panose="02020603050405020304" pitchFamily="18" charset="0"/>
+                      </a:endParaRPr>
+                    </a:p>
+                  </a:txBody>
+                  <a:tcPr marL="68580" marR="68580" marT="0" marB="0"/>
+                </a:tc>
+                <a:tc>
+                  <a:txBody>
+                    <a:bodyPr/>
+                    <a:lstStyle/>
+                    <a:p>
+                      <a:pPr algn="l">
+                        <a:spcAft>
+                          <a:spcPts val="0"/>
+                        </a:spcAft>
+                      </a:pPr>
+                      <a:r>
+                        <a:rPr lang="en-US" sz="1400" kern="100">
+                          <a:effectLst/>
+                          <a:latin typeface="黑体" panose="02010609060101010101" pitchFamily="49" charset="-122"/>
+                          <a:ea typeface="黑体" panose="02010609060101010101" pitchFamily="49" charset="-122"/>
+                        </a:rPr>
+                        <a:t>updateCarUsable</a:t>
+                      </a:r>
+                      <a:endParaRPr lang="zh-CN" sz="1400" kern="100">
+                        <a:effectLst/>
+                        <a:latin typeface="黑体" panose="02010609060101010101" pitchFamily="49" charset="-122"/>
+                        <a:ea typeface="黑体" panose="02010609060101010101" pitchFamily="49" charset="-122"/>
+                        <a:cs typeface="Times New Roman" panose="02020603050405020304" pitchFamily="18" charset="0"/>
+                      </a:endParaRPr>
+                    </a:p>
+                  </a:txBody>
+                  <a:tcPr marL="68580" marR="68580" marT="0" marB="0"/>
+                </a:tc>
+                <a:tc>
+                  <a:txBody>
+                    <a:bodyPr/>
+                    <a:lstStyle/>
+                    <a:p>
+                      <a:pPr algn="l">
+                        <a:spcAft>
+                          <a:spcPts val="0"/>
+                        </a:spcAft>
+                      </a:pPr>
+                      <a:r>
+                        <a:rPr lang="en-US" sz="1400" kern="100">
+                          <a:effectLst/>
+                          <a:latin typeface="黑体" panose="02010609060101010101" pitchFamily="49" charset="-122"/>
+                          <a:ea typeface="黑体" panose="02010609060101010101" pitchFamily="49" charset="-122"/>
+                        </a:rPr>
+                        <a:t> </a:t>
+                      </a:r>
+                      <a:endParaRPr lang="zh-CN" sz="1400" kern="100">
+                        <a:effectLst/>
+                        <a:latin typeface="黑体" panose="02010609060101010101" pitchFamily="49" charset="-122"/>
+                        <a:ea typeface="黑体" panose="02010609060101010101" pitchFamily="49" charset="-122"/>
+                        <a:cs typeface="Times New Roman" panose="02020603050405020304" pitchFamily="18" charset="0"/>
+                      </a:endParaRPr>
+                    </a:p>
+                  </a:txBody>
+                  <a:tcPr marL="68580" marR="68580" marT="0" marB="0"/>
+                </a:tc>
+                <a:tc>
+                  <a:txBody>
+                    <a:bodyPr/>
+                    <a:lstStyle/>
+                    <a:p>
+                      <a:pPr algn="l">
+                        <a:spcAft>
+                          <a:spcPts val="0"/>
+                        </a:spcAft>
+                      </a:pPr>
+                      <a:r>
+                        <a:rPr lang="en-US" sz="1400" kern="100">
+                          <a:effectLst/>
+                          <a:latin typeface="黑体" panose="02010609060101010101" pitchFamily="49" charset="-122"/>
+                          <a:ea typeface="黑体" panose="02010609060101010101" pitchFamily="49" charset="-122"/>
+                        </a:rPr>
+                        <a:t> </a:t>
+                      </a:r>
+                      <a:endParaRPr lang="zh-CN" sz="1400" kern="100">
+                        <a:effectLst/>
+                        <a:latin typeface="黑体" panose="02010609060101010101" pitchFamily="49" charset="-122"/>
+                        <a:ea typeface="黑体" panose="02010609060101010101" pitchFamily="49" charset="-122"/>
+                        <a:cs typeface="Times New Roman" panose="02020603050405020304" pitchFamily="18" charset="0"/>
+                      </a:endParaRPr>
+                    </a:p>
+                  </a:txBody>
+                  <a:tcPr marL="68580" marR="68580" marT="0" marB="0"/>
+                </a:tc>
+                <a:extLst>
+                  <a:ext uri="{0D108BD9-81ED-4DB2-BD59-A6C34878D82A}">
+                    <a16:rowId xmlns:a16="http://schemas.microsoft.com/office/drawing/2014/main" val="1353906347"/>
+                  </a:ext>
+                </a:extLst>
+              </a:tr>
+              <a:tr h="353103">
+                <a:tc>
+                  <a:txBody>
+                    <a:bodyPr/>
+                    <a:lstStyle/>
+                    <a:p>
+                      <a:pPr marL="0" marR="0" lvl="0" indent="0" algn="l" defTabSz="914400" rtl="0" eaLnBrk="1" fontAlgn="auto" latinLnBrk="0" hangingPunct="1">
+                        <a:lnSpc>
+                          <a:spcPct val="100000"/>
+                        </a:lnSpc>
+                        <a:spcBef>
+                          <a:spcPts val="0"/>
+                        </a:spcBef>
+                        <a:spcAft>
+                          <a:spcPts val="0"/>
+                        </a:spcAft>
+                        <a:buClrTx/>
+                        <a:buSzTx/>
+                        <a:buFontTx/>
+                        <a:buNone/>
+                        <a:tabLst/>
+                        <a:defRPr/>
+                      </a:pPr>
+                      <a:r>
+                        <a:rPr lang="en-US" altLang="zh-CN" sz="1400" kern="100">
+                          <a:effectLst/>
+                          <a:latin typeface="黑体" panose="02010609060101010101" pitchFamily="49" charset="-122"/>
+                          <a:ea typeface="黑体" panose="02010609060101010101" pitchFamily="49" charset="-122"/>
+                        </a:rPr>
+                        <a:t>RecordService</a:t>
+                      </a:r>
+                      <a:endParaRPr lang="zh-CN" altLang="zh-CN" sz="1400" kern="100">
+                        <a:effectLst/>
+                        <a:latin typeface="黑体" panose="02010609060101010101" pitchFamily="49" charset="-122"/>
+                        <a:ea typeface="黑体" panose="02010609060101010101" pitchFamily="49" charset="-122"/>
+                        <a:cs typeface="Times New Roman" panose="02020603050405020304" pitchFamily="18" charset="0"/>
+                      </a:endParaRPr>
+                    </a:p>
+                  </a:txBody>
+                  <a:tcPr marL="68580" marR="68580" marT="0" marB="0"/>
+                </a:tc>
+                <a:tc>
+                  <a:txBody>
+                    <a:bodyPr/>
+                    <a:lstStyle/>
+                    <a:p>
+                      <a:pPr algn="l">
+                        <a:spcAft>
+                          <a:spcPts val="0"/>
+                        </a:spcAft>
+                      </a:pPr>
+                      <a:r>
+                        <a:rPr lang="en-US" sz="1400" kern="100">
+                          <a:effectLst/>
+                          <a:latin typeface="黑体" panose="02010609060101010101" pitchFamily="49" charset="-122"/>
+                          <a:ea typeface="黑体" panose="02010609060101010101" pitchFamily="49" charset="-122"/>
+                        </a:rPr>
+                        <a:t>listRecord</a:t>
+                      </a:r>
+                      <a:r>
+                        <a:rPr lang="zh-CN" sz="1400" kern="100">
+                          <a:effectLst/>
+                          <a:latin typeface="黑体" panose="02010609060101010101" pitchFamily="49" charset="-122"/>
+                          <a:ea typeface="黑体" panose="02010609060101010101" pitchFamily="49" charset="-122"/>
+                        </a:rPr>
+                        <a:t>，</a:t>
+                      </a:r>
+                      <a:r>
+                        <a:rPr lang="en-US" sz="1400" kern="100">
+                          <a:effectLst/>
+                          <a:latin typeface="黑体" panose="02010609060101010101" pitchFamily="49" charset="-122"/>
+                          <a:ea typeface="黑体" panose="02010609060101010101" pitchFamily="49" charset="-122"/>
+                        </a:rPr>
+                        <a:t>6 </a:t>
+                      </a:r>
+                      <a:r>
+                        <a:rPr lang="zh-CN" sz="1400" kern="100">
+                          <a:effectLst/>
+                          <a:latin typeface="黑体" panose="02010609060101010101" pitchFamily="49" charset="-122"/>
+                          <a:ea typeface="黑体" panose="02010609060101010101" pitchFamily="49" charset="-122"/>
+                        </a:rPr>
+                        <a:t>查看租车记录</a:t>
+                      </a:r>
+                      <a:endParaRPr lang="zh-CN" sz="1400" kern="100">
+                        <a:effectLst/>
+                        <a:latin typeface="黑体" panose="02010609060101010101" pitchFamily="49" charset="-122"/>
+                        <a:ea typeface="黑体" panose="02010609060101010101" pitchFamily="49" charset="-122"/>
+                        <a:cs typeface="Times New Roman" panose="02020603050405020304" pitchFamily="18" charset="0"/>
+                      </a:endParaRPr>
+                    </a:p>
+                  </a:txBody>
+                  <a:tcPr marL="68580" marR="68580" marT="0" marB="0"/>
+                </a:tc>
+                <a:tc>
+                  <a:txBody>
+                    <a:bodyPr/>
+                    <a:lstStyle/>
+                    <a:p>
+                      <a:pPr algn="l">
+                        <a:spcAft>
+                          <a:spcPts val="0"/>
+                        </a:spcAft>
+                      </a:pPr>
+                      <a:r>
+                        <a:rPr lang="en-US" sz="1400" kern="100">
+                          <a:effectLst/>
+                          <a:latin typeface="黑体" panose="02010609060101010101" pitchFamily="49" charset="-122"/>
+                          <a:ea typeface="黑体" panose="02010609060101010101" pitchFamily="49" charset="-122"/>
+                        </a:rPr>
+                        <a:t> </a:t>
+                      </a:r>
+                      <a:endParaRPr lang="zh-CN" sz="1400" kern="100">
+                        <a:effectLst/>
+                        <a:latin typeface="黑体" panose="02010609060101010101" pitchFamily="49" charset="-122"/>
+                        <a:ea typeface="黑体" panose="02010609060101010101" pitchFamily="49" charset="-122"/>
+                        <a:cs typeface="Times New Roman" panose="02020603050405020304" pitchFamily="18" charset="0"/>
+                      </a:endParaRPr>
+                    </a:p>
+                  </a:txBody>
+                  <a:tcPr marL="68580" marR="68580" marT="0" marB="0"/>
+                </a:tc>
+                <a:tc>
+                  <a:txBody>
+                    <a:bodyPr/>
+                    <a:lstStyle/>
+                    <a:p>
+                      <a:pPr algn="l">
+                        <a:spcAft>
+                          <a:spcPts val="0"/>
+                        </a:spcAft>
+                      </a:pPr>
+                      <a:r>
+                        <a:rPr lang="en-US" sz="1400" kern="100">
+                          <a:effectLst/>
+                          <a:latin typeface="黑体" panose="02010609060101010101" pitchFamily="49" charset="-122"/>
+                          <a:ea typeface="黑体" panose="02010609060101010101" pitchFamily="49" charset="-122"/>
+                        </a:rPr>
+                        <a:t> </a:t>
+                      </a:r>
+                      <a:endParaRPr lang="zh-CN" sz="1400" kern="100">
+                        <a:effectLst/>
+                        <a:latin typeface="黑体" panose="02010609060101010101" pitchFamily="49" charset="-122"/>
+                        <a:ea typeface="黑体" panose="02010609060101010101" pitchFamily="49" charset="-122"/>
+                        <a:cs typeface="Times New Roman" panose="02020603050405020304" pitchFamily="18" charset="0"/>
+                      </a:endParaRPr>
+                    </a:p>
+                  </a:txBody>
+                  <a:tcPr marL="68580" marR="68580" marT="0" marB="0"/>
+                </a:tc>
+                <a:extLst>
+                  <a:ext uri="{0D108BD9-81ED-4DB2-BD59-A6C34878D82A}">
+                    <a16:rowId xmlns:a16="http://schemas.microsoft.com/office/drawing/2014/main" val="3449185100"/>
+                  </a:ext>
+                </a:extLst>
+              </a:tr>
+              <a:tr h="229284">
+                <a:tc>
+                  <a:txBody>
+                    <a:bodyPr/>
+                    <a:lstStyle/>
+                    <a:p>
+                      <a:pPr algn="l">
+                        <a:spcAft>
+                          <a:spcPts val="0"/>
+                        </a:spcAft>
+                      </a:pPr>
+                      <a:endParaRPr lang="zh-CN" sz="1400" kern="100">
+                        <a:effectLst/>
+                        <a:latin typeface="黑体" panose="02010609060101010101" pitchFamily="49" charset="-122"/>
+                        <a:ea typeface="黑体" panose="02010609060101010101" pitchFamily="49" charset="-122"/>
+                        <a:cs typeface="Times New Roman" panose="02020603050405020304" pitchFamily="18" charset="0"/>
+                      </a:endParaRPr>
+                    </a:p>
+                  </a:txBody>
+                  <a:tcPr marL="68580" marR="68580" marT="0" marB="0"/>
+                </a:tc>
+                <a:tc>
+                  <a:txBody>
+                    <a:bodyPr/>
+                    <a:lstStyle/>
+                    <a:p>
+                      <a:pPr algn="l">
+                        <a:spcAft>
+                          <a:spcPts val="0"/>
+                        </a:spcAft>
+                      </a:pPr>
+                      <a:r>
+                        <a:rPr lang="en-US" sz="1400" kern="100">
+                          <a:effectLst/>
+                          <a:latin typeface="黑体" panose="02010609060101010101" pitchFamily="49" charset="-122"/>
+                          <a:ea typeface="黑体" panose="02010609060101010101" pitchFamily="49" charset="-122"/>
+                        </a:rPr>
+                        <a:t>rentCar</a:t>
+                      </a:r>
+                      <a:endParaRPr lang="zh-CN" sz="1400" kern="100">
+                        <a:effectLst/>
+                        <a:latin typeface="黑体" panose="02010609060101010101" pitchFamily="49" charset="-122"/>
+                        <a:ea typeface="黑体" panose="02010609060101010101" pitchFamily="49" charset="-122"/>
+                        <a:cs typeface="Times New Roman" panose="02020603050405020304" pitchFamily="18" charset="0"/>
+                      </a:endParaRPr>
+                    </a:p>
+                  </a:txBody>
+                  <a:tcPr marL="68580" marR="68580" marT="0" marB="0"/>
+                </a:tc>
+                <a:tc>
+                  <a:txBody>
+                    <a:bodyPr/>
+                    <a:lstStyle/>
+                    <a:p>
+                      <a:pPr algn="l">
+                        <a:spcAft>
+                          <a:spcPts val="0"/>
+                        </a:spcAft>
+                      </a:pPr>
+                      <a:r>
+                        <a:rPr lang="en-US" sz="1400" kern="100">
+                          <a:effectLst/>
+                          <a:latin typeface="黑体" panose="02010609060101010101" pitchFamily="49" charset="-122"/>
+                          <a:ea typeface="黑体" panose="02010609060101010101" pitchFamily="49" charset="-122"/>
+                        </a:rPr>
+                        <a:t> </a:t>
+                      </a:r>
+                      <a:endParaRPr lang="zh-CN" sz="1400" kern="100">
+                        <a:effectLst/>
+                        <a:latin typeface="黑体" panose="02010609060101010101" pitchFamily="49" charset="-122"/>
+                        <a:ea typeface="黑体" panose="02010609060101010101" pitchFamily="49" charset="-122"/>
+                        <a:cs typeface="Times New Roman" panose="02020603050405020304" pitchFamily="18" charset="0"/>
+                      </a:endParaRPr>
+                    </a:p>
+                  </a:txBody>
+                  <a:tcPr marL="68580" marR="68580" marT="0" marB="0"/>
+                </a:tc>
+                <a:tc>
+                  <a:txBody>
+                    <a:bodyPr/>
+                    <a:lstStyle/>
+                    <a:p>
+                      <a:pPr algn="l">
+                        <a:spcAft>
+                          <a:spcPts val="0"/>
+                        </a:spcAft>
+                      </a:pPr>
+                      <a:r>
+                        <a:rPr lang="en-US" sz="1400" kern="100">
+                          <a:effectLst/>
+                          <a:latin typeface="黑体" panose="02010609060101010101" pitchFamily="49" charset="-122"/>
+                          <a:ea typeface="黑体" panose="02010609060101010101" pitchFamily="49" charset="-122"/>
+                        </a:rPr>
+                        <a:t> </a:t>
+                      </a:r>
+                      <a:endParaRPr lang="zh-CN" sz="1400" kern="100">
+                        <a:effectLst/>
+                        <a:latin typeface="黑体" panose="02010609060101010101" pitchFamily="49" charset="-122"/>
+                        <a:ea typeface="黑体" panose="02010609060101010101" pitchFamily="49" charset="-122"/>
+                        <a:cs typeface="Times New Roman" panose="02020603050405020304" pitchFamily="18" charset="0"/>
+                      </a:endParaRPr>
+                    </a:p>
+                  </a:txBody>
+                  <a:tcPr marL="68580" marR="68580" marT="0" marB="0"/>
+                </a:tc>
+                <a:extLst>
+                  <a:ext uri="{0D108BD9-81ED-4DB2-BD59-A6C34878D82A}">
+                    <a16:rowId xmlns:a16="http://schemas.microsoft.com/office/drawing/2014/main" val="738984118"/>
+                  </a:ext>
+                </a:extLst>
+              </a:tr>
+              <a:tr h="229284">
+                <a:tc>
+                  <a:txBody>
+                    <a:bodyPr/>
+                    <a:lstStyle/>
+                    <a:p>
+                      <a:pPr algn="l">
+                        <a:spcAft>
+                          <a:spcPts val="0"/>
+                        </a:spcAft>
+                      </a:pPr>
+                      <a:endParaRPr lang="zh-CN" sz="1400" kern="100">
+                        <a:effectLst/>
+                        <a:latin typeface="黑体" panose="02010609060101010101" pitchFamily="49" charset="-122"/>
+                        <a:ea typeface="黑体" panose="02010609060101010101" pitchFamily="49" charset="-122"/>
+                        <a:cs typeface="Times New Roman" panose="02020603050405020304" pitchFamily="18" charset="0"/>
+                      </a:endParaRPr>
+                    </a:p>
+                  </a:txBody>
+                  <a:tcPr marL="68580" marR="68580" marT="0" marB="0"/>
+                </a:tc>
+                <a:tc>
+                  <a:txBody>
+                    <a:bodyPr/>
+                    <a:lstStyle/>
+                    <a:p>
+                      <a:pPr algn="l">
+                        <a:spcAft>
+                          <a:spcPts val="0"/>
+                        </a:spcAft>
+                      </a:pPr>
+                      <a:r>
+                        <a:rPr lang="en-US" sz="1400" kern="100">
+                          <a:effectLst/>
+                          <a:latin typeface="黑体" panose="02010609060101010101" pitchFamily="49" charset="-122"/>
+                          <a:ea typeface="黑体" panose="02010609060101010101" pitchFamily="49" charset="-122"/>
+                        </a:rPr>
+                        <a:t>returnCar</a:t>
+                      </a:r>
+                      <a:endParaRPr lang="zh-CN" sz="1400" kern="100">
+                        <a:effectLst/>
+                        <a:latin typeface="黑体" panose="02010609060101010101" pitchFamily="49" charset="-122"/>
+                        <a:ea typeface="黑体" panose="02010609060101010101" pitchFamily="49" charset="-122"/>
+                        <a:cs typeface="Times New Roman" panose="02020603050405020304" pitchFamily="18" charset="0"/>
+                      </a:endParaRPr>
+                    </a:p>
+                  </a:txBody>
+                  <a:tcPr marL="68580" marR="68580" marT="0" marB="0"/>
+                </a:tc>
+                <a:tc>
+                  <a:txBody>
+                    <a:bodyPr/>
+                    <a:lstStyle/>
+                    <a:p>
+                      <a:pPr algn="l">
+                        <a:spcAft>
+                          <a:spcPts val="0"/>
+                        </a:spcAft>
+                      </a:pPr>
+                      <a:r>
+                        <a:rPr lang="en-US" sz="1400" kern="100">
+                          <a:effectLst/>
+                          <a:latin typeface="黑体" panose="02010609060101010101" pitchFamily="49" charset="-122"/>
+                          <a:ea typeface="黑体" panose="02010609060101010101" pitchFamily="49" charset="-122"/>
+                        </a:rPr>
+                        <a:t> </a:t>
+                      </a:r>
+                      <a:endParaRPr lang="zh-CN" sz="1400" kern="100">
+                        <a:effectLst/>
+                        <a:latin typeface="黑体" panose="02010609060101010101" pitchFamily="49" charset="-122"/>
+                        <a:ea typeface="黑体" panose="02010609060101010101" pitchFamily="49" charset="-122"/>
+                        <a:cs typeface="Times New Roman" panose="02020603050405020304" pitchFamily="18" charset="0"/>
+                      </a:endParaRPr>
+                    </a:p>
+                  </a:txBody>
+                  <a:tcPr marL="68580" marR="68580" marT="0" marB="0"/>
+                </a:tc>
+                <a:tc>
+                  <a:txBody>
+                    <a:bodyPr/>
+                    <a:lstStyle/>
+                    <a:p>
+                      <a:pPr algn="l">
+                        <a:spcAft>
+                          <a:spcPts val="0"/>
+                        </a:spcAft>
+                      </a:pPr>
+                      <a:r>
+                        <a:rPr lang="en-US" sz="1400" kern="100">
+                          <a:effectLst/>
+                          <a:latin typeface="黑体" panose="02010609060101010101" pitchFamily="49" charset="-122"/>
+                          <a:ea typeface="黑体" panose="02010609060101010101" pitchFamily="49" charset="-122"/>
+                        </a:rPr>
+                        <a:t> </a:t>
+                      </a:r>
+                      <a:endParaRPr lang="zh-CN" sz="1400" kern="100">
+                        <a:effectLst/>
+                        <a:latin typeface="黑体" panose="02010609060101010101" pitchFamily="49" charset="-122"/>
+                        <a:ea typeface="黑体" panose="02010609060101010101" pitchFamily="49" charset="-122"/>
+                        <a:cs typeface="Times New Roman" panose="02020603050405020304" pitchFamily="18" charset="0"/>
+                      </a:endParaRPr>
+                    </a:p>
+                  </a:txBody>
+                  <a:tcPr marL="68580" marR="68580" marT="0" marB="0"/>
+                </a:tc>
+                <a:extLst>
+                  <a:ext uri="{0D108BD9-81ED-4DB2-BD59-A6C34878D82A}">
+                    <a16:rowId xmlns:a16="http://schemas.microsoft.com/office/drawing/2014/main" val="3917914956"/>
+                  </a:ext>
+                </a:extLst>
+              </a:tr>
+            </a:tbl>
+          </a:graphicData>
+        </a:graphic>
+      </p:graphicFrame>
+      <p:sp>
+        <p:nvSpPr>
+          <p:cNvPr id="2" name="文本框 1">
+            <a:extLst>
+              <a:ext uri="{FF2B5EF4-FFF2-40B4-BE49-F238E27FC236}">
+                <a16:creationId xmlns:a16="http://schemas.microsoft.com/office/drawing/2014/main" id="{31186DA3-4360-43F8-9FF0-7B87519BA017}"/>
+              </a:ext>
+            </a:extLst>
+          </p:cNvPr>
+          <p:cNvSpPr txBox="1"/>
+          <p:nvPr/>
+        </p:nvSpPr>
+        <p:spPr>
+          <a:xfrm>
+            <a:off x="124177" y="197346"/>
+            <a:ext cx="3905956" cy="6463308"/>
+          </a:xfrm>
+          <a:prstGeom prst="rect">
+            <a:avLst/>
+          </a:prstGeom>
+        </p:spPr>
+        <p:style>
+          <a:lnRef idx="2">
+            <a:schemeClr val="accent2"/>
+          </a:lnRef>
+          <a:fillRef idx="1">
+            <a:schemeClr val="lt1"/>
+          </a:fillRef>
+          <a:effectRef idx="0">
+            <a:schemeClr val="accent2"/>
+          </a:effectRef>
+          <a:fontRef idx="minor">
+            <a:schemeClr val="dk1"/>
+          </a:fontRef>
+        </p:style>
+        <p:txBody>
+          <a:bodyPr wrap="square" rtlCol="0">
+            <a:spAutoFit/>
+          </a:bodyPr>
+          <a:lstStyle/>
+          <a:p>
+            <a:r>
+              <a:rPr lang="en-US" altLang="zh-CN" err="1"/>
+              <a:t>UserService</a:t>
+            </a:r>
+            <a:endParaRPr lang="en-US" altLang="zh-CN"/>
+          </a:p>
+          <a:p>
+            <a:pPr marL="285750" indent="-285750">
+              <a:buFont typeface="Arial" panose="020B0604020202020204" pitchFamily="34" charset="0"/>
+              <a:buChar char="•"/>
+            </a:pPr>
+            <a:r>
+              <a:rPr lang="en-US" altLang="zh-CN"/>
+              <a:t>Login</a:t>
+            </a:r>
+          </a:p>
+          <a:p>
+            <a:pPr marL="285750" indent="-285750">
+              <a:buFont typeface="Arial" panose="020B0604020202020204" pitchFamily="34" charset="0"/>
+              <a:buChar char="•"/>
+            </a:pPr>
+            <a:r>
+              <a:rPr lang="en-US" altLang="zh-CN"/>
+              <a:t>Register</a:t>
+            </a:r>
+          </a:p>
+          <a:p>
+            <a:endParaRPr lang="en-US" altLang="zh-CN"/>
+          </a:p>
+          <a:p>
+            <a:r>
+              <a:rPr lang="en-US" altLang="zh-CN" err="1"/>
+              <a:t>CarServcie</a:t>
+            </a:r>
+            <a:endParaRPr lang="en-US" altLang="zh-CN"/>
+          </a:p>
+          <a:p>
+            <a:pPr marL="285750" indent="-285750">
+              <a:buFont typeface="Arial" panose="020B0604020202020204" pitchFamily="34" charset="0"/>
+              <a:buChar char="•"/>
+            </a:pPr>
+            <a:r>
+              <a:rPr lang="en-US" altLang="zh-CN" err="1"/>
+              <a:t>ListCar</a:t>
+            </a:r>
+            <a:r>
+              <a:rPr lang="zh-CN" altLang="en-US"/>
+              <a:t>，主界面，</a:t>
+            </a:r>
+            <a:r>
+              <a:rPr lang="en-US" altLang="zh-CN"/>
+              <a:t>5</a:t>
+            </a:r>
+          </a:p>
+          <a:p>
+            <a:pPr marL="285750" indent="-285750">
+              <a:buFont typeface="Arial" panose="020B0604020202020204" pitchFamily="34" charset="0"/>
+              <a:buChar char="•"/>
+            </a:pPr>
+            <a:r>
+              <a:rPr lang="en-US" altLang="zh-CN" err="1"/>
+              <a:t>getCarPrice</a:t>
+            </a:r>
+            <a:r>
+              <a:rPr lang="en-US" altLang="zh-CN"/>
+              <a:t>, 2+1,2+2</a:t>
+            </a:r>
+          </a:p>
+          <a:p>
+            <a:pPr marL="285750" indent="-285750">
+              <a:buFont typeface="Arial" panose="020B0604020202020204" pitchFamily="34" charset="0"/>
+              <a:buChar char="•"/>
+            </a:pPr>
+            <a:r>
+              <a:rPr lang="en-US" altLang="zh-CN" err="1"/>
+              <a:t>getCarCategory</a:t>
+            </a:r>
+            <a:r>
+              <a:rPr lang="zh-CN" altLang="en-US"/>
+              <a:t>，</a:t>
+            </a:r>
+            <a:r>
+              <a:rPr lang="en-US" altLang="zh-CN"/>
+              <a:t>3+</a:t>
+            </a:r>
+            <a:r>
+              <a:rPr lang="zh-CN" altLang="en-US"/>
+              <a:t>类型编号</a:t>
+            </a:r>
+            <a:endParaRPr lang="en-US" altLang="zh-CN"/>
+          </a:p>
+          <a:p>
+            <a:pPr marL="285750" indent="-285750">
+              <a:buFont typeface="Arial" panose="020B0604020202020204" pitchFamily="34" charset="0"/>
+              <a:buChar char="•"/>
+            </a:pPr>
+            <a:r>
+              <a:rPr lang="en-US" altLang="zh-CN" err="1"/>
+              <a:t>getCarBrand</a:t>
+            </a:r>
+            <a:r>
+              <a:rPr lang="zh-CN" altLang="en-US"/>
+              <a:t>，</a:t>
+            </a:r>
+            <a:r>
+              <a:rPr lang="en-US" altLang="zh-CN"/>
+              <a:t>4+</a:t>
+            </a:r>
+            <a:r>
+              <a:rPr lang="zh-CN" altLang="en-US"/>
+              <a:t>品牌编号</a:t>
+            </a:r>
+            <a:endParaRPr lang="en-US" altLang="zh-CN"/>
+          </a:p>
+          <a:p>
+            <a:pPr marL="285750" indent="-285750">
+              <a:buFont typeface="Arial" panose="020B0604020202020204" pitchFamily="34" charset="0"/>
+              <a:buChar char="•"/>
+            </a:pPr>
+            <a:r>
+              <a:rPr lang="en-US" altLang="zh-CN" err="1"/>
+              <a:t>rentCar</a:t>
+            </a:r>
+            <a:r>
+              <a:rPr lang="zh-CN" altLang="en-US"/>
+              <a:t>，</a:t>
+            </a:r>
+            <a:r>
+              <a:rPr lang="en-US" altLang="zh-CN"/>
+              <a:t>1+</a:t>
+            </a:r>
+            <a:r>
+              <a:rPr lang="zh-CN" altLang="en-US"/>
+              <a:t>汽车编号</a:t>
+            </a:r>
+            <a:endParaRPr lang="en-US" altLang="zh-CN"/>
+          </a:p>
+          <a:p>
+            <a:pPr marL="285750" indent="-285750">
+              <a:buFont typeface="Arial" panose="020B0604020202020204" pitchFamily="34" charset="0"/>
+              <a:buChar char="•"/>
+            </a:pPr>
+            <a:r>
+              <a:rPr lang="en-US" altLang="zh-CN" err="1"/>
+              <a:t>returnCar</a:t>
+            </a:r>
+            <a:r>
+              <a:rPr lang="zh-CN" altLang="en-US"/>
+              <a:t>，</a:t>
+            </a:r>
+            <a:r>
+              <a:rPr lang="en-US" altLang="zh-CN"/>
+              <a:t>7+</a:t>
+            </a:r>
+            <a:r>
+              <a:rPr lang="zh-CN" altLang="en-US"/>
+              <a:t>汽车编号</a:t>
+            </a:r>
+            <a:r>
+              <a:rPr lang="en-US" altLang="zh-CN"/>
+              <a:t>+</a:t>
+            </a:r>
+            <a:r>
+              <a:rPr lang="zh-CN" altLang="en-US"/>
+              <a:t>还车</a:t>
+            </a:r>
+            <a:endParaRPr lang="en-US" altLang="zh-CN"/>
+          </a:p>
+          <a:p>
+            <a:endParaRPr lang="en-US" altLang="zh-CN"/>
+          </a:p>
+          <a:p>
+            <a:pPr marL="285750" indent="-285750">
+              <a:buFont typeface="Arial" panose="020B0604020202020204" pitchFamily="34" charset="0"/>
+              <a:buChar char="•"/>
+            </a:pPr>
+            <a:r>
+              <a:rPr lang="en-US" altLang="zh-CN" err="1"/>
+              <a:t>adminListCar</a:t>
+            </a:r>
+            <a:r>
+              <a:rPr lang="zh-CN" altLang="en-US"/>
+              <a:t>，管理员</a:t>
+            </a:r>
+            <a:endParaRPr lang="en-US" altLang="zh-CN"/>
+          </a:p>
+          <a:p>
+            <a:pPr marL="285750" indent="-285750">
+              <a:buFont typeface="Arial" panose="020B0604020202020204" pitchFamily="34" charset="0"/>
+              <a:buChar char="•"/>
+            </a:pPr>
+            <a:r>
+              <a:rPr lang="en-US" altLang="zh-CN" err="1"/>
+              <a:t>addCar</a:t>
+            </a:r>
+            <a:endParaRPr lang="en-US" altLang="zh-CN"/>
+          </a:p>
+          <a:p>
+            <a:pPr marL="285750" indent="-285750">
+              <a:buFont typeface="Arial" panose="020B0604020202020204" pitchFamily="34" charset="0"/>
+              <a:buChar char="•"/>
+            </a:pPr>
+            <a:r>
+              <a:rPr lang="en-US" altLang="zh-CN" err="1"/>
+              <a:t>updateCar</a:t>
+            </a:r>
+            <a:endParaRPr lang="en-US" altLang="zh-CN"/>
+          </a:p>
+          <a:p>
+            <a:pPr marL="285750" indent="-285750">
+              <a:buFont typeface="Arial" panose="020B0604020202020204" pitchFamily="34" charset="0"/>
+              <a:buChar char="•"/>
+            </a:pPr>
+            <a:r>
+              <a:rPr lang="en-US" altLang="zh-CN" err="1"/>
+              <a:t>updateCarUsable</a:t>
+            </a:r>
+            <a:endParaRPr lang="en-US" altLang="zh-CN"/>
+          </a:p>
+          <a:p>
+            <a:endParaRPr lang="en-US" altLang="zh-CN"/>
+          </a:p>
+          <a:p>
+            <a:r>
+              <a:rPr lang="en-US" altLang="zh-CN" err="1"/>
+              <a:t>RecordService</a:t>
+            </a:r>
+            <a:endParaRPr lang="en-US" altLang="zh-CN"/>
+          </a:p>
+          <a:p>
+            <a:pPr marL="285750" indent="-285750">
+              <a:buFont typeface="Arial" panose="020B0604020202020204" pitchFamily="34" charset="0"/>
+              <a:buChar char="•"/>
+            </a:pPr>
+            <a:r>
+              <a:rPr lang="en-US" altLang="zh-CN" err="1"/>
+              <a:t>listRecord</a:t>
+            </a:r>
+            <a:r>
+              <a:rPr lang="zh-CN" altLang="en-US"/>
+              <a:t>，</a:t>
+            </a:r>
+            <a:r>
+              <a:rPr lang="en-US" altLang="zh-CN"/>
+              <a:t>6 </a:t>
+            </a:r>
+            <a:r>
+              <a:rPr lang="zh-CN" altLang="en-US"/>
+              <a:t>查看租车记录</a:t>
+            </a:r>
+            <a:endParaRPr lang="en-US" altLang="zh-CN"/>
+          </a:p>
+          <a:p>
+            <a:pPr marL="285750" indent="-285750">
+              <a:buFont typeface="Arial" panose="020B0604020202020204" pitchFamily="34" charset="0"/>
+              <a:buChar char="•"/>
+            </a:pPr>
+            <a:r>
+              <a:rPr lang="en-US" altLang="zh-CN" err="1"/>
+              <a:t>rentCar</a:t>
+            </a:r>
+            <a:endParaRPr lang="en-US" altLang="zh-CN"/>
+          </a:p>
+          <a:p>
+            <a:pPr marL="285750" indent="-285750">
+              <a:buFont typeface="Arial" panose="020B0604020202020204" pitchFamily="34" charset="0"/>
+              <a:buChar char="•"/>
+            </a:pPr>
+            <a:r>
+              <a:rPr lang="en-US" altLang="zh-CN" err="1"/>
+              <a:t>returnCar</a:t>
+            </a:r>
+            <a:endParaRPr lang="en-US" altLang="zh-CN"/>
+          </a:p>
+          <a:p>
+            <a:pPr marL="285750" indent="-285750">
+              <a:buFont typeface="Arial" panose="020B0604020202020204" pitchFamily="34" charset="0"/>
+              <a:buChar char="•"/>
+            </a:pPr>
+            <a:endParaRPr lang="en-US" altLang="zh-CN"/>
+          </a:p>
+          <a:p>
+            <a:endParaRPr lang="en-US" altLang="zh-CN"/>
           </a:p>
         </p:txBody>
       </p:sp>
     </p:spTree>
     <p:extLst>
       <p:ext uri="{BB962C8B-B14F-4D97-AF65-F5344CB8AC3E}">
+        <p14:creationId xmlns:p14="http://schemas.microsoft.com/office/powerpoint/2010/main" val="2141347681"/>
+      </p:ext>
+    </p:extLst>
+  </p:cSld>
+  <p:clrMapOvr>
+    <a:masterClrMapping/>
+  </p:clrMapOvr>
+</p:sld>
+</file>
+
+<file path=ppt/slides/slide5.xml><?xml version="1.0" encoding="utf-8"?>
+<p:sld xmlns:a="http://schemas.openxmlformats.org/drawingml/2006/main" xmlns:r="http://schemas.openxmlformats.org/officeDocument/2006/relationships" xmlns:p="http://schemas.openxmlformats.org/presentationml/2006/main">
+  <p:cSld>
+    <p:spTree>
+      <p:nvGrpSpPr>
+        <p:cNvPr id="1" name=""/>
+        <p:cNvGrpSpPr/>
+        <p:nvPr/>
+      </p:nvGrpSpPr>
+      <p:grpSpPr>
+        <a:xfrm>
+          <a:off x="0" y="0"/>
+          <a:ext cx="0" cy="0"/>
+          <a:chOff x="0" y="0"/>
+          <a:chExt cx="0" cy="0"/>
+        </a:xfrm>
+      </p:grpSpPr>
+      <p:sp>
+        <p:nvSpPr>
+          <p:cNvPr id="3" name="矩形 2">
+            <a:extLst>
+              <a:ext uri="{FF2B5EF4-FFF2-40B4-BE49-F238E27FC236}">
+                <a16:creationId xmlns:a16="http://schemas.microsoft.com/office/drawing/2014/main" id="{E7284CB2-55B9-4B82-88BE-5F82527052E1}"/>
+              </a:ext>
+            </a:extLst>
+          </p:cNvPr>
+          <p:cNvSpPr/>
+          <p:nvPr/>
+        </p:nvSpPr>
+        <p:spPr>
+          <a:xfrm>
+            <a:off x="654755" y="1433689"/>
+            <a:ext cx="6626578" cy="3970318"/>
+          </a:xfrm>
+          <a:prstGeom prst="rect">
+            <a:avLst/>
+          </a:prstGeom>
+        </p:spPr>
+        <p:txBody>
+          <a:bodyPr wrap="square">
+            <a:spAutoFit/>
+          </a:bodyPr>
+          <a:lstStyle/>
+          <a:p>
+            <a:pPr algn="just">
+              <a:spcAft>
+                <a:spcPts val="0"/>
+              </a:spcAft>
+            </a:pPr>
+            <a:r>
+              <a:rPr lang="en-US" altLang="zh-CN" sz="1400" b="1" kern="100">
+                <a:latin typeface="华文细黑" panose="02010600040101010101" pitchFamily="2" charset="-122"/>
+              </a:rPr>
+              <a:t>//</a:t>
+            </a:r>
+            <a:r>
+              <a:rPr lang="zh-CN" altLang="zh-CN" sz="1400" b="1" kern="100">
+                <a:latin typeface="Times New Roman" panose="02020603050405020304" pitchFamily="18" charset="0"/>
+                <a:ea typeface="华文细黑" panose="02010600040101010101" pitchFamily="2" charset="-122"/>
+              </a:rPr>
+              <a:t>汽车编号，唯一，自增</a:t>
+            </a:r>
+            <a:endParaRPr lang="zh-CN" altLang="zh-CN" sz="1400" kern="100">
+              <a:latin typeface="Times New Roman" panose="02020603050405020304" pitchFamily="18" charset="0"/>
+            </a:endParaRPr>
+          </a:p>
+          <a:p>
+            <a:pPr algn="just">
+              <a:spcAft>
+                <a:spcPts val="0"/>
+              </a:spcAft>
+            </a:pPr>
+            <a:r>
+              <a:rPr lang="en-US" altLang="zh-CN" sz="1400" b="1" kern="100">
+                <a:latin typeface="华文细黑" panose="02010600040101010101" pitchFamily="2" charset="-122"/>
+              </a:rPr>
+              <a:t>		private Integer id;</a:t>
+            </a:r>
+            <a:endParaRPr lang="zh-CN" altLang="zh-CN" sz="1400" kern="100">
+              <a:latin typeface="Times New Roman" panose="02020603050405020304" pitchFamily="18" charset="0"/>
+            </a:endParaRPr>
+          </a:p>
+          <a:p>
+            <a:pPr algn="just">
+              <a:spcAft>
+                <a:spcPts val="0"/>
+              </a:spcAft>
+            </a:pPr>
+            <a:r>
+              <a:rPr lang="en-US" altLang="zh-CN" sz="1400" b="1" kern="100">
+                <a:latin typeface="华文细黑" panose="02010600040101010101" pitchFamily="2" charset="-122"/>
+              </a:rPr>
+              <a:t>		//</a:t>
+            </a:r>
+            <a:r>
+              <a:rPr lang="zh-CN" altLang="zh-CN" sz="1400" b="1" kern="100">
+                <a:latin typeface="Times New Roman" panose="02020603050405020304" pitchFamily="18" charset="0"/>
+                <a:ea typeface="华文细黑" panose="02010600040101010101" pitchFamily="2" charset="-122"/>
+              </a:rPr>
+              <a:t>汽车名称</a:t>
+            </a:r>
+            <a:endParaRPr lang="zh-CN" altLang="zh-CN" sz="1400" kern="100">
+              <a:latin typeface="Times New Roman" panose="02020603050405020304" pitchFamily="18" charset="0"/>
+            </a:endParaRPr>
+          </a:p>
+          <a:p>
+            <a:pPr algn="just">
+              <a:spcAft>
+                <a:spcPts val="0"/>
+              </a:spcAft>
+            </a:pPr>
+            <a:r>
+              <a:rPr lang="en-US" altLang="zh-CN" sz="1400" b="1" kern="100">
+                <a:latin typeface="华文细黑" panose="02010600040101010101" pitchFamily="2" charset="-122"/>
+              </a:rPr>
+              <a:t>		private String name;</a:t>
+            </a:r>
+            <a:endParaRPr lang="zh-CN" altLang="zh-CN" sz="1400" kern="100">
+              <a:latin typeface="Times New Roman" panose="02020603050405020304" pitchFamily="18" charset="0"/>
+            </a:endParaRPr>
+          </a:p>
+          <a:p>
+            <a:pPr algn="just">
+              <a:spcAft>
+                <a:spcPts val="0"/>
+              </a:spcAft>
+            </a:pPr>
+            <a:r>
+              <a:rPr lang="en-US" altLang="zh-CN" sz="1400" b="1" kern="100">
+                <a:latin typeface="华文细黑" panose="02010600040101010101" pitchFamily="2" charset="-122"/>
+              </a:rPr>
+              <a:t>		//</a:t>
+            </a:r>
+            <a:r>
+              <a:rPr lang="zh-CN" altLang="zh-CN" sz="1400" b="1" kern="100">
+                <a:latin typeface="Times New Roman" panose="02020603050405020304" pitchFamily="18" charset="0"/>
+                <a:ea typeface="华文细黑" panose="02010600040101010101" pitchFamily="2" charset="-122"/>
+              </a:rPr>
+              <a:t>汽车备注</a:t>
+            </a:r>
+            <a:endParaRPr lang="zh-CN" altLang="zh-CN" sz="1400" kern="100">
+              <a:latin typeface="Times New Roman" panose="02020603050405020304" pitchFamily="18" charset="0"/>
+            </a:endParaRPr>
+          </a:p>
+          <a:p>
+            <a:pPr algn="just">
+              <a:spcAft>
+                <a:spcPts val="0"/>
+              </a:spcAft>
+            </a:pPr>
+            <a:r>
+              <a:rPr lang="en-US" altLang="zh-CN" sz="1400" b="1" kern="100">
+                <a:latin typeface="华文细黑" panose="02010600040101010101" pitchFamily="2" charset="-122"/>
+              </a:rPr>
+              <a:t>		private String detail;</a:t>
+            </a:r>
+            <a:endParaRPr lang="zh-CN" altLang="zh-CN" sz="1400" kern="100">
+              <a:latin typeface="Times New Roman" panose="02020603050405020304" pitchFamily="18" charset="0"/>
+            </a:endParaRPr>
+          </a:p>
+          <a:p>
+            <a:pPr algn="just">
+              <a:spcAft>
+                <a:spcPts val="0"/>
+              </a:spcAft>
+            </a:pPr>
+            <a:r>
+              <a:rPr lang="en-US" altLang="zh-CN" sz="1400" b="1" kern="100">
+                <a:latin typeface="华文细黑" panose="02010600040101010101" pitchFamily="2" charset="-122"/>
+              </a:rPr>
+              <a:t>		//</a:t>
+            </a:r>
+            <a:r>
+              <a:rPr lang="zh-CN" altLang="zh-CN" sz="1400" b="1" kern="100">
+                <a:latin typeface="Times New Roman" panose="02020603050405020304" pitchFamily="18" charset="0"/>
+                <a:ea typeface="华文细黑" panose="02010600040101010101" pitchFamily="2" charset="-122"/>
+              </a:rPr>
+              <a:t>汽车品牌</a:t>
+            </a:r>
+            <a:endParaRPr lang="zh-CN" altLang="zh-CN" sz="1400" kern="100">
+              <a:latin typeface="Times New Roman" panose="02020603050405020304" pitchFamily="18" charset="0"/>
+            </a:endParaRPr>
+          </a:p>
+          <a:p>
+            <a:pPr algn="just">
+              <a:spcAft>
+                <a:spcPts val="0"/>
+              </a:spcAft>
+            </a:pPr>
+            <a:r>
+              <a:rPr lang="en-US" altLang="zh-CN" sz="1400" b="1" kern="100">
+                <a:latin typeface="华文细黑" panose="02010600040101010101" pitchFamily="2" charset="-122"/>
+              </a:rPr>
+              <a:t>		private String brand;</a:t>
+            </a:r>
+            <a:endParaRPr lang="zh-CN" altLang="zh-CN" sz="1400" kern="100">
+              <a:latin typeface="Times New Roman" panose="02020603050405020304" pitchFamily="18" charset="0"/>
+            </a:endParaRPr>
+          </a:p>
+          <a:p>
+            <a:pPr algn="just">
+              <a:spcAft>
+                <a:spcPts val="0"/>
+              </a:spcAft>
+            </a:pPr>
+            <a:r>
+              <a:rPr lang="en-US" altLang="zh-CN" sz="1400" b="1" kern="100">
+                <a:latin typeface="华文细黑" panose="02010600040101010101" pitchFamily="2" charset="-122"/>
+              </a:rPr>
+              <a:t>		//</a:t>
+            </a:r>
+            <a:r>
+              <a:rPr lang="zh-CN" altLang="zh-CN" sz="1400" b="1" kern="100">
+                <a:latin typeface="Times New Roman" panose="02020603050405020304" pitchFamily="18" charset="0"/>
+                <a:ea typeface="华文细黑" panose="02010600040101010101" pitchFamily="2" charset="-122"/>
+              </a:rPr>
+              <a:t>汽车类型</a:t>
+            </a:r>
+            <a:endParaRPr lang="zh-CN" altLang="zh-CN" sz="1400" kern="100">
+              <a:latin typeface="Times New Roman" panose="02020603050405020304" pitchFamily="18" charset="0"/>
+            </a:endParaRPr>
+          </a:p>
+          <a:p>
+            <a:pPr algn="just">
+              <a:spcAft>
+                <a:spcPts val="0"/>
+              </a:spcAft>
+            </a:pPr>
+            <a:r>
+              <a:rPr lang="en-US" altLang="zh-CN" sz="1400" b="1" kern="100">
+                <a:latin typeface="华文细黑" panose="02010600040101010101" pitchFamily="2" charset="-122"/>
+              </a:rPr>
+              <a:t>		private String type;</a:t>
+            </a:r>
+            <a:endParaRPr lang="zh-CN" altLang="zh-CN" sz="1400" kern="100">
+              <a:latin typeface="Times New Roman" panose="02020603050405020304" pitchFamily="18" charset="0"/>
+            </a:endParaRPr>
+          </a:p>
+          <a:p>
+            <a:pPr algn="just">
+              <a:spcAft>
+                <a:spcPts val="0"/>
+              </a:spcAft>
+            </a:pPr>
+            <a:r>
+              <a:rPr lang="en-US" altLang="zh-CN" sz="1400" b="1" kern="100">
+                <a:latin typeface="华文细黑" panose="02010600040101010101" pitchFamily="2" charset="-122"/>
+              </a:rPr>
+              <a:t>		//</a:t>
+            </a:r>
+            <a:r>
+              <a:rPr lang="zh-CN" altLang="zh-CN" sz="1400" b="1" kern="100">
+                <a:latin typeface="Times New Roman" panose="02020603050405020304" pitchFamily="18" charset="0"/>
+                <a:ea typeface="华文细黑" panose="02010600040101010101" pitchFamily="2" charset="-122"/>
+              </a:rPr>
+              <a:t>汽车一天租赁价格</a:t>
+            </a:r>
+            <a:endParaRPr lang="zh-CN" altLang="zh-CN" sz="1400" kern="100">
+              <a:latin typeface="Times New Roman" panose="02020603050405020304" pitchFamily="18" charset="0"/>
+            </a:endParaRPr>
+          </a:p>
+          <a:p>
+            <a:pPr algn="just">
+              <a:spcAft>
+                <a:spcPts val="0"/>
+              </a:spcAft>
+            </a:pPr>
+            <a:r>
+              <a:rPr lang="en-US" altLang="zh-CN" sz="1400" b="1" kern="100">
+                <a:latin typeface="华文细黑" panose="02010600040101010101" pitchFamily="2" charset="-122"/>
+              </a:rPr>
+              <a:t>		private double price;</a:t>
+            </a:r>
+            <a:endParaRPr lang="zh-CN" altLang="zh-CN" sz="1400" kern="100">
+              <a:latin typeface="Times New Roman" panose="02020603050405020304" pitchFamily="18" charset="0"/>
+            </a:endParaRPr>
+          </a:p>
+          <a:p>
+            <a:pPr algn="just">
+              <a:spcAft>
+                <a:spcPts val="0"/>
+              </a:spcAft>
+            </a:pPr>
+            <a:r>
+              <a:rPr lang="en-US" altLang="zh-CN" sz="1400" b="1" kern="100">
+                <a:latin typeface="华文细黑" panose="02010600040101010101" pitchFamily="2" charset="-122"/>
+              </a:rPr>
+              <a:t>		//</a:t>
+            </a:r>
+            <a:r>
+              <a:rPr lang="zh-CN" altLang="zh-CN" sz="1400" b="1" kern="100">
+                <a:latin typeface="Times New Roman" panose="02020603050405020304" pitchFamily="18" charset="0"/>
+                <a:ea typeface="华文细黑" panose="02010600040101010101" pitchFamily="2" charset="-122"/>
+              </a:rPr>
+              <a:t>汽车总价格</a:t>
+            </a:r>
+            <a:endParaRPr lang="zh-CN" altLang="zh-CN" sz="1400" kern="100">
+              <a:latin typeface="Times New Roman" panose="02020603050405020304" pitchFamily="18" charset="0"/>
+            </a:endParaRPr>
+          </a:p>
+          <a:p>
+            <a:pPr algn="just">
+              <a:spcAft>
+                <a:spcPts val="0"/>
+              </a:spcAft>
+            </a:pPr>
+            <a:r>
+              <a:rPr lang="en-US" altLang="zh-CN" sz="1400" b="1" kern="100">
+                <a:latin typeface="华文细黑" panose="02010600040101010101" pitchFamily="2" charset="-122"/>
+              </a:rPr>
+              <a:t>		private double totalprice;</a:t>
+            </a:r>
+            <a:endParaRPr lang="zh-CN" altLang="zh-CN" sz="1400" kern="100">
+              <a:latin typeface="Times New Roman" panose="02020603050405020304" pitchFamily="18" charset="0"/>
+            </a:endParaRPr>
+          </a:p>
+          <a:p>
+            <a:pPr algn="just">
+              <a:spcAft>
+                <a:spcPts val="0"/>
+              </a:spcAft>
+            </a:pPr>
+            <a:r>
+              <a:rPr lang="en-US" altLang="zh-CN" sz="1400" b="1" kern="100">
+                <a:latin typeface="华文细黑" panose="02010600040101010101" pitchFamily="2" charset="-122"/>
+              </a:rPr>
+              <a:t>		//</a:t>
+            </a:r>
+            <a:r>
+              <a:rPr lang="zh-CN" altLang="zh-CN" sz="1400" b="1" kern="100">
+                <a:latin typeface="Times New Roman" panose="02020603050405020304" pitchFamily="18" charset="0"/>
+                <a:ea typeface="华文细黑" panose="02010600040101010101" pitchFamily="2" charset="-122"/>
+              </a:rPr>
+              <a:t>汽车状态，</a:t>
+            </a:r>
+            <a:r>
+              <a:rPr lang="en-US" altLang="zh-CN" sz="1400" b="1" kern="100">
+                <a:latin typeface="Times New Roman" panose="02020603050405020304" pitchFamily="18" charset="0"/>
+                <a:ea typeface="华文细黑" panose="02010600040101010101" pitchFamily="2" charset="-122"/>
+              </a:rPr>
+              <a:t>0</a:t>
+            </a:r>
+            <a:r>
+              <a:rPr lang="zh-CN" altLang="zh-CN" sz="1400" b="1" kern="100">
+                <a:latin typeface="Times New Roman" panose="02020603050405020304" pitchFamily="18" charset="0"/>
+                <a:ea typeface="华文细黑" panose="02010600040101010101" pitchFamily="2" charset="-122"/>
+              </a:rPr>
+              <a:t>表示未租出去，</a:t>
+            </a:r>
+            <a:r>
+              <a:rPr lang="en-US" altLang="zh-CN" sz="1400" b="1" kern="100">
+                <a:latin typeface="Times New Roman" panose="02020603050405020304" pitchFamily="18" charset="0"/>
+                <a:ea typeface="华文细黑" panose="02010600040101010101" pitchFamily="2" charset="-122"/>
+              </a:rPr>
+              <a:t>1</a:t>
+            </a:r>
+            <a:r>
+              <a:rPr lang="zh-CN" altLang="zh-CN" sz="1400" b="1" kern="100">
+                <a:latin typeface="Times New Roman" panose="02020603050405020304" pitchFamily="18" charset="0"/>
+                <a:ea typeface="华文细黑" panose="02010600040101010101" pitchFamily="2" charset="-122"/>
+              </a:rPr>
+              <a:t>表示已租出去</a:t>
+            </a:r>
+            <a:endParaRPr lang="zh-CN" altLang="zh-CN" sz="1400" kern="100">
+              <a:latin typeface="Times New Roman" panose="02020603050405020304" pitchFamily="18" charset="0"/>
+            </a:endParaRPr>
+          </a:p>
+          <a:p>
+            <a:pPr algn="just">
+              <a:spcAft>
+                <a:spcPts val="0"/>
+              </a:spcAft>
+            </a:pPr>
+            <a:r>
+              <a:rPr lang="en-US" altLang="zh-CN" sz="1400" b="1" kern="100">
+                <a:latin typeface="华文细黑" panose="02010600040101010101" pitchFamily="2" charset="-122"/>
+              </a:rPr>
+              <a:t>		private int state;</a:t>
+            </a:r>
+            <a:endParaRPr lang="zh-CN" altLang="zh-CN" sz="1400" kern="100">
+              <a:latin typeface="Times New Roman" panose="02020603050405020304" pitchFamily="18" charset="0"/>
+            </a:endParaRPr>
+          </a:p>
+          <a:p>
+            <a:pPr algn="just">
+              <a:spcAft>
+                <a:spcPts val="0"/>
+              </a:spcAft>
+            </a:pPr>
+            <a:r>
+              <a:rPr lang="en-US" altLang="zh-CN" sz="1400" b="1" kern="100">
+                <a:latin typeface="华文细黑" panose="02010600040101010101" pitchFamily="2" charset="-122"/>
+              </a:rPr>
+              <a:t>		//</a:t>
+            </a:r>
+            <a:r>
+              <a:rPr lang="zh-CN" altLang="zh-CN" sz="1400" b="1" kern="100">
+                <a:latin typeface="Times New Roman" panose="02020603050405020304" pitchFamily="18" charset="0"/>
+                <a:ea typeface="华文细黑" panose="02010600040101010101" pitchFamily="2" charset="-122"/>
+              </a:rPr>
+              <a:t>是否上架</a:t>
+            </a:r>
+            <a:r>
+              <a:rPr lang="en-US" altLang="zh-CN" sz="1400" b="1" kern="100">
+                <a:latin typeface="Times New Roman" panose="02020603050405020304" pitchFamily="18" charset="0"/>
+                <a:ea typeface="华文细黑" panose="02010600040101010101" pitchFamily="2" charset="-122"/>
+              </a:rPr>
+              <a:t>,0</a:t>
+            </a:r>
+            <a:r>
+              <a:rPr lang="zh-CN" altLang="zh-CN" sz="1400" b="1" kern="100">
+                <a:latin typeface="Times New Roman" panose="02020603050405020304" pitchFamily="18" charset="0"/>
+                <a:ea typeface="华文细黑" panose="02010600040101010101" pitchFamily="2" charset="-122"/>
+              </a:rPr>
+              <a:t>表示下架</a:t>
+            </a:r>
+            <a:r>
+              <a:rPr lang="en-US" altLang="zh-CN" sz="1400" b="1" kern="100">
+                <a:latin typeface="Times New Roman" panose="02020603050405020304" pitchFamily="18" charset="0"/>
+                <a:ea typeface="华文细黑" panose="02010600040101010101" pitchFamily="2" charset="-122"/>
+              </a:rPr>
+              <a:t>(</a:t>
+            </a:r>
+            <a:r>
+              <a:rPr lang="zh-CN" altLang="zh-CN" sz="1400" b="1" kern="100">
+                <a:latin typeface="Times New Roman" panose="02020603050405020304" pitchFamily="18" charset="0"/>
+                <a:ea typeface="华文细黑" panose="02010600040101010101" pitchFamily="2" charset="-122"/>
+              </a:rPr>
+              <a:t>默认</a:t>
+            </a:r>
+            <a:r>
+              <a:rPr lang="en-US" altLang="zh-CN" sz="1400" b="1" kern="100">
+                <a:latin typeface="Times New Roman" panose="02020603050405020304" pitchFamily="18" charset="0"/>
+                <a:ea typeface="华文细黑" panose="02010600040101010101" pitchFamily="2" charset="-122"/>
+              </a:rPr>
+              <a:t>),1</a:t>
+            </a:r>
+            <a:r>
+              <a:rPr lang="zh-CN" altLang="zh-CN" sz="1400" b="1" kern="100">
+                <a:latin typeface="Times New Roman" panose="02020603050405020304" pitchFamily="18" charset="0"/>
+                <a:ea typeface="华文细黑" panose="02010600040101010101" pitchFamily="2" charset="-122"/>
+              </a:rPr>
+              <a:t>表示上架</a:t>
+            </a:r>
+            <a:endParaRPr lang="zh-CN" altLang="zh-CN" sz="1400" kern="100">
+              <a:latin typeface="Times New Roman" panose="02020603050405020304" pitchFamily="18" charset="0"/>
+            </a:endParaRPr>
+          </a:p>
+          <a:p>
+            <a:pPr algn="just">
+              <a:spcAft>
+                <a:spcPts val="0"/>
+              </a:spcAft>
+            </a:pPr>
+            <a:r>
+              <a:rPr lang="en-US" altLang="zh-CN" sz="1400" b="1" kern="100">
+                <a:latin typeface="华文细黑" panose="02010600040101010101" pitchFamily="2" charset="-122"/>
+              </a:rPr>
+              <a:t>		private int shelf;</a:t>
+            </a:r>
+            <a:endParaRPr lang="zh-CN" altLang="zh-CN" sz="1400" kern="100">
+              <a:latin typeface="Times New Roman" panose="02020603050405020304" pitchFamily="18" charset="0"/>
+            </a:endParaRPr>
+          </a:p>
+        </p:txBody>
+      </p:sp>
+      <p:pic>
+        <p:nvPicPr>
+          <p:cNvPr id="5" name="图片 4">
+            <a:extLst>
+              <a:ext uri="{FF2B5EF4-FFF2-40B4-BE49-F238E27FC236}">
+                <a16:creationId xmlns:a16="http://schemas.microsoft.com/office/drawing/2014/main" id="{BE20BE8A-E0F0-4DCF-A0BD-28CE852E522B}"/>
+              </a:ext>
+            </a:extLst>
+          </p:cNvPr>
+          <p:cNvPicPr>
+            <a:picLocks noChangeAspect="1"/>
+          </p:cNvPicPr>
+          <p:nvPr/>
+        </p:nvPicPr>
+        <p:blipFill>
+          <a:blip r:embed="rId2"/>
+          <a:stretch>
+            <a:fillRect/>
+          </a:stretch>
+        </p:blipFill>
+        <p:spPr>
+          <a:xfrm>
+            <a:off x="4730628" y="1341279"/>
+            <a:ext cx="6523809" cy="3114286"/>
+          </a:xfrm>
+          <a:prstGeom prst="rect">
+            <a:avLst/>
+          </a:prstGeom>
+        </p:spPr>
+      </p:pic>
+      <p:pic>
+        <p:nvPicPr>
+          <p:cNvPr id="6" name="图片 5">
+            <a:extLst>
+              <a:ext uri="{FF2B5EF4-FFF2-40B4-BE49-F238E27FC236}">
+                <a16:creationId xmlns:a16="http://schemas.microsoft.com/office/drawing/2014/main" id="{8005F9E2-A79C-4868-BA36-6A7673396584}"/>
+              </a:ext>
+            </a:extLst>
+          </p:cNvPr>
+          <p:cNvPicPr>
+            <a:picLocks noChangeAspect="1"/>
+          </p:cNvPicPr>
+          <p:nvPr/>
+        </p:nvPicPr>
+        <p:blipFill>
+          <a:blip r:embed="rId3"/>
+          <a:stretch>
+            <a:fillRect/>
+          </a:stretch>
+        </p:blipFill>
+        <p:spPr>
+          <a:xfrm>
+            <a:off x="1653143" y="1338524"/>
+            <a:ext cx="8885714" cy="4180952"/>
+          </a:xfrm>
+          <a:prstGeom prst="rect">
+            <a:avLst/>
+          </a:prstGeom>
+        </p:spPr>
+      </p:pic>
+    </p:spTree>
+    <p:extLst>
+      <p:ext uri="{BB962C8B-B14F-4D97-AF65-F5344CB8AC3E}">
         <p14:creationId xmlns:p14="http://schemas.microsoft.com/office/powerpoint/2010/main" val="598163514"/>
+      </p:ext>
+    </p:extLst>
+  </p:cSld>
+  <p:clrMapOvr>
+    <a:masterClrMapping/>
+  </p:clrMapOvr>
+</p:sld>
+</file>
+
+<file path=ppt/slides/slide6.xml><?xml version="1.0" encoding="utf-8"?>
+<p:sld xmlns:a="http://schemas.openxmlformats.org/drawingml/2006/main" xmlns:r="http://schemas.openxmlformats.org/officeDocument/2006/relationships" xmlns:p="http://schemas.openxmlformats.org/presentationml/2006/main">
+  <p:cSld>
+    <p:spTree>
+      <p:nvGrpSpPr>
+        <p:cNvPr id="1" name=""/>
+        <p:cNvGrpSpPr/>
+        <p:nvPr/>
+      </p:nvGrpSpPr>
+      <p:grpSpPr>
+        <a:xfrm>
+          <a:off x="0" y="0"/>
+          <a:ext cx="0" cy="0"/>
+          <a:chOff x="0" y="0"/>
+          <a:chExt cx="0" cy="0"/>
+        </a:xfrm>
+      </p:grpSpPr>
+    </p:spTree>
+    <p:extLst>
+      <p:ext uri="{BB962C8B-B14F-4D97-AF65-F5344CB8AC3E}">
+        <p14:creationId xmlns:p14="http://schemas.microsoft.com/office/powerpoint/2010/main" val="3255752306"/>
+      </p:ext>
+    </p:extLst>
+  </p:cSld>
+  <p:clrMapOvr>
+    <a:masterClrMapping/>
+  </p:clrMapOvr>
+</p:sld>
+</file>
+
+<file path=ppt/slides/slide7.xml><?xml version="1.0" encoding="utf-8"?>
+<p:sld xmlns:a="http://schemas.openxmlformats.org/drawingml/2006/main" xmlns:r="http://schemas.openxmlformats.org/officeDocument/2006/relationships" xmlns:p="http://schemas.openxmlformats.org/presentationml/2006/main">
+  <p:cSld>
+    <p:spTree>
+      <p:nvGrpSpPr>
+        <p:cNvPr id="1" name=""/>
+        <p:cNvGrpSpPr/>
+        <p:nvPr/>
+      </p:nvGrpSpPr>
+      <p:grpSpPr>
+        <a:xfrm>
+          <a:off x="0" y="0"/>
+          <a:ext cx="0" cy="0"/>
+          <a:chOff x="0" y="0"/>
+          <a:chExt cx="0" cy="0"/>
+        </a:xfrm>
+      </p:grpSpPr>
+    </p:spTree>
+    <p:extLst>
+      <p:ext uri="{BB962C8B-B14F-4D97-AF65-F5344CB8AC3E}">
+        <p14:creationId xmlns:p14="http://schemas.microsoft.com/office/powerpoint/2010/main" val="623817231"/>
       </p:ext>
     </p:extLst>
   </p:cSld>

--- a/Project1_CarSM/二海租车系统说明文档/租车管理系统11.18.pptx
+++ b/Project1_CarSM/二海租车系统说明文档/租车管理系统11.18.pptx
@@ -5,16 +5,21 @@
     <p:sldMasterId id="2147483648" r:id="rId1"/>
   </p:sldMasterIdLst>
   <p:notesMasterIdLst>
-    <p:notesMasterId r:id="rId9"/>
+    <p:notesMasterId r:id="rId14"/>
   </p:notesMasterIdLst>
   <p:sldIdLst>
     <p:sldId id="256" r:id="rId2"/>
-    <p:sldId id="257" r:id="rId3"/>
-    <p:sldId id="259" r:id="rId4"/>
+    <p:sldId id="261" r:id="rId3"/>
+    <p:sldId id="257" r:id="rId4"/>
     <p:sldId id="260" r:id="rId5"/>
-    <p:sldId id="258" r:id="rId6"/>
-    <p:sldId id="261" r:id="rId7"/>
+    <p:sldId id="259" r:id="rId6"/>
+    <p:sldId id="258" r:id="rId7"/>
     <p:sldId id="262" r:id="rId8"/>
+    <p:sldId id="263" r:id="rId9"/>
+    <p:sldId id="264" r:id="rId10"/>
+    <p:sldId id="265" r:id="rId11"/>
+    <p:sldId id="266" r:id="rId12"/>
+    <p:sldId id="267" r:id="rId13"/>
   </p:sldIdLst>
   <p:sldSz cx="12192000" cy="6858000"/>
   <p:notesSz cx="6858000" cy="9144000"/>
@@ -203,7 +208,7 @@
           <a:p>
             <a:fld id="{D02626EF-93AB-F74C-AF90-0548B0FF506C}" type="datetimeFigureOut">
               <a:rPr lang="zh-CN" altLang="en-US"/>
-              <a:t>2018/11/20</a:t>
+              <a:t>2018/11/21</a:t>
             </a:fld>
             <a:endParaRPr lang="en-US"/>
           </a:p>
@@ -1962,7 +1967,7 @@
             <a:fld id="{48A87A34-81AB-432B-8DAE-1953F412C126}" type="datetimeFigureOut">
               <a:rPr lang="en-US"/>
               <a:pPr/>
-              <a:t>11/20/2018</a:t>
+              <a:t>11/21/2018</a:t>
             </a:fld>
             <a:endParaRPr lang="en-US"/>
           </a:p>
@@ -3414,7 +3419,7 @@
           <a:p>
             <a:fld id="{48A87A34-81AB-432B-8DAE-1953F412C126}" type="datetimeFigureOut">
               <a:rPr lang="en-US"/>
-              <a:t>11/20/2018</a:t>
+              <a:t>11/21/2018</a:t>
             </a:fld>
             <a:endParaRPr lang="en-US"/>
           </a:p>
@@ -4860,7 +4865,7 @@
           <a:p>
             <a:fld id="{48A87A34-81AB-432B-8DAE-1953F412C126}" type="datetimeFigureOut">
               <a:rPr lang="en-US"/>
-              <a:t>11/20/2018</a:t>
+              <a:t>11/21/2018</a:t>
             </a:fld>
             <a:endParaRPr lang="en-US"/>
           </a:p>
@@ -6308,7 +6313,7 @@
           <a:p>
             <a:fld id="{48A87A34-81AB-432B-8DAE-1953F412C126}" type="datetimeFigureOut">
               <a:rPr lang="en-US"/>
-              <a:t>11/20/2018</a:t>
+              <a:t>11/21/2018</a:t>
             </a:fld>
             <a:endParaRPr lang="en-US"/>
           </a:p>
@@ -7810,7 +7815,7 @@
           <a:p>
             <a:fld id="{48A87A34-81AB-432B-8DAE-1953F412C126}" type="datetimeFigureOut">
               <a:rPr lang="en-US"/>
-              <a:t>11/20/2018</a:t>
+              <a:t>11/21/2018</a:t>
             </a:fld>
             <a:endParaRPr lang="en-US"/>
           </a:p>
@@ -9323,7 +9328,7 @@
           <a:p>
             <a:fld id="{48A87A34-81AB-432B-8DAE-1953F412C126}" type="datetimeFigureOut">
               <a:rPr lang="en-US"/>
-              <a:t>11/20/2018</a:t>
+              <a:t>11/21/2018</a:t>
             </a:fld>
             <a:endParaRPr lang="en-US"/>
           </a:p>
@@ -10980,7 +10985,7 @@
           <a:p>
             <a:fld id="{48A87A34-81AB-432B-8DAE-1953F412C126}" type="datetimeFigureOut">
               <a:rPr lang="en-US"/>
-              <a:t>11/20/2018</a:t>
+              <a:t>11/21/2018</a:t>
             </a:fld>
             <a:endParaRPr lang="en-US"/>
           </a:p>
@@ -12372,7 +12377,7 @@
           <a:p>
             <a:fld id="{48A87A34-81AB-432B-8DAE-1953F412C126}" type="datetimeFigureOut">
               <a:rPr lang="en-US"/>
-              <a:t>11/20/2018</a:t>
+              <a:t>11/21/2018</a:t>
             </a:fld>
             <a:endParaRPr lang="en-US"/>
           </a:p>
@@ -12467,7 +12472,7 @@
           <a:p>
             <a:fld id="{48A87A34-81AB-432B-8DAE-1953F412C126}" type="datetimeFigureOut">
               <a:rPr lang="en-US"/>
-              <a:t>11/20/2018</a:t>
+              <a:t>11/21/2018</a:t>
             </a:fld>
             <a:endParaRPr lang="en-US"/>
           </a:p>
@@ -13986,7 +13991,7 @@
           <a:p>
             <a:fld id="{48A87A34-81AB-432B-8DAE-1953F412C126}" type="datetimeFigureOut">
               <a:rPr lang="en-US"/>
-              <a:t>11/20/2018</a:t>
+              <a:t>11/21/2018</a:t>
             </a:fld>
             <a:endParaRPr lang="en-US"/>
           </a:p>
@@ -15515,7 +15520,7 @@
           <a:p>
             <a:fld id="{48A87A34-81AB-432B-8DAE-1953F412C126}" type="datetimeFigureOut">
               <a:rPr lang="en-US"/>
-              <a:t>11/20/2018</a:t>
+              <a:t>11/21/2018</a:t>
             </a:fld>
             <a:endParaRPr lang="en-US"/>
           </a:p>
@@ -15760,7 +15765,7 @@
             <a:fld id="{48A87A34-81AB-432B-8DAE-1953F412C126}" type="datetimeFigureOut">
               <a:rPr lang="en-US"/>
               <a:pPr/>
-              <a:t>11/20/2018</a:t>
+              <a:t>11/21/2018</a:t>
             </a:fld>
             <a:endParaRPr lang="en-US"/>
           </a:p>
@@ -16305,7 +16310,380 @@
 </p:sld>
 </file>
 
+<file path=ppt/slides/slide10.xml><?xml version="1.0" encoding="utf-8"?>
+<p:sld xmlns:a="http://schemas.openxmlformats.org/drawingml/2006/main" xmlns:r="http://schemas.openxmlformats.org/officeDocument/2006/relationships" xmlns:p="http://schemas.openxmlformats.org/presentationml/2006/main">
+  <p:cSld>
+    <p:spTree>
+      <p:nvGrpSpPr>
+        <p:cNvPr id="1" name=""/>
+        <p:cNvGrpSpPr/>
+        <p:nvPr/>
+      </p:nvGrpSpPr>
+      <p:grpSpPr>
+        <a:xfrm>
+          <a:off x="0" y="0"/>
+          <a:ext cx="0" cy="0"/>
+          <a:chOff x="0" y="0"/>
+          <a:chExt cx="0" cy="0"/>
+        </a:xfrm>
+      </p:grpSpPr>
+    </p:spTree>
+    <p:extLst>
+      <p:ext uri="{BB962C8B-B14F-4D97-AF65-F5344CB8AC3E}">
+        <p14:creationId xmlns:p14="http://schemas.microsoft.com/office/powerpoint/2010/main" val="2065523839"/>
+      </p:ext>
+    </p:extLst>
+  </p:cSld>
+  <p:clrMapOvr>
+    <a:masterClrMapping/>
+  </p:clrMapOvr>
+</p:sld>
+</file>
+
+<file path=ppt/slides/slide11.xml><?xml version="1.0" encoding="utf-8"?>
+<p:sld xmlns:a="http://schemas.openxmlformats.org/drawingml/2006/main" xmlns:r="http://schemas.openxmlformats.org/officeDocument/2006/relationships" xmlns:p="http://schemas.openxmlformats.org/presentationml/2006/main">
+  <p:cSld>
+    <p:spTree>
+      <p:nvGrpSpPr>
+        <p:cNvPr id="1" name=""/>
+        <p:cNvGrpSpPr/>
+        <p:nvPr/>
+      </p:nvGrpSpPr>
+      <p:grpSpPr>
+        <a:xfrm>
+          <a:off x="0" y="0"/>
+          <a:ext cx="0" cy="0"/>
+          <a:chOff x="0" y="0"/>
+          <a:chExt cx="0" cy="0"/>
+        </a:xfrm>
+      </p:grpSpPr>
+    </p:spTree>
+    <p:extLst>
+      <p:ext uri="{BB962C8B-B14F-4D97-AF65-F5344CB8AC3E}">
+        <p14:creationId xmlns:p14="http://schemas.microsoft.com/office/powerpoint/2010/main" val="1626405446"/>
+      </p:ext>
+    </p:extLst>
+  </p:cSld>
+  <p:clrMapOvr>
+    <a:masterClrMapping/>
+  </p:clrMapOvr>
+</p:sld>
+</file>
+
+<file path=ppt/slides/slide12.xml><?xml version="1.0" encoding="utf-8"?>
+<p:sld xmlns:a="http://schemas.openxmlformats.org/drawingml/2006/main" xmlns:r="http://schemas.openxmlformats.org/officeDocument/2006/relationships" xmlns:p="http://schemas.openxmlformats.org/presentationml/2006/main">
+  <p:cSld>
+    <p:spTree>
+      <p:nvGrpSpPr>
+        <p:cNvPr id="1" name=""/>
+        <p:cNvGrpSpPr/>
+        <p:nvPr/>
+      </p:nvGrpSpPr>
+      <p:grpSpPr>
+        <a:xfrm>
+          <a:off x="0" y="0"/>
+          <a:ext cx="0" cy="0"/>
+          <a:chOff x="0" y="0"/>
+          <a:chExt cx="0" cy="0"/>
+        </a:xfrm>
+      </p:grpSpPr>
+    </p:spTree>
+    <p:extLst>
+      <p:ext uri="{BB962C8B-B14F-4D97-AF65-F5344CB8AC3E}">
+        <p14:creationId xmlns:p14="http://schemas.microsoft.com/office/powerpoint/2010/main" val="2620319963"/>
+      </p:ext>
+    </p:extLst>
+  </p:cSld>
+  <p:clrMapOvr>
+    <a:masterClrMapping/>
+  </p:clrMapOvr>
+</p:sld>
+</file>
+
 <file path=ppt/slides/slide2.xml><?xml version="1.0" encoding="utf-8"?>
+<p:sld xmlns:a="http://schemas.openxmlformats.org/drawingml/2006/main" xmlns:r="http://schemas.openxmlformats.org/officeDocument/2006/relationships" xmlns:p="http://schemas.openxmlformats.org/presentationml/2006/main">
+  <p:cSld>
+    <p:spTree>
+      <p:nvGrpSpPr>
+        <p:cNvPr id="1" name=""/>
+        <p:cNvGrpSpPr/>
+        <p:nvPr/>
+      </p:nvGrpSpPr>
+      <p:grpSpPr>
+        <a:xfrm>
+          <a:off x="0" y="0"/>
+          <a:ext cx="0" cy="0"/>
+          <a:chOff x="0" y="0"/>
+          <a:chExt cx="0" cy="0"/>
+        </a:xfrm>
+      </p:grpSpPr>
+      <p:sp>
+        <p:nvSpPr>
+          <p:cNvPr id="2" name="文本框 1">
+            <a:extLst>
+              <a:ext uri="{FF2B5EF4-FFF2-40B4-BE49-F238E27FC236}">
+                <a16:creationId xmlns:a16="http://schemas.microsoft.com/office/drawing/2014/main" id="{9BE13447-8765-4F63-9E6B-BEEC60C1ACE5}"/>
+              </a:ext>
+            </a:extLst>
+          </p:cNvPr>
+          <p:cNvSpPr txBox="1"/>
+          <p:nvPr/>
+        </p:nvSpPr>
+        <p:spPr>
+          <a:xfrm>
+            <a:off x="645459" y="2482126"/>
+            <a:ext cx="2993127" cy="2062103"/>
+          </a:xfrm>
+          <a:prstGeom prst="rect">
+            <a:avLst/>
+          </a:prstGeom>
+          <a:noFill/>
+        </p:spPr>
+        <p:txBody>
+          <a:bodyPr wrap="none" rtlCol="0">
+            <a:spAutoFit/>
+          </a:bodyPr>
+          <a:lstStyle/>
+          <a:p>
+            <a:r>
+              <a:rPr lang="en-US" altLang="zh-CN" sz="3200"/>
+              <a:t> </a:t>
+            </a:r>
+          </a:p>
+          <a:p>
+            <a:pPr marL="342900" indent="-342900">
+              <a:buAutoNum type="arabicPeriod"/>
+            </a:pPr>
+            <a:r>
+              <a:rPr lang="en-US" altLang="zh-CN" sz="3200"/>
+              <a:t>Socket</a:t>
+            </a:r>
+          </a:p>
+          <a:p>
+            <a:pPr marL="342900" indent="-342900">
+              <a:buAutoNum type="arabicPeriod"/>
+            </a:pPr>
+            <a:r>
+              <a:rPr lang="zh-CN" altLang="en-US" sz="3200"/>
+              <a:t>多表联查语句</a:t>
+            </a:r>
+            <a:endParaRPr lang="en-US" altLang="zh-CN" sz="3200"/>
+          </a:p>
+          <a:p>
+            <a:pPr marL="342900" indent="-342900">
+              <a:buAutoNum type="arabicPeriod"/>
+            </a:pPr>
+            <a:endParaRPr lang="zh-CN" altLang="en-US" sz="3200"/>
+          </a:p>
+        </p:txBody>
+      </p:sp>
+      <p:sp>
+        <p:nvSpPr>
+          <p:cNvPr id="3" name="文本框 2">
+            <a:extLst>
+              <a:ext uri="{FF2B5EF4-FFF2-40B4-BE49-F238E27FC236}">
+                <a16:creationId xmlns:a16="http://schemas.microsoft.com/office/drawing/2014/main" id="{15E119E3-B13D-4555-B7CF-B6EE8D8E188A}"/>
+              </a:ext>
+            </a:extLst>
+          </p:cNvPr>
+          <p:cNvSpPr txBox="1"/>
+          <p:nvPr/>
+        </p:nvSpPr>
+        <p:spPr>
+          <a:xfrm>
+            <a:off x="645459" y="1057953"/>
+            <a:ext cx="2563906" cy="830997"/>
+          </a:xfrm>
+          <a:prstGeom prst="rect">
+            <a:avLst/>
+          </a:prstGeom>
+        </p:spPr>
+        <p:style>
+          <a:lnRef idx="3">
+            <a:schemeClr val="lt1"/>
+          </a:lnRef>
+          <a:fillRef idx="1">
+            <a:schemeClr val="accent2"/>
+          </a:fillRef>
+          <a:effectRef idx="1">
+            <a:schemeClr val="accent2"/>
+          </a:effectRef>
+          <a:fontRef idx="minor">
+            <a:schemeClr val="lt1"/>
+          </a:fontRef>
+        </p:style>
+        <p:txBody>
+          <a:bodyPr wrap="square" rtlCol="0">
+            <a:spAutoFit/>
+          </a:bodyPr>
+          <a:lstStyle/>
+          <a:p>
+            <a:pPr algn="ctr"/>
+            <a:r>
+              <a:rPr lang="zh-CN" altLang="en-US" sz="4800"/>
+              <a:t>难点</a:t>
+            </a:r>
+          </a:p>
+        </p:txBody>
+      </p:sp>
+      <p:sp>
+        <p:nvSpPr>
+          <p:cNvPr id="4" name="文本框 3">
+            <a:extLst>
+              <a:ext uri="{FF2B5EF4-FFF2-40B4-BE49-F238E27FC236}">
+                <a16:creationId xmlns:a16="http://schemas.microsoft.com/office/drawing/2014/main" id="{A5B1ADD9-3DB8-4A67-B42C-CD39315739C4}"/>
+              </a:ext>
+            </a:extLst>
+          </p:cNvPr>
+          <p:cNvSpPr txBox="1"/>
+          <p:nvPr/>
+        </p:nvSpPr>
+        <p:spPr>
+          <a:xfrm>
+            <a:off x="6418731" y="1057953"/>
+            <a:ext cx="2563906" cy="830997"/>
+          </a:xfrm>
+          <a:prstGeom prst="rect">
+            <a:avLst/>
+          </a:prstGeom>
+        </p:spPr>
+        <p:style>
+          <a:lnRef idx="3">
+            <a:schemeClr val="lt1"/>
+          </a:lnRef>
+          <a:fillRef idx="1">
+            <a:schemeClr val="accent2"/>
+          </a:fillRef>
+          <a:effectRef idx="1">
+            <a:schemeClr val="accent2"/>
+          </a:effectRef>
+          <a:fontRef idx="minor">
+            <a:schemeClr val="lt1"/>
+          </a:fontRef>
+        </p:style>
+        <p:txBody>
+          <a:bodyPr wrap="square" rtlCol="0">
+            <a:spAutoFit/>
+          </a:bodyPr>
+          <a:lstStyle/>
+          <a:p>
+            <a:pPr algn="ctr"/>
+            <a:r>
+              <a:rPr lang="zh-CN" altLang="en-US" sz="4800"/>
+              <a:t>进度</a:t>
+            </a:r>
+          </a:p>
+        </p:txBody>
+      </p:sp>
+      <p:sp>
+        <p:nvSpPr>
+          <p:cNvPr id="5" name="文本框 4">
+            <a:extLst>
+              <a:ext uri="{FF2B5EF4-FFF2-40B4-BE49-F238E27FC236}">
+                <a16:creationId xmlns:a16="http://schemas.microsoft.com/office/drawing/2014/main" id="{2A88ADF0-418A-427A-9AF2-B86DCF966AA0}"/>
+              </a:ext>
+            </a:extLst>
+          </p:cNvPr>
+          <p:cNvSpPr txBox="1"/>
+          <p:nvPr/>
+        </p:nvSpPr>
+        <p:spPr>
+          <a:xfrm>
+            <a:off x="5041487" y="2721113"/>
+            <a:ext cx="6678816" cy="1631216"/>
+          </a:xfrm>
+          <a:prstGeom prst="rect">
+            <a:avLst/>
+          </a:prstGeom>
+          <a:noFill/>
+        </p:spPr>
+        <p:txBody>
+          <a:bodyPr wrap="none" rtlCol="0">
+            <a:spAutoFit/>
+          </a:bodyPr>
+          <a:lstStyle/>
+          <a:p>
+            <a:r>
+              <a:rPr lang="en-US" altLang="zh-CN" sz="2000"/>
+              <a:t> </a:t>
+            </a:r>
+          </a:p>
+          <a:p>
+            <a:pPr marL="342900" indent="-342900">
+              <a:buAutoNum type="arabicPeriod"/>
+            </a:pPr>
+            <a:r>
+              <a:rPr lang="zh-CN" altLang="en-US" sz="2000"/>
+              <a:t>周一：包建立、需求和功能开发思考、尝试</a:t>
+            </a:r>
+            <a:r>
+              <a:rPr lang="en-US" altLang="zh-CN" sz="2000"/>
+              <a:t>socket</a:t>
+            </a:r>
+            <a:r>
+              <a:rPr lang="zh-CN" altLang="en-US" sz="2000"/>
+              <a:t>互传</a:t>
+            </a:r>
+            <a:endParaRPr lang="en-US" altLang="zh-CN" sz="2000"/>
+          </a:p>
+          <a:p>
+            <a:pPr marL="342900" indent="-342900">
+              <a:buAutoNum type="arabicPeriod"/>
+            </a:pPr>
+            <a:r>
+              <a:rPr lang="zh-CN" altLang="en-US" sz="2000"/>
+              <a:t>周二：单用户</a:t>
+            </a:r>
+            <a:r>
+              <a:rPr lang="en-US" altLang="zh-CN" sz="2000"/>
+              <a:t>Login</a:t>
+            </a:r>
+            <a:r>
+              <a:rPr lang="zh-CN" altLang="en-US" sz="2000"/>
+              <a:t>和</a:t>
+            </a:r>
+            <a:r>
+              <a:rPr lang="en-US" altLang="zh-CN" sz="2000"/>
+              <a:t>Register</a:t>
+            </a:r>
+            <a:r>
+              <a:rPr lang="zh-CN" altLang="en-US" sz="2000"/>
+              <a:t>功能</a:t>
+            </a:r>
+            <a:endParaRPr lang="en-US" altLang="zh-CN" sz="2000"/>
+          </a:p>
+          <a:p>
+            <a:pPr marL="342900" indent="-342900">
+              <a:buAutoNum type="arabicPeriod"/>
+            </a:pPr>
+            <a:r>
+              <a:rPr lang="zh-CN" altLang="en-US" sz="2000"/>
+              <a:t>周三：</a:t>
+            </a:r>
+            <a:endParaRPr lang="en-US" altLang="zh-CN" sz="2000"/>
+          </a:p>
+          <a:p>
+            <a:pPr marL="342900" indent="-342900">
+              <a:buAutoNum type="arabicPeriod"/>
+            </a:pPr>
+            <a:endParaRPr lang="zh-CN" altLang="en-US" sz="2000"/>
+          </a:p>
+        </p:txBody>
+      </p:sp>
+    </p:spTree>
+    <p:extLst>
+      <p:ext uri="{BB962C8B-B14F-4D97-AF65-F5344CB8AC3E}">
+        <p14:creationId xmlns:p14="http://schemas.microsoft.com/office/powerpoint/2010/main" val="3255752306"/>
+      </p:ext>
+    </p:extLst>
+  </p:cSld>
+  <p:clrMapOvr>
+    <a:masterClrMapping/>
+  </p:clrMapOvr>
+</p:sld>
+</file>
+
+<file path=ppt/slides/slide3.xml><?xml version="1.0" encoding="utf-8"?>
 <p:sld xmlns:a="http://schemas.openxmlformats.org/drawingml/2006/main" xmlns:r="http://schemas.openxmlformats.org/officeDocument/2006/relationships" xmlns:p="http://schemas.openxmlformats.org/presentationml/2006/main">
   <p:cSld>
     <p:spTree>
@@ -17226,42 +17604,12 @@
           </a:p>
         </p:txBody>
       </p:sp>
-    </p:spTree>
-    <p:extLst>
-      <p:ext uri="{BB962C8B-B14F-4D97-AF65-F5344CB8AC3E}">
-        <p14:creationId xmlns:p14="http://schemas.microsoft.com/office/powerpoint/2010/main" val="745098595"/>
-      </p:ext>
-    </p:extLst>
-  </p:cSld>
-  <p:clrMapOvr>
-    <a:masterClrMapping/>
-  </p:clrMapOvr>
-</p:sld>
-</file>
-
-<file path=ppt/slides/slide3.xml><?xml version="1.0" encoding="utf-8"?>
-<p:sld xmlns:a="http://schemas.openxmlformats.org/drawingml/2006/main" xmlns:r="http://schemas.openxmlformats.org/officeDocument/2006/relationships" xmlns:p="http://schemas.openxmlformats.org/presentationml/2006/main">
-  <p:cSld>
-    <p:spTree>
-      <p:nvGrpSpPr>
-        <p:cNvPr id="1" name=""/>
-        <p:cNvGrpSpPr/>
-        <p:nvPr/>
-      </p:nvGrpSpPr>
-      <p:grpSpPr>
-        <a:xfrm>
-          <a:off x="0" y="0"/>
-          <a:ext cx="0" cy="0"/>
-          <a:chOff x="0" y="0"/>
-          <a:chExt cx="0" cy="0"/>
-        </a:xfrm>
-      </p:grpSpPr>
       <p:sp>
         <p:nvSpPr>
-          <p:cNvPr id="2" name="文本框 1">
+          <p:cNvPr id="28" name="文本框 27">
             <a:extLst>
               <a:ext uri="{FF2B5EF4-FFF2-40B4-BE49-F238E27FC236}">
-                <a16:creationId xmlns:a16="http://schemas.microsoft.com/office/drawing/2014/main" id="{9A7B9F5D-3EE6-4690-96A9-BE28225B5E1B}"/>
+                <a16:creationId xmlns:a16="http://schemas.microsoft.com/office/drawing/2014/main" id="{5E64D369-5896-449D-AF78-678CD9E80089}"/>
               </a:ext>
             </a:extLst>
           </p:cNvPr>
@@ -17270,206 +17618,46 @@
         </p:nvSpPr>
         <p:spPr>
           <a:xfrm>
-            <a:off x="4605867" y="688622"/>
-            <a:ext cx="1338828" cy="369332"/>
-          </a:xfrm>
-          <a:prstGeom prst="rect">
-            <a:avLst/>
-          </a:prstGeom>
-          <a:noFill/>
-        </p:spPr>
-        <p:txBody>
-          <a:bodyPr wrap="none" rtlCol="0">
-            <a:spAutoFit/>
-          </a:bodyPr>
-          <a:lstStyle/>
-          <a:p>
-            <a:r>
-              <a:rPr lang="zh-CN" altLang="en-US"/>
-              <a:t>创建数据库</a:t>
-            </a:r>
-          </a:p>
-        </p:txBody>
-      </p:sp>
-      <p:sp>
-        <p:nvSpPr>
-          <p:cNvPr id="3" name="文本框 2">
-            <a:extLst>
-              <a:ext uri="{FF2B5EF4-FFF2-40B4-BE49-F238E27FC236}">
-                <a16:creationId xmlns:a16="http://schemas.microsoft.com/office/drawing/2014/main" id="{2955E836-7B87-4975-82B2-1EDB519F88F0}"/>
-              </a:ext>
-            </a:extLst>
-          </p:cNvPr>
-          <p:cNvSpPr txBox="1"/>
-          <p:nvPr/>
-        </p:nvSpPr>
-        <p:spPr>
-          <a:xfrm>
-            <a:off x="1444978" y="2404533"/>
-            <a:ext cx="309700" cy="646331"/>
-          </a:xfrm>
-          <a:prstGeom prst="rect">
-            <a:avLst/>
-          </a:prstGeom>
-          <a:noFill/>
-        </p:spPr>
-        <p:txBody>
-          <a:bodyPr wrap="none" rtlCol="0">
-            <a:spAutoFit/>
-          </a:bodyPr>
-          <a:lstStyle/>
-          <a:p>
-            <a:r>
-              <a:rPr lang="en-US" altLang="zh-CN"/>
-              <a:t>1</a:t>
-            </a:r>
-          </a:p>
-          <a:p>
-            <a:endParaRPr lang="zh-CN" altLang="en-US"/>
-          </a:p>
-        </p:txBody>
-      </p:sp>
-      <p:pic>
-        <p:nvPicPr>
-          <p:cNvPr id="4" name="图片 3">
-            <a:extLst>
-              <a:ext uri="{FF2B5EF4-FFF2-40B4-BE49-F238E27FC236}">
-                <a16:creationId xmlns:a16="http://schemas.microsoft.com/office/drawing/2014/main" id="{967CDCC2-1864-4E04-A2BD-61D198EFB1B4}"/>
-              </a:ext>
-            </a:extLst>
-          </p:cNvPr>
-          <p:cNvPicPr>
-            <a:picLocks noChangeAspect="1"/>
-          </p:cNvPicPr>
-          <p:nvPr/>
-        </p:nvPicPr>
-        <p:blipFill>
-          <a:blip r:embed="rId2"/>
-          <a:stretch>
-            <a:fillRect/>
-          </a:stretch>
-        </p:blipFill>
-        <p:spPr>
-          <a:xfrm>
-            <a:off x="730946" y="436465"/>
-            <a:ext cx="8314286" cy="3466667"/>
+            <a:off x="645459" y="1057953"/>
+            <a:ext cx="2563906" cy="1015663"/>
           </a:xfrm>
           <a:prstGeom prst="rect">
             <a:avLst/>
           </a:prstGeom>
         </p:spPr>
-      </p:pic>
-      <p:pic>
-        <p:nvPicPr>
-          <p:cNvPr id="9" name="图片 8">
-            <a:extLst>
-              <a:ext uri="{FF2B5EF4-FFF2-40B4-BE49-F238E27FC236}">
-                <a16:creationId xmlns:a16="http://schemas.microsoft.com/office/drawing/2014/main" id="{EFF0DA46-28E8-4DBF-AFC6-C9FD40D3458C}"/>
-              </a:ext>
-            </a:extLst>
-          </p:cNvPr>
-          <p:cNvPicPr>
-            <a:picLocks noChangeAspect="1"/>
-          </p:cNvPicPr>
-          <p:nvPr/>
-        </p:nvPicPr>
-        <p:blipFill>
-          <a:blip r:embed="rId3"/>
-          <a:stretch>
-            <a:fillRect/>
-          </a:stretch>
-        </p:blipFill>
-        <p:spPr>
-          <a:xfrm>
-            <a:off x="3529333" y="2081381"/>
-            <a:ext cx="5133333" cy="2695238"/>
-          </a:xfrm>
-          <a:prstGeom prst="rect">
-            <a:avLst/>
-          </a:prstGeom>
-        </p:spPr>
-      </p:pic>
-      <p:sp>
-        <p:nvSpPr>
-          <p:cNvPr id="10" name="文本框 9">
-            <a:extLst>
-              <a:ext uri="{FF2B5EF4-FFF2-40B4-BE49-F238E27FC236}">
-                <a16:creationId xmlns:a16="http://schemas.microsoft.com/office/drawing/2014/main" id="{1B1898C7-951F-4023-99F1-9022EDAD6063}"/>
-              </a:ext>
-            </a:extLst>
-          </p:cNvPr>
-          <p:cNvSpPr txBox="1"/>
-          <p:nvPr/>
-        </p:nvSpPr>
-        <p:spPr>
-          <a:xfrm>
-            <a:off x="1241778" y="3903132"/>
-            <a:ext cx="1741182" cy="2308324"/>
-          </a:xfrm>
-          <a:prstGeom prst="rect">
-            <a:avLst/>
-          </a:prstGeom>
-          <a:noFill/>
-        </p:spPr>
+        <p:style>
+          <a:lnRef idx="3">
+            <a:schemeClr val="lt1"/>
+          </a:lnRef>
+          <a:fillRef idx="1">
+            <a:schemeClr val="accent2"/>
+          </a:fillRef>
+          <a:effectRef idx="1">
+            <a:schemeClr val="accent2"/>
+          </a:effectRef>
+          <a:fontRef idx="minor">
+            <a:schemeClr val="lt1"/>
+          </a:fontRef>
+        </p:style>
         <p:txBody>
-          <a:bodyPr wrap="none" rtlCol="0">
+          <a:bodyPr wrap="square" rtlCol="0">
             <a:spAutoFit/>
           </a:bodyPr>
           <a:lstStyle/>
           <a:p>
-            <a:r>
-              <a:rPr lang="en-US" altLang="zh-CN"/>
-              <a:t>userId,int</a:t>
-            </a:r>
-          </a:p>
-          <a:p>
-            <a:r>
-              <a:rPr lang="en-US" altLang="zh-CN"/>
-              <a:t>userName</a:t>
-            </a:r>
-          </a:p>
-          <a:p>
-            <a:r>
-              <a:rPr lang="en-US" altLang="zh-CN"/>
-              <a:t>passWord</a:t>
-            </a:r>
-          </a:p>
-          <a:p>
-            <a:r>
-              <a:rPr lang="en-US" altLang="zh-CN"/>
-              <a:t>sex</a:t>
-            </a:r>
-          </a:p>
-          <a:p>
-            <a:r>
-              <a:rPr lang="en-US" altLang="zh-CN"/>
-              <a:t>userIdNumber</a:t>
-            </a:r>
-          </a:p>
-          <a:p>
-            <a:r>
-              <a:rPr lang="en-US" altLang="zh-CN"/>
-              <a:t>tel</a:t>
-            </a:r>
-          </a:p>
-          <a:p>
-            <a:r>
-              <a:rPr lang="en-US" altLang="zh-CN"/>
-              <a:t>addr</a:t>
-            </a:r>
-          </a:p>
-          <a:p>
-            <a:r>
-              <a:rPr lang="en-US" altLang="zh-CN"/>
-              <a:t>type,int</a:t>
-            </a:r>
+            <a:pPr algn="ctr"/>
+            <a:r>
+              <a:rPr lang="zh-CN" altLang="en-US" sz="6000"/>
+              <a:t>思路</a:t>
+            </a:r>
+            <a:endParaRPr lang="en-US" altLang="zh-CN" sz="6000"/>
           </a:p>
         </p:txBody>
       </p:sp>
     </p:spTree>
     <p:extLst>
       <p:ext uri="{BB962C8B-B14F-4D97-AF65-F5344CB8AC3E}">
-        <p14:creationId xmlns:p14="http://schemas.microsoft.com/office/powerpoint/2010/main" val="2691642793"/>
+        <p14:creationId xmlns:p14="http://schemas.microsoft.com/office/powerpoint/2010/main" val="745098595"/>
       </p:ext>
     </p:extLst>
   </p:cSld>
@@ -18605,8 +18793,8 @@
         </p:nvSpPr>
         <p:spPr>
           <a:xfrm>
-            <a:off x="5599289" y="530284"/>
-            <a:ext cx="6096000" cy="2308324"/>
+            <a:off x="7157156" y="454238"/>
+            <a:ext cx="6096000" cy="2062103"/>
           </a:xfrm>
           <a:prstGeom prst="rect">
             <a:avLst/>
@@ -18619,7 +18807,7 @@
           <a:lstStyle/>
           <a:p>
             <a:r>
-              <a:rPr lang="zh-CN" altLang="en-US" b="1" i="1">
+              <a:rPr lang="zh-CN" altLang="en-US" sz="1600" b="1" i="1">
                 <a:solidFill>
                   <a:srgbClr val="2A00FF"/>
                 </a:solidFill>
@@ -18629,7 +18817,7 @@
               <a:t>输入</a:t>
             </a:r>
             <a:r>
-              <a:rPr lang="en-US" altLang="zh-CN" b="1" i="1">
+              <a:rPr lang="en-US" altLang="zh-CN" sz="1600" b="1" i="1">
                 <a:solidFill>
                   <a:srgbClr val="2A00FF"/>
                 </a:solidFill>
@@ -18639,7 +18827,7 @@
               <a:t>0</a:t>
             </a:r>
             <a:r>
-              <a:rPr lang="zh-CN" altLang="en-US" b="1" i="1">
+              <a:rPr lang="zh-CN" altLang="en-US" sz="1600" b="1" i="1">
                 <a:solidFill>
                   <a:srgbClr val="2A00FF"/>
                 </a:solidFill>
@@ -18648,7 +18836,7 @@
               </a:rPr>
               <a:t>退出</a:t>
             </a:r>
-            <a:endParaRPr lang="en-US" altLang="zh-CN" b="1" i="1">
+            <a:endParaRPr lang="en-US" altLang="zh-CN" sz="1600" b="1" i="1">
               <a:solidFill>
                 <a:srgbClr val="000000"/>
               </a:solidFill>
@@ -18658,7 +18846,7 @@
           </a:p>
           <a:p>
             <a:r>
-              <a:rPr lang="zh-CN" altLang="en-US" b="1" i="1">
+              <a:rPr lang="zh-CN" altLang="en-US" sz="1600" b="1" i="1">
                 <a:solidFill>
                   <a:srgbClr val="2A00FF"/>
                 </a:solidFill>
@@ -18668,7 +18856,7 @@
               <a:t>输入</a:t>
             </a:r>
             <a:r>
-              <a:rPr lang="en-US" altLang="zh-CN" b="1" i="1">
+              <a:rPr lang="en-US" altLang="zh-CN" sz="1600" b="1" i="1">
                 <a:solidFill>
                   <a:srgbClr val="2A00FF"/>
                 </a:solidFill>
@@ -18678,7 +18866,7 @@
               <a:t>1+</a:t>
             </a:r>
             <a:r>
-              <a:rPr lang="zh-CN" altLang="en-US" b="1" i="1">
+              <a:rPr lang="zh-CN" altLang="en-US" sz="1600" b="1" i="1">
                 <a:solidFill>
                   <a:srgbClr val="2A00FF"/>
                 </a:solidFill>
@@ -18688,7 +18876,7 @@
               <a:t>汽车编号 进入租车订单 如</a:t>
             </a:r>
             <a:r>
-              <a:rPr lang="en-US" altLang="zh-CN" b="1" i="1">
+              <a:rPr lang="en-US" altLang="zh-CN" sz="1600" b="1" i="1">
                 <a:solidFill>
                   <a:srgbClr val="2A00FF"/>
                 </a:solidFill>
@@ -18697,7 +18885,7 @@
               </a:rPr>
               <a:t>1+2</a:t>
             </a:r>
-            <a:endParaRPr lang="en-US" altLang="zh-CN" b="1" i="1">
+            <a:endParaRPr lang="en-US" altLang="zh-CN" sz="1600" b="1" i="1">
               <a:solidFill>
                 <a:srgbClr val="000000"/>
               </a:solidFill>
@@ -18707,7 +18895,7 @@
           </a:p>
           <a:p>
             <a:r>
-              <a:rPr lang="zh-CN" altLang="en-US" b="1" i="1">
+              <a:rPr lang="zh-CN" altLang="en-US" sz="1600" b="1" i="1">
                 <a:solidFill>
                   <a:srgbClr val="2A00FF"/>
                 </a:solidFill>
@@ -18717,7 +18905,7 @@
               <a:t>输入</a:t>
             </a:r>
             <a:r>
-              <a:rPr lang="en-US" altLang="zh-CN" b="1" i="1">
+              <a:rPr lang="en-US" altLang="zh-CN" sz="1600" b="1" i="1">
                 <a:solidFill>
                   <a:srgbClr val="2A00FF"/>
                 </a:solidFill>
@@ -18727,7 +18915,7 @@
               <a:t>2+1 </a:t>
             </a:r>
             <a:r>
-              <a:rPr lang="zh-CN" altLang="en-US" b="1" i="1">
+              <a:rPr lang="zh-CN" altLang="en-US" sz="1600" b="1" i="1">
                 <a:solidFill>
                   <a:srgbClr val="2A00FF"/>
                 </a:solidFill>
@@ -18737,7 +18925,7 @@
               <a:t>按价格降序排序 </a:t>
             </a:r>
             <a:r>
-              <a:rPr lang="en-US" altLang="zh-CN" b="1" i="1">
+              <a:rPr lang="en-US" altLang="zh-CN" sz="1600" b="1" i="1">
                 <a:solidFill>
                   <a:srgbClr val="2A00FF"/>
                 </a:solidFill>
@@ -18747,7 +18935,7 @@
               <a:t>2+2 </a:t>
             </a:r>
             <a:r>
-              <a:rPr lang="zh-CN" altLang="en-US" b="1" i="1">
+              <a:rPr lang="zh-CN" altLang="en-US" sz="1600" b="1" i="1">
                 <a:solidFill>
                   <a:srgbClr val="2A00FF"/>
                 </a:solidFill>
@@ -18756,7 +18944,7 @@
               </a:rPr>
               <a:t>按价格升序排序</a:t>
             </a:r>
-            <a:endParaRPr lang="en-US" altLang="zh-CN" b="1" i="1">
+            <a:endParaRPr lang="en-US" altLang="zh-CN" sz="1600" b="1" i="1">
               <a:solidFill>
                 <a:srgbClr val="000000"/>
               </a:solidFill>
@@ -18766,7 +18954,7 @@
           </a:p>
           <a:p>
             <a:r>
-              <a:rPr lang="zh-CN" altLang="en-US" b="1" i="1">
+              <a:rPr lang="zh-CN" altLang="en-US" sz="1600" b="1" i="1">
                 <a:solidFill>
                   <a:srgbClr val="2A00FF"/>
                 </a:solidFill>
@@ -18776,7 +18964,7 @@
               <a:t>输入</a:t>
             </a:r>
             <a:r>
-              <a:rPr lang="en-US" altLang="zh-CN" b="1" i="1">
+              <a:rPr lang="en-US" altLang="zh-CN" sz="1600" b="1" i="1">
                 <a:solidFill>
                   <a:srgbClr val="2A00FF"/>
                 </a:solidFill>
@@ -18786,7 +18974,7 @@
               <a:t>3+</a:t>
             </a:r>
             <a:r>
-              <a:rPr lang="zh-CN" altLang="en-US" b="1" i="1">
+              <a:rPr lang="zh-CN" altLang="en-US" sz="1600" b="1" i="1">
                 <a:solidFill>
                   <a:srgbClr val="2A00FF"/>
                 </a:solidFill>
@@ -18795,7 +18983,7 @@
               </a:rPr>
               <a:t>类型编号 按类型搜索</a:t>
             </a:r>
-            <a:endParaRPr lang="en-US" altLang="zh-CN" b="1" i="1">
+            <a:endParaRPr lang="en-US" altLang="zh-CN" sz="1600" b="1" i="1">
               <a:solidFill>
                 <a:srgbClr val="000000"/>
               </a:solidFill>
@@ -18805,7 +18993,7 @@
           </a:p>
           <a:p>
             <a:r>
-              <a:rPr lang="zh-CN" altLang="en-US" b="1" i="1">
+              <a:rPr lang="zh-CN" altLang="en-US" sz="1600" b="1" i="1">
                 <a:solidFill>
                   <a:srgbClr val="2A00FF"/>
                 </a:solidFill>
@@ -18815,7 +19003,7 @@
               <a:t>输入</a:t>
             </a:r>
             <a:r>
-              <a:rPr lang="en-US" altLang="zh-CN" b="1" i="1">
+              <a:rPr lang="en-US" altLang="zh-CN" sz="1600" b="1" i="1">
                 <a:solidFill>
                   <a:srgbClr val="2A00FF"/>
                 </a:solidFill>
@@ -18825,7 +19013,7 @@
               <a:t>4+</a:t>
             </a:r>
             <a:r>
-              <a:rPr lang="zh-CN" altLang="en-US" b="1" i="1">
+              <a:rPr lang="zh-CN" altLang="en-US" sz="1600" b="1" i="1">
                 <a:solidFill>
                   <a:srgbClr val="2A00FF"/>
                 </a:solidFill>
@@ -18834,7 +19022,7 @@
               </a:rPr>
               <a:t>品牌编号 按品牌搜素</a:t>
             </a:r>
-            <a:endParaRPr lang="en-US" altLang="zh-CN" b="1" i="1">
+            <a:endParaRPr lang="en-US" altLang="zh-CN" sz="1600" b="1" i="1">
               <a:solidFill>
                 <a:srgbClr val="000000"/>
               </a:solidFill>
@@ -18844,7 +19032,7 @@
           </a:p>
           <a:p>
             <a:r>
-              <a:rPr lang="zh-CN" altLang="en-US" b="1" i="1">
+              <a:rPr lang="zh-CN" altLang="en-US" sz="1600" b="1" i="1">
                 <a:solidFill>
                   <a:srgbClr val="2A00FF"/>
                 </a:solidFill>
@@ -18854,7 +19042,7 @@
               <a:t>输入</a:t>
             </a:r>
             <a:r>
-              <a:rPr lang="en-US" altLang="zh-CN" b="1" i="1">
+              <a:rPr lang="en-US" altLang="zh-CN" sz="1600" b="1" i="1">
                 <a:solidFill>
                   <a:srgbClr val="2A00FF"/>
                 </a:solidFill>
@@ -18864,7 +19052,7 @@
               <a:t>5 </a:t>
             </a:r>
             <a:r>
-              <a:rPr lang="zh-CN" altLang="en-US" b="1" i="1">
+              <a:rPr lang="zh-CN" altLang="en-US" sz="1600" b="1" i="1">
                 <a:solidFill>
                   <a:srgbClr val="2A00FF"/>
                 </a:solidFill>
@@ -18873,7 +19061,7 @@
               </a:rPr>
               <a:t>产看全部汽车</a:t>
             </a:r>
-            <a:endParaRPr lang="en-US" altLang="zh-CN" b="1" i="1">
+            <a:endParaRPr lang="en-US" altLang="zh-CN" sz="1600" b="1" i="1">
               <a:solidFill>
                 <a:srgbClr val="000000"/>
               </a:solidFill>
@@ -18883,7 +19071,7 @@
           </a:p>
           <a:p>
             <a:r>
-              <a:rPr lang="zh-CN" altLang="en-US" b="1" i="1">
+              <a:rPr lang="zh-CN" altLang="en-US" sz="1600" b="1" i="1">
                 <a:solidFill>
                   <a:srgbClr val="2A00FF"/>
                 </a:solidFill>
@@ -18893,7 +19081,7 @@
               <a:t>输入</a:t>
             </a:r>
             <a:r>
-              <a:rPr lang="en-US" altLang="zh-CN" b="1" i="1">
+              <a:rPr lang="en-US" altLang="zh-CN" sz="1600" b="1" i="1">
                 <a:solidFill>
                   <a:srgbClr val="2A00FF"/>
                 </a:solidFill>
@@ -18903,7 +19091,7 @@
               <a:t>6 </a:t>
             </a:r>
             <a:r>
-              <a:rPr lang="zh-CN" altLang="en-US" b="1" i="1">
+              <a:rPr lang="zh-CN" altLang="en-US" sz="1600" b="1" i="1">
                 <a:solidFill>
                   <a:srgbClr val="2A00FF"/>
                 </a:solidFill>
@@ -18912,7 +19100,7 @@
               </a:rPr>
               <a:t>查看我的租车记录</a:t>
             </a:r>
-            <a:endParaRPr lang="en-US" altLang="zh-CN" b="1" i="1">
+            <a:endParaRPr lang="en-US" altLang="zh-CN" sz="1600" b="1" i="1">
               <a:solidFill>
                 <a:srgbClr val="000000"/>
               </a:solidFill>
@@ -18922,7 +19110,7 @@
           </a:p>
           <a:p>
             <a:r>
-              <a:rPr lang="zh-CN" altLang="en-US" b="1" i="1">
+              <a:rPr lang="zh-CN" altLang="en-US" sz="1600" b="1" i="1">
                 <a:solidFill>
                   <a:srgbClr val="2A00FF"/>
                 </a:solidFill>
@@ -18932,7 +19120,7 @@
               <a:t>输入</a:t>
             </a:r>
             <a:r>
-              <a:rPr lang="en-US" altLang="zh-CN" b="1" i="1">
+              <a:rPr lang="en-US" altLang="zh-CN" sz="1600" b="1" i="1">
                 <a:solidFill>
                   <a:srgbClr val="2A00FF"/>
                 </a:solidFill>
@@ -18942,7 +19130,7 @@
               <a:t>7+</a:t>
             </a:r>
             <a:r>
-              <a:rPr lang="zh-CN" altLang="en-US" b="1" i="1">
+              <a:rPr lang="zh-CN" altLang="en-US" sz="1600" b="1" i="1">
                 <a:solidFill>
                   <a:srgbClr val="2A00FF"/>
                 </a:solidFill>
@@ -18952,7 +19140,7 @@
               <a:t>汽车编号</a:t>
             </a:r>
             <a:r>
-              <a:rPr lang="en-US" altLang="zh-CN" b="1" i="1">
+              <a:rPr lang="en-US" altLang="zh-CN" sz="1600" b="1" i="1">
                 <a:solidFill>
                   <a:srgbClr val="2A00FF"/>
                 </a:solidFill>
@@ -18962,7 +19150,7 @@
               <a:t>+</a:t>
             </a:r>
             <a:r>
-              <a:rPr lang="zh-CN" altLang="en-US" b="1" i="1">
+              <a:rPr lang="zh-CN" altLang="en-US" sz="1600" b="1" i="1">
                 <a:solidFill>
                   <a:srgbClr val="2A00FF"/>
                 </a:solidFill>
@@ -18971,7 +19159,7 @@
               </a:rPr>
               <a:t>换车</a:t>
             </a:r>
-            <a:endParaRPr lang="zh-CN" altLang="en-US"/>
+            <a:endParaRPr lang="zh-CN" altLang="en-US" sz="1600"/>
           </a:p>
         </p:txBody>
       </p:sp>
@@ -18990,14 +19178,14 @@
           <p:nvPr>
             <p:extLst>
               <p:ext uri="{D42A27DB-BD31-4B8C-83A1-F6EECF244321}">
-                <p14:modId xmlns:p14="http://schemas.microsoft.com/office/powerpoint/2010/main" val="147937122"/>
+                <p14:modId xmlns:p14="http://schemas.microsoft.com/office/powerpoint/2010/main" val="3966713229"/>
               </p:ext>
             </p:extLst>
           </p:nvPr>
         </p:nvGraphicFramePr>
         <p:xfrm>
-          <a:off x="4436533" y="1648177"/>
-          <a:ext cx="7428090" cy="4732713"/>
+          <a:off x="3894667" y="2652889"/>
+          <a:ext cx="7969956" cy="4080594"/>
         </p:xfrm>
         <a:graphic>
           <a:graphicData uri="http://schemas.openxmlformats.org/drawingml/2006/table">
@@ -19006,28 +19194,28 @@
                 <a:tableStyleId>{5C22544A-7EE6-4342-B048-85BDC9FD1C3A}</a:tableStyleId>
               </a:tblPr>
               <a:tblGrid>
-                <a:gridCol w="1354667">
+                <a:gridCol w="1453488">
                   <a:extLst>
                     <a:ext uri="{9D8B030D-6E8A-4147-A177-3AD203B41FA5}">
                       <a16:colId xmlns:a16="http://schemas.microsoft.com/office/drawing/2014/main" val="2297466824"/>
                     </a:ext>
                   </a:extLst>
                 </a:gridCol>
-                <a:gridCol w="2946400">
+                <a:gridCol w="3161335">
                   <a:extLst>
                     <a:ext uri="{9D8B030D-6E8A-4147-A177-3AD203B41FA5}">
                       <a16:colId xmlns:a16="http://schemas.microsoft.com/office/drawing/2014/main" val="2027570797"/>
                     </a:ext>
                   </a:extLst>
                 </a:gridCol>
-                <a:gridCol w="2291644">
+                <a:gridCol w="2458815">
                   <a:extLst>
                     <a:ext uri="{9D8B030D-6E8A-4147-A177-3AD203B41FA5}">
                       <a16:colId xmlns:a16="http://schemas.microsoft.com/office/drawing/2014/main" val="1779705646"/>
                     </a:ext>
                   </a:extLst>
                 </a:gridCol>
-                <a:gridCol w="835379">
+                <a:gridCol w="896318">
                   <a:extLst>
                     <a:ext uri="{9D8B030D-6E8A-4147-A177-3AD203B41FA5}">
                       <a16:colId xmlns:a16="http://schemas.microsoft.com/office/drawing/2014/main" val="4022385429"/>
@@ -19035,7 +19223,7 @@
                   </a:extLst>
                 </a:gridCol>
               </a:tblGrid>
-              <a:tr h="207160">
+              <a:tr h="336131">
                 <a:tc>
                   <a:txBody>
                     <a:bodyPr/>
@@ -19139,7 +19327,7 @@
                   </a:ext>
                 </a:extLst>
               </a:tr>
-              <a:tr h="229284">
+              <a:tr h="180609">
                 <a:tc>
                   <a:txBody>
                     <a:bodyPr/>
@@ -19271,7 +19459,7 @@
                   </a:ext>
                 </a:extLst>
               </a:tr>
-              <a:tr h="353103">
+              <a:tr h="278142">
                 <a:tc>
                   <a:txBody>
                     <a:bodyPr/>
@@ -19390,7 +19578,7 @@
                   </a:ext>
                 </a:extLst>
               </a:tr>
-              <a:tr h="229284">
+              <a:tr h="180609">
                 <a:tc>
                   <a:txBody>
                     <a:bodyPr/>
@@ -19537,7 +19725,7 @@
                   </a:ext>
                 </a:extLst>
               </a:tr>
-              <a:tr h="353103">
+              <a:tr h="278142">
                 <a:tc>
                   <a:txBody>
                     <a:bodyPr/>
@@ -19648,7 +19836,7 @@
                   </a:ext>
                 </a:extLst>
               </a:tr>
-              <a:tr h="353103">
+              <a:tr h="278142">
                 <a:tc>
                   <a:txBody>
                     <a:bodyPr/>
@@ -19783,7 +19971,7 @@
                   </a:ext>
                 </a:extLst>
               </a:tr>
-              <a:tr h="353103">
+              <a:tr h="278142">
                 <a:tc>
                   <a:txBody>
                     <a:bodyPr/>
@@ -19918,7 +20106,7 @@
                   </a:ext>
                 </a:extLst>
               </a:tr>
-              <a:tr h="229284">
+              <a:tr h="180609">
                 <a:tc>
                   <a:txBody>
                     <a:bodyPr/>
@@ -20053,7 +20241,7 @@
                   </a:ext>
                 </a:extLst>
               </a:tr>
-              <a:tr h="353103">
+              <a:tr h="278142">
                 <a:tc>
                   <a:txBody>
                     <a:bodyPr/>
@@ -20204,7 +20392,7 @@
                   </a:ext>
                 </a:extLst>
               </a:tr>
-              <a:tr h="353103">
+              <a:tr h="278142">
                 <a:tc>
                   <a:txBody>
                     <a:bodyPr/>
@@ -20323,7 +20511,7 @@
                   </a:ext>
                 </a:extLst>
               </a:tr>
-              <a:tr h="229284">
+              <a:tr h="180609">
                 <a:tc>
                   <a:txBody>
                     <a:bodyPr/>
@@ -20434,7 +20622,7 @@
                   </a:ext>
                 </a:extLst>
               </a:tr>
-              <a:tr h="229284">
+              <a:tr h="180609">
                 <a:tc>
                   <a:txBody>
                     <a:bodyPr/>
@@ -20545,7 +20733,7 @@
                   </a:ext>
                 </a:extLst>
               </a:tr>
-              <a:tr h="229284">
+              <a:tr h="180609">
                 <a:tc>
                   <a:txBody>
                     <a:bodyPr/>
@@ -20656,7 +20844,7 @@
                   </a:ext>
                 </a:extLst>
               </a:tr>
-              <a:tr h="353103">
+              <a:tr h="278142">
                 <a:tc>
                   <a:txBody>
                     <a:bodyPr/>
@@ -20811,7 +20999,7 @@
                   </a:ext>
                 </a:extLst>
               </a:tr>
-              <a:tr h="229284">
+              <a:tr h="180609">
                 <a:tc>
                   <a:txBody>
                     <a:bodyPr/>
@@ -20922,7 +21110,7 @@
                   </a:ext>
                 </a:extLst>
               </a:tr>
-              <a:tr h="229284">
+              <a:tr h="180609">
                 <a:tc>
                   <a:txBody>
                     <a:bodyPr/>
@@ -21364,6 +21552,55 @@
           </a:p>
         </p:txBody>
       </p:sp>
+      <p:sp>
+        <p:nvSpPr>
+          <p:cNvPr id="7" name="文本框 6">
+            <a:extLst>
+              <a:ext uri="{FF2B5EF4-FFF2-40B4-BE49-F238E27FC236}">
+                <a16:creationId xmlns:a16="http://schemas.microsoft.com/office/drawing/2014/main" id="{4B94CBAC-04DA-4F90-AE1B-8F434442F497}"/>
+              </a:ext>
+            </a:extLst>
+          </p:cNvPr>
+          <p:cNvSpPr txBox="1"/>
+          <p:nvPr/>
+        </p:nvSpPr>
+        <p:spPr>
+          <a:xfrm>
+            <a:off x="2075884" y="317090"/>
+            <a:ext cx="3905956" cy="1015663"/>
+          </a:xfrm>
+          <a:prstGeom prst="rect">
+            <a:avLst/>
+          </a:prstGeom>
+        </p:spPr>
+        <p:style>
+          <a:lnRef idx="3">
+            <a:schemeClr val="lt1"/>
+          </a:lnRef>
+          <a:fillRef idx="1">
+            <a:schemeClr val="accent2"/>
+          </a:fillRef>
+          <a:effectRef idx="1">
+            <a:schemeClr val="accent2"/>
+          </a:effectRef>
+          <a:fontRef idx="minor">
+            <a:schemeClr val="lt1"/>
+          </a:fontRef>
+        </p:style>
+        <p:txBody>
+          <a:bodyPr wrap="square" rtlCol="0">
+            <a:spAutoFit/>
+          </a:bodyPr>
+          <a:lstStyle/>
+          <a:p>
+            <a:pPr algn="ctr"/>
+            <a:r>
+              <a:rPr lang="zh-CN" altLang="en-US" sz="6000"/>
+              <a:t>功能菜单</a:t>
+            </a:r>
+          </a:p>
+        </p:txBody>
+      </p:sp>
     </p:spTree>
     <p:extLst>
       <p:ext uri="{BB962C8B-B14F-4D97-AF65-F5344CB8AC3E}">
@@ -21378,6 +21615,296 @@
 </file>
 
 <file path=ppt/slides/slide5.xml><?xml version="1.0" encoding="utf-8"?>
+<p:sld xmlns:a="http://schemas.openxmlformats.org/drawingml/2006/main" xmlns:r="http://schemas.openxmlformats.org/officeDocument/2006/relationships" xmlns:p="http://schemas.openxmlformats.org/presentationml/2006/main">
+  <p:cSld>
+    <p:spTree>
+      <p:nvGrpSpPr>
+        <p:cNvPr id="1" name=""/>
+        <p:cNvGrpSpPr/>
+        <p:nvPr/>
+      </p:nvGrpSpPr>
+      <p:grpSpPr>
+        <a:xfrm>
+          <a:off x="0" y="0"/>
+          <a:ext cx="0" cy="0"/>
+          <a:chOff x="0" y="0"/>
+          <a:chExt cx="0" cy="0"/>
+        </a:xfrm>
+      </p:grpSpPr>
+      <p:sp>
+        <p:nvSpPr>
+          <p:cNvPr id="2" name="文本框 1">
+            <a:extLst>
+              <a:ext uri="{FF2B5EF4-FFF2-40B4-BE49-F238E27FC236}">
+                <a16:creationId xmlns:a16="http://schemas.microsoft.com/office/drawing/2014/main" id="{9A7B9F5D-3EE6-4690-96A9-BE28225B5E1B}"/>
+              </a:ext>
+            </a:extLst>
+          </p:cNvPr>
+          <p:cNvSpPr txBox="1"/>
+          <p:nvPr/>
+        </p:nvSpPr>
+        <p:spPr>
+          <a:xfrm>
+            <a:off x="4605867" y="688622"/>
+            <a:ext cx="1338828" cy="369332"/>
+          </a:xfrm>
+          <a:prstGeom prst="rect">
+            <a:avLst/>
+          </a:prstGeom>
+          <a:noFill/>
+        </p:spPr>
+        <p:txBody>
+          <a:bodyPr wrap="none" rtlCol="0">
+            <a:spAutoFit/>
+          </a:bodyPr>
+          <a:lstStyle/>
+          <a:p>
+            <a:r>
+              <a:rPr lang="zh-CN" altLang="en-US"/>
+              <a:t>创建数据库</a:t>
+            </a:r>
+          </a:p>
+        </p:txBody>
+      </p:sp>
+      <p:sp>
+        <p:nvSpPr>
+          <p:cNvPr id="3" name="文本框 2">
+            <a:extLst>
+              <a:ext uri="{FF2B5EF4-FFF2-40B4-BE49-F238E27FC236}">
+                <a16:creationId xmlns:a16="http://schemas.microsoft.com/office/drawing/2014/main" id="{2955E836-7B87-4975-82B2-1EDB519F88F0}"/>
+              </a:ext>
+            </a:extLst>
+          </p:cNvPr>
+          <p:cNvSpPr txBox="1"/>
+          <p:nvPr/>
+        </p:nvSpPr>
+        <p:spPr>
+          <a:xfrm>
+            <a:off x="1444978" y="2404533"/>
+            <a:ext cx="309700" cy="646331"/>
+          </a:xfrm>
+          <a:prstGeom prst="rect">
+            <a:avLst/>
+          </a:prstGeom>
+          <a:noFill/>
+        </p:spPr>
+        <p:txBody>
+          <a:bodyPr wrap="none" rtlCol="0">
+            <a:spAutoFit/>
+          </a:bodyPr>
+          <a:lstStyle/>
+          <a:p>
+            <a:r>
+              <a:rPr lang="en-US" altLang="zh-CN"/>
+              <a:t>1</a:t>
+            </a:r>
+          </a:p>
+          <a:p>
+            <a:endParaRPr lang="zh-CN" altLang="en-US"/>
+          </a:p>
+        </p:txBody>
+      </p:sp>
+      <p:pic>
+        <p:nvPicPr>
+          <p:cNvPr id="4" name="图片 3">
+            <a:extLst>
+              <a:ext uri="{FF2B5EF4-FFF2-40B4-BE49-F238E27FC236}">
+                <a16:creationId xmlns:a16="http://schemas.microsoft.com/office/drawing/2014/main" id="{967CDCC2-1864-4E04-A2BD-61D198EFB1B4}"/>
+              </a:ext>
+            </a:extLst>
+          </p:cNvPr>
+          <p:cNvPicPr>
+            <a:picLocks noChangeAspect="1"/>
+          </p:cNvPicPr>
+          <p:nvPr/>
+        </p:nvPicPr>
+        <p:blipFill>
+          <a:blip r:embed="rId2"/>
+          <a:stretch>
+            <a:fillRect/>
+          </a:stretch>
+        </p:blipFill>
+        <p:spPr>
+          <a:xfrm>
+            <a:off x="3492076" y="317287"/>
+            <a:ext cx="8314286" cy="3466667"/>
+          </a:xfrm>
+          <a:prstGeom prst="rect">
+            <a:avLst/>
+          </a:prstGeom>
+        </p:spPr>
+      </p:pic>
+      <p:pic>
+        <p:nvPicPr>
+          <p:cNvPr id="9" name="图片 8">
+            <a:extLst>
+              <a:ext uri="{FF2B5EF4-FFF2-40B4-BE49-F238E27FC236}">
+                <a16:creationId xmlns:a16="http://schemas.microsoft.com/office/drawing/2014/main" id="{EFF0DA46-28E8-4DBF-AFC6-C9FD40D3458C}"/>
+              </a:ext>
+            </a:extLst>
+          </p:cNvPr>
+          <p:cNvPicPr>
+            <a:picLocks noChangeAspect="1"/>
+          </p:cNvPicPr>
+          <p:nvPr/>
+        </p:nvPicPr>
+        <p:blipFill>
+          <a:blip r:embed="rId3"/>
+          <a:stretch>
+            <a:fillRect/>
+          </a:stretch>
+        </p:blipFill>
+        <p:spPr>
+          <a:xfrm>
+            <a:off x="4927827" y="3845475"/>
+            <a:ext cx="5133333" cy="2695238"/>
+          </a:xfrm>
+          <a:prstGeom prst="rect">
+            <a:avLst/>
+          </a:prstGeom>
+        </p:spPr>
+      </p:pic>
+      <p:sp>
+        <p:nvSpPr>
+          <p:cNvPr id="10" name="文本框 9">
+            <a:extLst>
+              <a:ext uri="{FF2B5EF4-FFF2-40B4-BE49-F238E27FC236}">
+                <a16:creationId xmlns:a16="http://schemas.microsoft.com/office/drawing/2014/main" id="{1B1898C7-951F-4023-99F1-9022EDAD6063}"/>
+              </a:ext>
+            </a:extLst>
+          </p:cNvPr>
+          <p:cNvSpPr txBox="1"/>
+          <p:nvPr/>
+        </p:nvSpPr>
+        <p:spPr>
+          <a:xfrm>
+            <a:off x="1241778" y="3903132"/>
+            <a:ext cx="1741182" cy="2308324"/>
+          </a:xfrm>
+          <a:prstGeom prst="rect">
+            <a:avLst/>
+          </a:prstGeom>
+          <a:noFill/>
+        </p:spPr>
+        <p:txBody>
+          <a:bodyPr wrap="none" rtlCol="0">
+            <a:spAutoFit/>
+          </a:bodyPr>
+          <a:lstStyle/>
+          <a:p>
+            <a:r>
+              <a:rPr lang="en-US" altLang="zh-CN"/>
+              <a:t>userId,int</a:t>
+            </a:r>
+          </a:p>
+          <a:p>
+            <a:r>
+              <a:rPr lang="en-US" altLang="zh-CN"/>
+              <a:t>userName</a:t>
+            </a:r>
+          </a:p>
+          <a:p>
+            <a:r>
+              <a:rPr lang="en-US" altLang="zh-CN"/>
+              <a:t>passWord</a:t>
+            </a:r>
+          </a:p>
+          <a:p>
+            <a:r>
+              <a:rPr lang="en-US" altLang="zh-CN"/>
+              <a:t>sex</a:t>
+            </a:r>
+          </a:p>
+          <a:p>
+            <a:r>
+              <a:rPr lang="en-US" altLang="zh-CN"/>
+              <a:t>userIdNumber</a:t>
+            </a:r>
+          </a:p>
+          <a:p>
+            <a:r>
+              <a:rPr lang="en-US" altLang="zh-CN"/>
+              <a:t>tel</a:t>
+            </a:r>
+          </a:p>
+          <a:p>
+            <a:r>
+              <a:rPr lang="en-US" altLang="zh-CN"/>
+              <a:t>addr</a:t>
+            </a:r>
+          </a:p>
+          <a:p>
+            <a:r>
+              <a:rPr lang="en-US" altLang="zh-CN"/>
+              <a:t>type,int</a:t>
+            </a:r>
+          </a:p>
+        </p:txBody>
+      </p:sp>
+      <p:sp>
+        <p:nvSpPr>
+          <p:cNvPr id="5" name="文本框 4">
+            <a:extLst>
+              <a:ext uri="{FF2B5EF4-FFF2-40B4-BE49-F238E27FC236}">
+                <a16:creationId xmlns:a16="http://schemas.microsoft.com/office/drawing/2014/main" id="{88F78EA5-3983-4DE4-AB8F-217371B0C9AB}"/>
+              </a:ext>
+            </a:extLst>
+          </p:cNvPr>
+          <p:cNvSpPr txBox="1"/>
+          <p:nvPr/>
+        </p:nvSpPr>
+        <p:spPr>
+          <a:xfrm>
+            <a:off x="645459" y="1057953"/>
+            <a:ext cx="2563906" cy="1015663"/>
+          </a:xfrm>
+          <a:prstGeom prst="rect">
+            <a:avLst/>
+          </a:prstGeom>
+        </p:spPr>
+        <p:style>
+          <a:lnRef idx="3">
+            <a:schemeClr val="lt1"/>
+          </a:lnRef>
+          <a:fillRef idx="1">
+            <a:schemeClr val="accent2"/>
+          </a:fillRef>
+          <a:effectRef idx="1">
+            <a:schemeClr val="accent2"/>
+          </a:effectRef>
+          <a:fontRef idx="minor">
+            <a:schemeClr val="lt1"/>
+          </a:fontRef>
+        </p:style>
+        <p:txBody>
+          <a:bodyPr wrap="square" rtlCol="0">
+            <a:spAutoFit/>
+          </a:bodyPr>
+          <a:lstStyle/>
+          <a:p>
+            <a:pPr algn="ctr"/>
+            <a:r>
+              <a:rPr lang="en-US" altLang="zh-CN" sz="6000"/>
+              <a:t>User</a:t>
+            </a:r>
+            <a:endParaRPr lang="zh-CN" altLang="en-US" sz="6000"/>
+          </a:p>
+        </p:txBody>
+      </p:sp>
+    </p:spTree>
+    <p:extLst>
+      <p:ext uri="{BB962C8B-B14F-4D97-AF65-F5344CB8AC3E}">
+        <p14:creationId xmlns:p14="http://schemas.microsoft.com/office/powerpoint/2010/main" val="2691642793"/>
+      </p:ext>
+    </p:extLst>
+  </p:cSld>
+  <p:clrMapOvr>
+    <a:masterClrMapping/>
+  </p:clrMapOvr>
+</p:sld>
+</file>
+
+<file path=ppt/slides/slide6.xml><?xml version="1.0" encoding="utf-8"?>
 <p:sld xmlns:a="http://schemas.openxmlformats.org/drawingml/2006/main" xmlns:r="http://schemas.openxmlformats.org/officeDocument/2006/relationships" xmlns:p="http://schemas.openxmlformats.org/presentationml/2006/main">
   <p:cSld>
     <p:spTree>
@@ -21843,12 +22370,65 @@
           </a:p>
         </p:txBody>
       </p:sp>
+      <p:sp>
+        <p:nvSpPr>
+          <p:cNvPr id="7" name="文本框 6">
+            <a:extLst>
+              <a:ext uri="{FF2B5EF4-FFF2-40B4-BE49-F238E27FC236}">
+                <a16:creationId xmlns:a16="http://schemas.microsoft.com/office/drawing/2014/main" id="{2F12A81A-E92F-461B-B7E0-9A52061F1287}"/>
+              </a:ext>
+            </a:extLst>
+          </p:cNvPr>
+          <p:cNvSpPr txBox="1"/>
+          <p:nvPr/>
+        </p:nvSpPr>
+        <p:spPr>
+          <a:xfrm>
+            <a:off x="306791" y="366231"/>
+            <a:ext cx="8148585" cy="707886"/>
+          </a:xfrm>
+          <a:prstGeom prst="rect">
+            <a:avLst/>
+          </a:prstGeom>
+        </p:spPr>
+        <p:style>
+          <a:lnRef idx="3">
+            <a:schemeClr val="lt1"/>
+          </a:lnRef>
+          <a:fillRef idx="1">
+            <a:schemeClr val="accent2"/>
+          </a:fillRef>
+          <a:effectRef idx="1">
+            <a:schemeClr val="accent2"/>
+          </a:effectRef>
+          <a:fontRef idx="minor">
+            <a:schemeClr val="lt1"/>
+          </a:fontRef>
+        </p:style>
+        <p:txBody>
+          <a:bodyPr wrap="square" rtlCol="0">
+            <a:spAutoFit/>
+          </a:bodyPr>
+          <a:lstStyle/>
+          <a:p>
+            <a:pPr algn="ctr"/>
+            <a:r>
+              <a:rPr lang="en-US" altLang="zh-CN" sz="4000"/>
+              <a:t>5 &gt;&gt; </a:t>
+            </a:r>
+            <a:r>
+              <a:rPr lang="zh-CN" altLang="en-US" sz="4000"/>
+              <a:t>查看全部汽车（主界面）</a:t>
+            </a:r>
+          </a:p>
+        </p:txBody>
+      </p:sp>
       <p:pic>
         <p:nvPicPr>
-          <p:cNvPr id="5" name="图片 4">
+          <p:cNvPr id="4" name="图片 3">
             <a:extLst>
               <a:ext uri="{FF2B5EF4-FFF2-40B4-BE49-F238E27FC236}">
-                <a16:creationId xmlns:a16="http://schemas.microsoft.com/office/drawing/2014/main" id="{BE20BE8A-E0F0-4DCF-A0BD-28CE852E522B}"/>
+                <a16:creationId xmlns:a16="http://schemas.microsoft.com/office/drawing/2014/main" id="{C4450272-8F42-4374-8FE4-A36CF0B2F0A1}"/>
               </a:ext>
             </a:extLst>
           </p:cNvPr>
@@ -21865,78 +22445,179 @@
         </p:blipFill>
         <p:spPr>
           <a:xfrm>
-            <a:off x="4730628" y="1341279"/>
-            <a:ext cx="6523809" cy="3114286"/>
+            <a:off x="6472772" y="101600"/>
+            <a:ext cx="5325438" cy="6858000"/>
           </a:xfrm>
           <a:prstGeom prst="rect">
             <a:avLst/>
           </a:prstGeom>
         </p:spPr>
       </p:pic>
-      <p:pic>
-        <p:nvPicPr>
-          <p:cNvPr id="6" name="图片 5">
+      <p:sp>
+        <p:nvSpPr>
+          <p:cNvPr id="2" name="文本框 1">
             <a:extLst>
               <a:ext uri="{FF2B5EF4-FFF2-40B4-BE49-F238E27FC236}">
-                <a16:creationId xmlns:a16="http://schemas.microsoft.com/office/drawing/2014/main" id="{8005F9E2-A79C-4868-BA36-6A7673396584}"/>
+                <a16:creationId xmlns:a16="http://schemas.microsoft.com/office/drawing/2014/main" id="{766B15C4-3A72-4BC6-99FD-04ABDBC57132}"/>
               </a:ext>
             </a:extLst>
           </p:cNvPr>
-          <p:cNvPicPr>
-            <a:picLocks noChangeAspect="1"/>
-          </p:cNvPicPr>
+          <p:cNvSpPr txBox="1"/>
           <p:nvPr/>
-        </p:nvPicPr>
-        <p:blipFill>
-          <a:blip r:embed="rId3"/>
-          <a:stretch>
-            <a:fillRect/>
-          </a:stretch>
-        </p:blipFill>
+        </p:nvSpPr>
         <p:spPr>
           <a:xfrm>
-            <a:off x="1653143" y="1338524"/>
-            <a:ext cx="8885714" cy="4180952"/>
+            <a:off x="496712" y="1906137"/>
+            <a:ext cx="8780612" cy="3323987"/>
           </a:xfrm>
           <a:prstGeom prst="rect">
             <a:avLst/>
           </a:prstGeom>
         </p:spPr>
-      </p:pic>
+        <p:style>
+          <a:lnRef idx="2">
+            <a:schemeClr val="accent6">
+              <a:shade val="50000"/>
+            </a:schemeClr>
+          </a:lnRef>
+          <a:fillRef idx="1">
+            <a:schemeClr val="accent6"/>
+          </a:fillRef>
+          <a:effectRef idx="0">
+            <a:schemeClr val="accent6"/>
+          </a:effectRef>
+          <a:fontRef idx="minor">
+            <a:schemeClr val="lt1"/>
+          </a:fontRef>
+        </p:style>
+        <p:txBody>
+          <a:bodyPr wrap="square" rtlCol="0">
+            <a:spAutoFit/>
+          </a:bodyPr>
+          <a:lstStyle/>
+          <a:p>
+            <a:pPr marL="342900" indent="-342900">
+              <a:buAutoNum type="arabicPeriod"/>
+            </a:pPr>
+            <a:r>
+              <a:rPr lang="zh-CN" altLang="en-US" sz="1400"/>
+              <a:t>创建表</a:t>
+            </a:r>
+            <a:endParaRPr lang="en-US" altLang="zh-CN" sz="1400"/>
+          </a:p>
+          <a:p>
+            <a:pPr marL="800100" lvl="1" indent="-342900">
+              <a:buFont typeface="Arial" panose="020B0604020202020204" pitchFamily="34" charset="0"/>
+              <a:buChar char="•"/>
+            </a:pPr>
+            <a:r>
+              <a:rPr lang="zh-CN" altLang="en-US" sz="1400"/>
+              <a:t>汽车品牌表</a:t>
+            </a:r>
+          </a:p>
+          <a:p>
+            <a:pPr marL="800100" lvl="1" indent="-342900">
+              <a:buFont typeface="Arial" panose="020B0604020202020204" pitchFamily="34" charset="0"/>
+              <a:buChar char="•"/>
+            </a:pPr>
+            <a:r>
+              <a:rPr lang="zh-CN" altLang="en-US" sz="1400"/>
+              <a:t>汽车类别表</a:t>
+            </a:r>
+          </a:p>
+          <a:p>
+            <a:pPr marL="800100" lvl="1" indent="-342900">
+              <a:buFont typeface="Arial" panose="020B0604020202020204" pitchFamily="34" charset="0"/>
+              <a:buChar char="•"/>
+            </a:pPr>
+            <a:r>
+              <a:rPr lang="zh-CN" altLang="en-US" sz="1400"/>
+              <a:t>汽车信息表</a:t>
+            </a:r>
+          </a:p>
+          <a:p>
+            <a:pPr marL="800100" lvl="1" indent="-342900">
+              <a:buFont typeface="Arial" panose="020B0604020202020204" pitchFamily="34" charset="0"/>
+              <a:buChar char="•"/>
+            </a:pPr>
+            <a:r>
+              <a:rPr lang="zh-CN" altLang="en-US" sz="1400"/>
+              <a:t>汽车租赁记录表</a:t>
+            </a:r>
+          </a:p>
+          <a:p>
+            <a:pPr marL="342900" indent="-342900">
+              <a:buAutoNum type="arabicPeriod"/>
+            </a:pPr>
+            <a:r>
+              <a:rPr lang="zh-CN" altLang="en-US" sz="1400"/>
+              <a:t>多表查询语句</a:t>
+            </a:r>
+            <a:endParaRPr lang="en-US" altLang="zh-CN" sz="1400"/>
+          </a:p>
+          <a:p>
+            <a:pPr marL="742950" lvl="1" indent="-285750">
+              <a:buFont typeface="Arial" panose="020B0604020202020204" pitchFamily="34" charset="0"/>
+              <a:buChar char="•"/>
+            </a:pPr>
+            <a:r>
+              <a:rPr lang="zh-CN" altLang="en-US" sz="1400"/>
+              <a:t>三表查询：车、品牌、类型：</a:t>
+            </a:r>
+            <a:r>
+              <a:rPr lang="en-US" altLang="zh-CN" sz="1400"/>
+              <a:t>select a.id,a.model,a.t_comments,b.brand_name,c.category_name,a.rent,a.useable from car a join car_brand b on a.brand_id=b.id join car_category c on a.category_id = c.id order by a.id;</a:t>
+            </a:r>
+          </a:p>
+          <a:p>
+            <a:pPr marL="742950" lvl="1" indent="-285750">
+              <a:buFont typeface="Arial" panose="020B0604020202020204" pitchFamily="34" charset="0"/>
+              <a:buChar char="•"/>
+            </a:pPr>
+            <a:r>
+              <a:rPr lang="zh-CN" altLang="en-US" sz="1400"/>
+              <a:t>按照车辆租赁价格排序：</a:t>
+            </a:r>
+            <a:r>
+              <a:rPr lang="en-US" altLang="zh-CN" sz="1400"/>
+              <a:t> select a.id,a.model,a.t_comments,b.brand_name,c.category_name,a.rent,a.useable from car a join car_brand b on a.brand_id=b.id join car_category c on a.category_id = c.id order by a.rent;</a:t>
+            </a:r>
+          </a:p>
+          <a:p>
+            <a:pPr marL="342900" indent="-342900">
+              <a:buAutoNum type="arabicPeriod"/>
+            </a:pPr>
+            <a:r>
+              <a:rPr lang="zh-CN" altLang="en-US" sz="1400"/>
+              <a:t>服务器端业务流跑起来</a:t>
+            </a:r>
+            <a:endParaRPr lang="en-US" altLang="zh-CN" sz="1400"/>
+          </a:p>
+          <a:p>
+            <a:pPr marL="342900" indent="-342900">
+              <a:buAutoNum type="arabicPeriod"/>
+            </a:pPr>
+            <a:r>
+              <a:rPr lang="zh-CN" altLang="en-US" sz="1400"/>
+              <a:t>加前端和</a:t>
+            </a:r>
+            <a:r>
+              <a:rPr lang="en-US" altLang="zh-CN" sz="1400"/>
+              <a:t>socket</a:t>
+            </a:r>
+          </a:p>
+          <a:p>
+            <a:pPr marL="342900" indent="-342900">
+              <a:buAutoNum type="arabicPeriod"/>
+            </a:pPr>
+            <a:endParaRPr lang="zh-CN" altLang="en-US" sz="1400"/>
+          </a:p>
+        </p:txBody>
+      </p:sp>
     </p:spTree>
     <p:extLst>
       <p:ext uri="{BB962C8B-B14F-4D97-AF65-F5344CB8AC3E}">
         <p14:creationId xmlns:p14="http://schemas.microsoft.com/office/powerpoint/2010/main" val="598163514"/>
-      </p:ext>
-    </p:extLst>
-  </p:cSld>
-  <p:clrMapOvr>
-    <a:masterClrMapping/>
-  </p:clrMapOvr>
-</p:sld>
-</file>
-
-<file path=ppt/slides/slide6.xml><?xml version="1.0" encoding="utf-8"?>
-<p:sld xmlns:a="http://schemas.openxmlformats.org/drawingml/2006/main" xmlns:r="http://schemas.openxmlformats.org/officeDocument/2006/relationships" xmlns:p="http://schemas.openxmlformats.org/presentationml/2006/main">
-  <p:cSld>
-    <p:spTree>
-      <p:nvGrpSpPr>
-        <p:cNvPr id="1" name=""/>
-        <p:cNvGrpSpPr/>
-        <p:nvPr/>
-      </p:nvGrpSpPr>
-      <p:grpSpPr>
-        <a:xfrm>
-          <a:off x="0" y="0"/>
-          <a:ext cx="0" cy="0"/>
-          <a:chOff x="0" y="0"/>
-          <a:chExt cx="0" cy="0"/>
-        </a:xfrm>
-      </p:grpSpPr>
-    </p:spTree>
-    <p:extLst>
-      <p:ext uri="{BB962C8B-B14F-4D97-AF65-F5344CB8AC3E}">
-        <p14:creationId xmlns:p14="http://schemas.microsoft.com/office/powerpoint/2010/main" val="3255752306"/>
       </p:ext>
     </p:extLst>
   </p:cSld>
@@ -21967,6 +22648,66 @@
     <p:extLst>
       <p:ext uri="{BB962C8B-B14F-4D97-AF65-F5344CB8AC3E}">
         <p14:creationId xmlns:p14="http://schemas.microsoft.com/office/powerpoint/2010/main" val="623817231"/>
+      </p:ext>
+    </p:extLst>
+  </p:cSld>
+  <p:clrMapOvr>
+    <a:masterClrMapping/>
+  </p:clrMapOvr>
+</p:sld>
+</file>
+
+<file path=ppt/slides/slide8.xml><?xml version="1.0" encoding="utf-8"?>
+<p:sld xmlns:a="http://schemas.openxmlformats.org/drawingml/2006/main" xmlns:r="http://schemas.openxmlformats.org/officeDocument/2006/relationships" xmlns:p="http://schemas.openxmlformats.org/presentationml/2006/main">
+  <p:cSld>
+    <p:spTree>
+      <p:nvGrpSpPr>
+        <p:cNvPr id="1" name=""/>
+        <p:cNvGrpSpPr/>
+        <p:nvPr/>
+      </p:nvGrpSpPr>
+      <p:grpSpPr>
+        <a:xfrm>
+          <a:off x="0" y="0"/>
+          <a:ext cx="0" cy="0"/>
+          <a:chOff x="0" y="0"/>
+          <a:chExt cx="0" cy="0"/>
+        </a:xfrm>
+      </p:grpSpPr>
+    </p:spTree>
+    <p:extLst>
+      <p:ext uri="{BB962C8B-B14F-4D97-AF65-F5344CB8AC3E}">
+        <p14:creationId xmlns:p14="http://schemas.microsoft.com/office/powerpoint/2010/main" val="2398310628"/>
+      </p:ext>
+    </p:extLst>
+  </p:cSld>
+  <p:clrMapOvr>
+    <a:masterClrMapping/>
+  </p:clrMapOvr>
+</p:sld>
+</file>
+
+<file path=ppt/slides/slide9.xml><?xml version="1.0" encoding="utf-8"?>
+<p:sld xmlns:a="http://schemas.openxmlformats.org/drawingml/2006/main" xmlns:r="http://schemas.openxmlformats.org/officeDocument/2006/relationships" xmlns:p="http://schemas.openxmlformats.org/presentationml/2006/main">
+  <p:cSld>
+    <p:spTree>
+      <p:nvGrpSpPr>
+        <p:cNvPr id="1" name=""/>
+        <p:cNvGrpSpPr/>
+        <p:nvPr/>
+      </p:nvGrpSpPr>
+      <p:grpSpPr>
+        <a:xfrm>
+          <a:off x="0" y="0"/>
+          <a:ext cx="0" cy="0"/>
+          <a:chOff x="0" y="0"/>
+          <a:chExt cx="0" cy="0"/>
+        </a:xfrm>
+      </p:grpSpPr>
+    </p:spTree>
+    <p:extLst>
+      <p:ext uri="{BB962C8B-B14F-4D97-AF65-F5344CB8AC3E}">
+        <p14:creationId xmlns:p14="http://schemas.microsoft.com/office/powerpoint/2010/main" val="2067569670"/>
       </p:ext>
     </p:extLst>
   </p:cSld>
